--- a/21_useReducer.pptx
+++ b/21_useReducer.pptx
@@ -17,7 +17,9 @@
     <p:sldId id="416" r:id="rId11"/>
     <p:sldId id="417" r:id="rId12"/>
     <p:sldId id="419" r:id="rId13"/>
-    <p:sldId id="418" r:id="rId14"/>
+    <p:sldId id="422" r:id="rId14"/>
+    <p:sldId id="420" r:id="rId15"/>
+    <p:sldId id="421" r:id="rId16"/>
   </p:sldIdLst>
   <p:sldSz cx="12192000" cy="6858000"/>
   <p:notesSz cx="6858000" cy="9144000"/>
@@ -287,7 +289,7 @@
           <a:p>
             <a:fld id="{1160EA64-D806-43AC-9DF2-F8C432F32B4C}" type="datetimeFigureOut">
               <a:rPr lang="en-US" dirty="0"/>
-              <a:t>5/6/2024</a:t>
+              <a:t>5/7/2024</a:t>
             </a:fld>
             <a:endParaRPr lang="en-US" dirty="0"/>
           </a:p>
@@ -453,7 +455,7 @@
           <a:p>
             <a:fld id="{E9F9C37B-1D36-470B-8223-D6C91242EC14}" type="datetimeFigureOut">
               <a:rPr lang="en-US" dirty="0"/>
-              <a:t>5/6/2024</a:t>
+              <a:t>5/7/2024</a:t>
             </a:fld>
             <a:endParaRPr lang="en-US" dirty="0"/>
           </a:p>
@@ -628,7 +630,7 @@
           <a:p>
             <a:fld id="{67C6F52A-A82B-47A2-A83A-8C4C91F2D59F}" type="datetimeFigureOut">
               <a:rPr lang="en-US" dirty="0"/>
-              <a:t>5/6/2024</a:t>
+              <a:t>5/7/2024</a:t>
             </a:fld>
             <a:endParaRPr lang="en-US" dirty="0"/>
           </a:p>
@@ -793,7 +795,7 @@
           <a:p>
             <a:fld id="{F070A7B3-6521-4DCA-87E5-044747A908C1}" type="datetimeFigureOut">
               <a:rPr lang="en-US" dirty="0"/>
-              <a:t>5/6/2024</a:t>
+              <a:t>5/7/2024</a:t>
             </a:fld>
             <a:endParaRPr lang="en-US" dirty="0"/>
           </a:p>
@@ -1057,7 +1059,7 @@
           <a:p>
             <a:fld id="{1160EA64-D806-43AC-9DF2-F8C432F32B4C}" type="datetimeFigureOut">
               <a:rPr lang="en-US" dirty="0"/>
-              <a:t>5/6/2024</a:t>
+              <a:t>5/7/2024</a:t>
             </a:fld>
             <a:endParaRPr lang="en-US" dirty="0"/>
           </a:p>
@@ -1285,7 +1287,7 @@
           <a:p>
             <a:fld id="{AB134690-1557-4C89-A502-4959FE7FAD70}" type="datetimeFigureOut">
               <a:rPr lang="en-US" dirty="0"/>
-              <a:t>5/6/2024</a:t>
+              <a:t>5/7/2024</a:t>
             </a:fld>
             <a:endParaRPr lang="en-US" dirty="0"/>
           </a:p>
@@ -1639,7 +1641,7 @@
           <a:p>
             <a:fld id="{4F7D4976-E339-4826-83B7-FBD03F55ECF8}" type="datetimeFigureOut">
               <a:rPr lang="en-US" dirty="0"/>
-              <a:t>5/6/2024</a:t>
+              <a:t>5/7/2024</a:t>
             </a:fld>
             <a:endParaRPr lang="en-US" dirty="0"/>
           </a:p>
@@ -1775,7 +1777,7 @@
           <a:p>
             <a:fld id="{E1037C31-9E7A-4F99-8774-A0E530DE1A42}" type="datetimeFigureOut">
               <a:rPr lang="en-US" dirty="0"/>
-              <a:t>5/6/2024</a:t>
+              <a:t>5/7/2024</a:t>
             </a:fld>
             <a:endParaRPr lang="en-US" dirty="0"/>
           </a:p>
@@ -1865,7 +1867,7 @@
           <a:p>
             <a:fld id="{C278504F-A551-4DE0-9316-4DCD1D8CC752}" type="datetimeFigureOut">
               <a:rPr lang="en-US" dirty="0"/>
-              <a:t>5/6/2024</a:t>
+              <a:t>5/7/2024</a:t>
             </a:fld>
             <a:endParaRPr lang="en-US" dirty="0"/>
           </a:p>
@@ -2217,7 +2219,7 @@
           <a:p>
             <a:fld id="{D1BE4249-C0D0-4B06-8692-E8BB871AF643}" type="datetimeFigureOut">
               <a:rPr lang="en-US" dirty="0"/>
-              <a:t>5/6/2024</a:t>
+              <a:t>5/7/2024</a:t>
             </a:fld>
             <a:endParaRPr lang="en-US" dirty="0"/>
           </a:p>
@@ -2569,7 +2571,7 @@
           <a:p>
             <a:fld id="{042B0DB6-F5C7-45FB-8CF3-31B45F9C2DAC}" type="datetimeFigureOut">
               <a:rPr lang="en-US" dirty="0"/>
-              <a:t>5/6/2024</a:t>
+              <a:t>5/7/2024</a:t>
             </a:fld>
             <a:endParaRPr lang="en-US" dirty="0"/>
           </a:p>
@@ -2805,7 +2807,7 @@
           <a:p>
             <a:fld id="{1160EA64-D806-43AC-9DF2-F8C432F32B4C}" type="datetimeFigureOut">
               <a:rPr lang="en-US" dirty="0"/>
-              <a:t>5/6/2024</a:t>
+              <a:t>5/7/2024</a:t>
             </a:fld>
             <a:endParaRPr lang="en-US" dirty="0"/>
           </a:p>
@@ -5232,7 +5234,7 @@
         <p:spPr>
           <a:xfrm>
             <a:off x="3048000" y="2862031"/>
-            <a:ext cx="6096000" cy="3231654"/>
+            <a:ext cx="6096000" cy="2185214"/>
           </a:xfrm>
           <a:prstGeom prst="rect">
             <a:avLst/>
@@ -5248,7 +5250,7 @@
           <a:lstStyle/>
           <a:p>
             <a:r>
-              <a:rPr lang="en-US" sz="1200" dirty="0">
+              <a:rPr lang="en-US" sz="800" dirty="0">
                 <a:solidFill>
                   <a:srgbClr val="569CD6"/>
                 </a:solidFill>
@@ -5257,7 +5259,7 @@
               <a:t>function</a:t>
             </a:r>
             <a:r>
-              <a:rPr lang="en-US" sz="1200" dirty="0">
+              <a:rPr lang="en-US" sz="800" dirty="0">
                 <a:solidFill>
                   <a:srgbClr val="CCCCCC"/>
                 </a:solidFill>
@@ -5266,7 +5268,7 @@
               <a:t> </a:t>
             </a:r>
             <a:r>
-              <a:rPr lang="en-US" sz="1200" dirty="0">
+              <a:rPr lang="en-US" sz="800" dirty="0">
                 <a:solidFill>
                   <a:srgbClr val="DCDCAA"/>
                 </a:solidFill>
@@ -5275,7 +5277,7 @@
               <a:t>reducer</a:t>
             </a:r>
             <a:r>
-              <a:rPr lang="en-US" sz="1200" dirty="0">
+              <a:rPr lang="en-US" sz="800" dirty="0">
                 <a:solidFill>
                   <a:srgbClr val="CCCCCC"/>
                 </a:solidFill>
@@ -5284,7 +5286,7 @@
               <a:t>(</a:t>
             </a:r>
             <a:r>
-              <a:rPr lang="en-US" sz="1200" dirty="0">
+              <a:rPr lang="en-US" sz="800" dirty="0">
                 <a:solidFill>
                   <a:srgbClr val="9CDCFE"/>
                 </a:solidFill>
@@ -5293,7 +5295,7 @@
               <a:t>state</a:t>
             </a:r>
             <a:r>
-              <a:rPr lang="en-US" sz="1200" dirty="0">
+              <a:rPr lang="en-US" sz="800" dirty="0">
                 <a:solidFill>
                   <a:srgbClr val="CCCCCC"/>
                 </a:solidFill>
@@ -5302,7 +5304,7 @@
               <a:t>, </a:t>
             </a:r>
             <a:r>
-              <a:rPr lang="en-US" sz="1200" dirty="0">
+              <a:rPr lang="en-US" sz="800" dirty="0">
                 <a:solidFill>
                   <a:srgbClr val="9CDCFE"/>
                 </a:solidFill>
@@ -5311,7 +5313,7 @@
               <a:t>action</a:t>
             </a:r>
             <a:r>
-              <a:rPr lang="en-US" sz="1200" dirty="0">
+              <a:rPr lang="en-US" sz="800" dirty="0">
                 <a:solidFill>
                   <a:srgbClr val="CCCCCC"/>
                 </a:solidFill>
@@ -5322,7 +5324,7 @@
           </a:p>
           <a:p>
             <a:r>
-              <a:rPr lang="en-US" sz="1200" dirty="0">
+              <a:rPr lang="en-US" sz="800" dirty="0">
                 <a:solidFill>
                   <a:srgbClr val="CCCCCC"/>
                 </a:solidFill>
@@ -5331,7 +5333,7 @@
               <a:t>  </a:t>
             </a:r>
             <a:r>
-              <a:rPr lang="en-US" sz="1200" dirty="0">
+              <a:rPr lang="en-US" sz="800" dirty="0">
                 <a:solidFill>
                   <a:srgbClr val="C586C0"/>
                 </a:solidFill>
@@ -5340,7 +5342,7 @@
               <a:t>switch</a:t>
             </a:r>
             <a:r>
-              <a:rPr lang="en-US" sz="1200" dirty="0">
+              <a:rPr lang="en-US" sz="800" dirty="0">
                 <a:solidFill>
                   <a:srgbClr val="CCCCCC"/>
                 </a:solidFill>
@@ -5349,7 +5351,7 @@
               <a:t> (</a:t>
             </a:r>
             <a:r>
-              <a:rPr lang="en-US" sz="1200" dirty="0">
+              <a:rPr lang="en-US" sz="800" dirty="0">
                 <a:solidFill>
                   <a:srgbClr val="9CDCFE"/>
                 </a:solidFill>
@@ -5358,7 +5360,7 @@
               <a:t>action</a:t>
             </a:r>
             <a:r>
-              <a:rPr lang="en-US" sz="1200" dirty="0">
+              <a:rPr lang="en-US" sz="800" dirty="0">
                 <a:solidFill>
                   <a:srgbClr val="D4D4D4"/>
                 </a:solidFill>
@@ -5367,7 +5369,7 @@
               <a:t>.</a:t>
             </a:r>
             <a:r>
-              <a:rPr lang="en-US" sz="1200" dirty="0">
+              <a:rPr lang="en-US" sz="800" dirty="0">
                 <a:solidFill>
                   <a:srgbClr val="9CDCFE"/>
                 </a:solidFill>
@@ -5376,7 +5378,7 @@
               <a:t>type</a:t>
             </a:r>
             <a:r>
-              <a:rPr lang="en-US" sz="1200" dirty="0">
+              <a:rPr lang="en-US" sz="800" dirty="0">
                 <a:solidFill>
                   <a:srgbClr val="CCCCCC"/>
                 </a:solidFill>
@@ -5387,7 +5389,7 @@
           </a:p>
           <a:p>
             <a:r>
-              <a:rPr lang="en-US" sz="1200" dirty="0">
+              <a:rPr lang="en-US" sz="800" dirty="0">
                 <a:solidFill>
                   <a:srgbClr val="CCCCCC"/>
                 </a:solidFill>
@@ -5396,7 +5398,7 @@
               <a:t>    </a:t>
             </a:r>
             <a:r>
-              <a:rPr lang="en-US" sz="1200" dirty="0">
+              <a:rPr lang="en-US" sz="800" dirty="0">
                 <a:solidFill>
                   <a:srgbClr val="C586C0"/>
                 </a:solidFill>
@@ -5405,7 +5407,7 @@
               <a:t>case</a:t>
             </a:r>
             <a:r>
-              <a:rPr lang="en-US" sz="1200" dirty="0">
+              <a:rPr lang="en-US" sz="800" dirty="0">
                 <a:solidFill>
                   <a:srgbClr val="CCCCCC"/>
                 </a:solidFill>
@@ -5414,7 +5416,7 @@
               <a:t> </a:t>
             </a:r>
             <a:r>
-              <a:rPr lang="en-US" sz="1200" dirty="0">
+              <a:rPr lang="en-US" sz="800" dirty="0">
                 <a:solidFill>
                   <a:srgbClr val="CE9178"/>
                 </a:solidFill>
@@ -5423,7 +5425,7 @@
               <a:t>'incremented_age'</a:t>
             </a:r>
             <a:r>
-              <a:rPr lang="en-US" sz="1200" dirty="0">
+              <a:rPr lang="en-US" sz="800" dirty="0">
                 <a:solidFill>
                   <a:srgbClr val="D4D4D4"/>
                 </a:solidFill>
@@ -5432,7 +5434,7 @@
               <a:t>:</a:t>
             </a:r>
             <a:r>
-              <a:rPr lang="en-US" sz="1200" dirty="0">
+              <a:rPr lang="en-US" sz="800" dirty="0">
                 <a:solidFill>
                   <a:srgbClr val="CCCCCC"/>
                 </a:solidFill>
@@ -5443,7 +5445,7 @@
           </a:p>
           <a:p>
             <a:r>
-              <a:rPr lang="en-US" sz="1200" dirty="0">
+              <a:rPr lang="en-US" sz="800" dirty="0">
                 <a:solidFill>
                   <a:srgbClr val="CCCCCC"/>
                 </a:solidFill>
@@ -5452,7 +5454,7 @@
               <a:t>      </a:t>
             </a:r>
             <a:r>
-              <a:rPr lang="en-US" sz="1200" dirty="0">
+              <a:rPr lang="en-US" sz="800" dirty="0">
                 <a:solidFill>
                   <a:srgbClr val="C586C0"/>
                 </a:solidFill>
@@ -5461,7 +5463,7 @@
               <a:t>return</a:t>
             </a:r>
             <a:r>
-              <a:rPr lang="en-US" sz="1200" dirty="0">
+              <a:rPr lang="en-US" sz="800" dirty="0">
                 <a:solidFill>
                   <a:srgbClr val="CCCCCC"/>
                 </a:solidFill>
@@ -5472,7 +5474,7 @@
           </a:p>
           <a:p>
             <a:r>
-              <a:rPr lang="en-US" sz="1200" dirty="0">
+              <a:rPr lang="en-US" sz="800" dirty="0">
                 <a:solidFill>
                   <a:srgbClr val="CCCCCC"/>
                 </a:solidFill>
@@ -5481,7 +5483,7 @@
               <a:t>        </a:t>
             </a:r>
             <a:r>
-              <a:rPr lang="en-US" sz="1200" dirty="0">
+              <a:rPr lang="en-US" sz="800" dirty="0">
                 <a:solidFill>
                   <a:srgbClr val="9CDCFE"/>
                 </a:solidFill>
@@ -5490,7 +5492,7 @@
               <a:t>name</a:t>
             </a:r>
             <a:r>
-              <a:rPr lang="en-US" sz="1200" dirty="0">
+              <a:rPr lang="en-US" sz="800" dirty="0">
                 <a:solidFill>
                   <a:srgbClr val="CCCCCC"/>
                 </a:solidFill>
@@ -5499,7 +5501,7 @@
               <a:t>:</a:t>
             </a:r>
             <a:r>
-              <a:rPr lang="en-US" sz="1200" dirty="0">
+              <a:rPr lang="en-US" sz="800" dirty="0">
                 <a:solidFill>
                   <a:srgbClr val="9CDCFE"/>
                 </a:solidFill>
@@ -5508,7 +5510,7 @@
               <a:t> state</a:t>
             </a:r>
             <a:r>
-              <a:rPr lang="en-US" sz="1200" dirty="0">
+              <a:rPr lang="en-US" sz="800" dirty="0">
                 <a:solidFill>
                   <a:srgbClr val="D4D4D4"/>
                 </a:solidFill>
@@ -5517,7 +5519,7 @@
               <a:t>.</a:t>
             </a:r>
             <a:r>
-              <a:rPr lang="en-US" sz="1200" dirty="0">
+              <a:rPr lang="en-US" sz="800" dirty="0">
                 <a:solidFill>
                   <a:srgbClr val="9CDCFE"/>
                 </a:solidFill>
@@ -5526,7 +5528,7 @@
               <a:t>name</a:t>
             </a:r>
             <a:r>
-              <a:rPr lang="en-US" sz="1200" dirty="0">
+              <a:rPr lang="en-US" sz="800" dirty="0">
                 <a:solidFill>
                   <a:srgbClr val="CCCCCC"/>
                 </a:solidFill>
@@ -5537,7 +5539,7 @@
           </a:p>
           <a:p>
             <a:r>
-              <a:rPr lang="en-US" sz="1200" dirty="0">
+              <a:rPr lang="en-US" sz="800" dirty="0">
                 <a:solidFill>
                   <a:srgbClr val="CCCCCC"/>
                 </a:solidFill>
@@ -5546,7 +5548,7 @@
               <a:t>        </a:t>
             </a:r>
             <a:r>
-              <a:rPr lang="en-US" sz="1200" dirty="0">
+              <a:rPr lang="en-US" sz="800" dirty="0">
                 <a:solidFill>
                   <a:srgbClr val="9CDCFE"/>
                 </a:solidFill>
@@ -5555,7 +5557,7 @@
               <a:t>age</a:t>
             </a:r>
             <a:r>
-              <a:rPr lang="en-US" sz="1200" dirty="0">
+              <a:rPr lang="en-US" sz="800" dirty="0">
                 <a:solidFill>
                   <a:srgbClr val="CCCCCC"/>
                 </a:solidFill>
@@ -5564,7 +5566,7 @@
               <a:t>:</a:t>
             </a:r>
             <a:r>
-              <a:rPr lang="en-US" sz="1200" dirty="0">
+              <a:rPr lang="en-US" sz="800" dirty="0">
                 <a:solidFill>
                   <a:srgbClr val="9CDCFE"/>
                 </a:solidFill>
@@ -5573,7 +5575,7 @@
               <a:t> state</a:t>
             </a:r>
             <a:r>
-              <a:rPr lang="en-US" sz="1200" dirty="0">
+              <a:rPr lang="en-US" sz="800" dirty="0">
                 <a:solidFill>
                   <a:srgbClr val="D4D4D4"/>
                 </a:solidFill>
@@ -5582,7 +5584,7 @@
               <a:t>.</a:t>
             </a:r>
             <a:r>
-              <a:rPr lang="en-US" sz="1200" dirty="0">
+              <a:rPr lang="en-US" sz="800" dirty="0">
                 <a:solidFill>
                   <a:srgbClr val="9CDCFE"/>
                 </a:solidFill>
@@ -5591,7 +5593,7 @@
               <a:t>age</a:t>
             </a:r>
             <a:r>
-              <a:rPr lang="en-US" sz="1200" dirty="0">
+              <a:rPr lang="en-US" sz="800" dirty="0">
                 <a:solidFill>
                   <a:srgbClr val="CCCCCC"/>
                 </a:solidFill>
@@ -5600,7 +5602,7 @@
               <a:t> </a:t>
             </a:r>
             <a:r>
-              <a:rPr lang="en-US" sz="1200" dirty="0">
+              <a:rPr lang="en-US" sz="800" dirty="0">
                 <a:solidFill>
                   <a:srgbClr val="D4D4D4"/>
                 </a:solidFill>
@@ -5609,7 +5611,7 @@
               <a:t>+</a:t>
             </a:r>
             <a:r>
-              <a:rPr lang="en-US" sz="1200" dirty="0">
+              <a:rPr lang="en-US" sz="800" dirty="0">
                 <a:solidFill>
                   <a:srgbClr val="CCCCCC"/>
                 </a:solidFill>
@@ -5618,7 +5620,7 @@
               <a:t> </a:t>
             </a:r>
             <a:r>
-              <a:rPr lang="en-US" sz="1200" dirty="0">
+              <a:rPr lang="en-US" sz="800" dirty="0">
                 <a:solidFill>
                   <a:srgbClr val="B5CEA8"/>
                 </a:solidFill>
@@ -5626,7 +5628,7 @@
               </a:rPr>
               <a:t>1</a:t>
             </a:r>
-            <a:endParaRPr lang="en-US" sz="1200" dirty="0">
+            <a:endParaRPr lang="en-US" sz="800" dirty="0">
               <a:solidFill>
                 <a:srgbClr val="CCCCCC"/>
               </a:solidFill>
@@ -5635,7 +5637,7 @@
           </a:p>
           <a:p>
             <a:r>
-              <a:rPr lang="en-US" sz="1200" dirty="0">
+              <a:rPr lang="en-US" sz="800" dirty="0">
                 <a:solidFill>
                   <a:srgbClr val="CCCCCC"/>
                 </a:solidFill>
@@ -5646,7 +5648,7 @@
           </a:p>
           <a:p>
             <a:r>
-              <a:rPr lang="en-US" sz="1200" dirty="0">
+              <a:rPr lang="en-US" sz="800" dirty="0">
                 <a:solidFill>
                   <a:srgbClr val="CCCCCC"/>
                 </a:solidFill>
@@ -5657,7 +5659,7 @@
           </a:p>
           <a:p>
             <a:r>
-              <a:rPr lang="en-US" sz="1200" dirty="0">
+              <a:rPr lang="en-US" sz="800" dirty="0">
                 <a:solidFill>
                   <a:srgbClr val="CCCCCC"/>
                 </a:solidFill>
@@ -5666,7 +5668,7 @@
               <a:t>    </a:t>
             </a:r>
             <a:r>
-              <a:rPr lang="en-US" sz="1200" dirty="0">
+              <a:rPr lang="en-US" sz="800" dirty="0">
                 <a:solidFill>
                   <a:srgbClr val="C586C0"/>
                 </a:solidFill>
@@ -5675,7 +5677,7 @@
               <a:t>case</a:t>
             </a:r>
             <a:r>
-              <a:rPr lang="en-US" sz="1200" dirty="0">
+              <a:rPr lang="en-US" sz="800" dirty="0">
                 <a:solidFill>
                   <a:srgbClr val="CCCCCC"/>
                 </a:solidFill>
@@ -5684,7 +5686,7 @@
               <a:t> </a:t>
             </a:r>
             <a:r>
-              <a:rPr lang="en-US" sz="1200" dirty="0">
+              <a:rPr lang="en-US" sz="800" dirty="0">
                 <a:solidFill>
                   <a:srgbClr val="CE9178"/>
                 </a:solidFill>
@@ -5693,7 +5695,7 @@
               <a:t>'changed_name'</a:t>
             </a:r>
             <a:r>
-              <a:rPr lang="en-US" sz="1200" dirty="0">
+              <a:rPr lang="en-US" sz="800" dirty="0">
                 <a:solidFill>
                   <a:srgbClr val="D4D4D4"/>
                 </a:solidFill>
@@ -5702,7 +5704,7 @@
               <a:t>:</a:t>
             </a:r>
             <a:r>
-              <a:rPr lang="en-US" sz="1200" dirty="0">
+              <a:rPr lang="en-US" sz="800" dirty="0">
                 <a:solidFill>
                   <a:srgbClr val="CCCCCC"/>
                 </a:solidFill>
@@ -5713,7 +5715,7 @@
           </a:p>
           <a:p>
             <a:r>
-              <a:rPr lang="en-US" sz="1200" dirty="0">
+              <a:rPr lang="en-US" sz="800" dirty="0">
                 <a:solidFill>
                   <a:srgbClr val="CCCCCC"/>
                 </a:solidFill>
@@ -5722,7 +5724,7 @@
               <a:t>      </a:t>
             </a:r>
             <a:r>
-              <a:rPr lang="en-US" sz="1200" dirty="0">
+              <a:rPr lang="en-US" sz="800" dirty="0">
                 <a:solidFill>
                   <a:srgbClr val="C586C0"/>
                 </a:solidFill>
@@ -5731,7 +5733,7 @@
               <a:t>return</a:t>
             </a:r>
             <a:r>
-              <a:rPr lang="en-US" sz="1200" dirty="0">
+              <a:rPr lang="en-US" sz="800" dirty="0">
                 <a:solidFill>
                   <a:srgbClr val="CCCCCC"/>
                 </a:solidFill>
@@ -5742,7 +5744,7 @@
           </a:p>
           <a:p>
             <a:r>
-              <a:rPr lang="en-US" sz="1200" dirty="0">
+              <a:rPr lang="en-US" sz="800" dirty="0">
                 <a:solidFill>
                   <a:srgbClr val="CCCCCC"/>
                 </a:solidFill>
@@ -5751,7 +5753,7 @@
               <a:t>        </a:t>
             </a:r>
             <a:r>
-              <a:rPr lang="en-US" sz="1200" dirty="0">
+              <a:rPr lang="en-US" sz="800" dirty="0">
                 <a:solidFill>
                   <a:srgbClr val="9CDCFE"/>
                 </a:solidFill>
@@ -5760,7 +5762,7 @@
               <a:t>name</a:t>
             </a:r>
             <a:r>
-              <a:rPr lang="en-US" sz="1200" dirty="0">
+              <a:rPr lang="en-US" sz="800" dirty="0">
                 <a:solidFill>
                   <a:srgbClr val="CCCCCC"/>
                 </a:solidFill>
@@ -5769,7 +5771,7 @@
               <a:t>:</a:t>
             </a:r>
             <a:r>
-              <a:rPr lang="en-US" sz="1200" dirty="0">
+              <a:rPr lang="en-US" sz="800" dirty="0">
                 <a:solidFill>
                   <a:srgbClr val="9CDCFE"/>
                 </a:solidFill>
@@ -5778,7 +5780,7 @@
               <a:t> action</a:t>
             </a:r>
             <a:r>
-              <a:rPr lang="en-US" sz="1200" dirty="0">
+              <a:rPr lang="en-US" sz="800" dirty="0">
                 <a:solidFill>
                   <a:srgbClr val="D4D4D4"/>
                 </a:solidFill>
@@ -5787,7 +5789,7 @@
               <a:t>.</a:t>
             </a:r>
             <a:r>
-              <a:rPr lang="en-US" sz="1200" dirty="0">
+              <a:rPr lang="en-US" sz="800" dirty="0">
                 <a:solidFill>
                   <a:srgbClr val="9CDCFE"/>
                 </a:solidFill>
@@ -5796,7 +5798,7 @@
               <a:t>nextName</a:t>
             </a:r>
             <a:r>
-              <a:rPr lang="en-US" sz="1200" dirty="0">
+              <a:rPr lang="en-US" sz="800" dirty="0">
                 <a:solidFill>
                   <a:srgbClr val="CCCCCC"/>
                 </a:solidFill>
@@ -5807,7 +5809,7 @@
           </a:p>
           <a:p>
             <a:r>
-              <a:rPr lang="en-US" sz="1200" dirty="0">
+              <a:rPr lang="en-US" sz="800" dirty="0">
                 <a:solidFill>
                   <a:srgbClr val="CCCCCC"/>
                 </a:solidFill>
@@ -5816,7 +5818,7 @@
               <a:t>        </a:t>
             </a:r>
             <a:r>
-              <a:rPr lang="en-US" sz="1200" dirty="0">
+              <a:rPr lang="en-US" sz="800" dirty="0">
                 <a:solidFill>
                   <a:srgbClr val="9CDCFE"/>
                 </a:solidFill>
@@ -5825,7 +5827,7 @@
               <a:t>age</a:t>
             </a:r>
             <a:r>
-              <a:rPr lang="en-US" sz="1200" dirty="0">
+              <a:rPr lang="en-US" sz="800" dirty="0">
                 <a:solidFill>
                   <a:srgbClr val="CCCCCC"/>
                 </a:solidFill>
@@ -5834,7 +5836,7 @@
               <a:t>:</a:t>
             </a:r>
             <a:r>
-              <a:rPr lang="en-US" sz="1200" dirty="0">
+              <a:rPr lang="en-US" sz="800" dirty="0">
                 <a:solidFill>
                   <a:srgbClr val="9CDCFE"/>
                 </a:solidFill>
@@ -5843,7 +5845,7 @@
               <a:t> state</a:t>
             </a:r>
             <a:r>
-              <a:rPr lang="en-US" sz="1200" dirty="0">
+              <a:rPr lang="en-US" sz="800" dirty="0">
                 <a:solidFill>
                   <a:srgbClr val="D4D4D4"/>
                 </a:solidFill>
@@ -5852,7 +5854,7 @@
               <a:t>.</a:t>
             </a:r>
             <a:r>
-              <a:rPr lang="en-US" sz="1200" dirty="0">
+              <a:rPr lang="en-US" sz="800" dirty="0">
                 <a:solidFill>
                   <a:srgbClr val="9CDCFE"/>
                 </a:solidFill>
@@ -5860,7 +5862,7 @@
               </a:rPr>
               <a:t>age</a:t>
             </a:r>
-            <a:endParaRPr lang="en-US" sz="1200" dirty="0">
+            <a:endParaRPr lang="en-US" sz="800" dirty="0">
               <a:solidFill>
                 <a:srgbClr val="CCCCCC"/>
               </a:solidFill>
@@ -5869,7 +5871,7 @@
           </a:p>
           <a:p>
             <a:r>
-              <a:rPr lang="en-US" sz="1200" dirty="0">
+              <a:rPr lang="en-US" sz="800" dirty="0">
                 <a:solidFill>
                   <a:srgbClr val="CCCCCC"/>
                 </a:solidFill>
@@ -5880,7 +5882,7 @@
           </a:p>
           <a:p>
             <a:r>
-              <a:rPr lang="en-US" sz="1200" dirty="0">
+              <a:rPr lang="en-US" sz="800" dirty="0">
                 <a:solidFill>
                   <a:srgbClr val="CCCCCC"/>
                 </a:solidFill>
@@ -5891,7 +5893,7 @@
           </a:p>
           <a:p>
             <a:r>
-              <a:rPr lang="en-US" sz="1200" dirty="0">
+              <a:rPr lang="en-US" sz="800" dirty="0">
                 <a:solidFill>
                   <a:srgbClr val="CCCCCC"/>
                 </a:solidFill>
@@ -5900,7 +5902,7 @@
               <a:t>    </a:t>
             </a:r>
             <a:r>
-              <a:rPr lang="en-US" sz="1200" dirty="0">
+              <a:rPr lang="en-US" sz="800" dirty="0">
                 <a:solidFill>
                   <a:srgbClr val="C586C0"/>
                 </a:solidFill>
@@ -5909,7 +5911,7 @@
               <a:t>default</a:t>
             </a:r>
             <a:r>
-              <a:rPr lang="en-US" sz="1200" dirty="0">
+              <a:rPr lang="en-US" sz="800" dirty="0">
                 <a:solidFill>
                   <a:srgbClr val="D4D4D4"/>
                 </a:solidFill>
@@ -5918,7 +5920,7 @@
               <a:t>:</a:t>
             </a:r>
             <a:r>
-              <a:rPr lang="en-US" sz="1200" dirty="0">
+              <a:rPr lang="en-US" sz="800" dirty="0">
                 <a:solidFill>
                   <a:srgbClr val="CCCCCC"/>
                 </a:solidFill>
@@ -5927,7 +5929,7 @@
               <a:t> </a:t>
             </a:r>
             <a:r>
-              <a:rPr lang="en-US" sz="1200" dirty="0">
+              <a:rPr lang="en-US" sz="800" dirty="0">
                 <a:solidFill>
                   <a:srgbClr val="C586C0"/>
                 </a:solidFill>
@@ -5936,7 +5938,7 @@
               <a:t>throw</a:t>
             </a:r>
             <a:r>
-              <a:rPr lang="en-US" sz="1200" dirty="0">
+              <a:rPr lang="en-US" sz="800" dirty="0">
                 <a:solidFill>
                   <a:srgbClr val="CCCCCC"/>
                 </a:solidFill>
@@ -5945,7 +5947,7 @@
               <a:t> </a:t>
             </a:r>
             <a:r>
-              <a:rPr lang="en-US" sz="1200" dirty="0">
+              <a:rPr lang="en-US" sz="800" dirty="0">
                 <a:solidFill>
                   <a:srgbClr val="4EC9B0"/>
                 </a:solidFill>
@@ -5954,7 +5956,7 @@
               <a:t>Error</a:t>
             </a:r>
             <a:r>
-              <a:rPr lang="en-US" sz="1200" dirty="0">
+              <a:rPr lang="en-US" sz="800" dirty="0">
                 <a:solidFill>
                   <a:srgbClr val="CCCCCC"/>
                 </a:solidFill>
@@ -5963,7 +5965,7 @@
               <a:t>(</a:t>
             </a:r>
             <a:r>
-              <a:rPr lang="en-US" sz="1200" dirty="0">
+              <a:rPr lang="en-US" sz="800" dirty="0">
                 <a:solidFill>
                   <a:srgbClr val="CE9178"/>
                 </a:solidFill>
@@ -5972,7 +5974,7 @@
               <a:t>'Unknown action:</a:t>
             </a:r>
             <a:r>
-              <a:rPr lang="en-US" sz="1200" dirty="0">
+              <a:rPr lang="en-US" sz="800" dirty="0">
                 <a:solidFill>
                   <a:srgbClr val="CCCCCC"/>
                 </a:solidFill>
@@ -5981,7 +5983,7 @@
               <a:t> </a:t>
             </a:r>
             <a:r>
-              <a:rPr lang="en-US" sz="1200" dirty="0">
+              <a:rPr lang="en-US" sz="800" dirty="0">
                 <a:solidFill>
                   <a:srgbClr val="CE9178"/>
                 </a:solidFill>
@@ -5990,7 +5992,7 @@
               <a:t>'</a:t>
             </a:r>
             <a:r>
-              <a:rPr lang="en-US" sz="1200" dirty="0">
+              <a:rPr lang="en-US" sz="800" dirty="0">
                 <a:solidFill>
                   <a:srgbClr val="CCCCCC"/>
                 </a:solidFill>
@@ -5999,7 +6001,7 @@
               <a:t> </a:t>
             </a:r>
             <a:r>
-              <a:rPr lang="en-US" sz="1200" dirty="0">
+              <a:rPr lang="en-US" sz="800" dirty="0">
                 <a:solidFill>
                   <a:srgbClr val="D4D4D4"/>
                 </a:solidFill>
@@ -6008,7 +6010,7 @@
               <a:t>+</a:t>
             </a:r>
             <a:r>
-              <a:rPr lang="en-US" sz="1200" dirty="0">
+              <a:rPr lang="en-US" sz="800" dirty="0">
                 <a:solidFill>
                   <a:srgbClr val="9CDCFE"/>
                 </a:solidFill>
@@ -6017,7 +6019,7 @@
               <a:t> action</a:t>
             </a:r>
             <a:r>
-              <a:rPr lang="en-US" sz="1200" dirty="0">
+              <a:rPr lang="en-US" sz="800" dirty="0">
                 <a:solidFill>
                   <a:srgbClr val="D4D4D4"/>
                 </a:solidFill>
@@ -6026,7 +6028,7 @@
               <a:t>.</a:t>
             </a:r>
             <a:r>
-              <a:rPr lang="en-US" sz="1200" dirty="0">
+              <a:rPr lang="en-US" sz="800" dirty="0">
                 <a:solidFill>
                   <a:srgbClr val="9CDCFE"/>
                 </a:solidFill>
@@ -6035,7 +6037,7 @@
               <a:t>type</a:t>
             </a:r>
             <a:r>
-              <a:rPr lang="en-US" sz="1200" dirty="0">
+              <a:rPr lang="en-US" sz="800" dirty="0">
                 <a:solidFill>
                   <a:srgbClr val="CCCCCC"/>
                 </a:solidFill>
@@ -6046,7 +6048,7 @@
           </a:p>
           <a:p>
             <a:r>
-              <a:rPr lang="en-US" sz="1200" dirty="0">
+              <a:rPr lang="en-US" sz="800" dirty="0">
                 <a:solidFill>
                   <a:srgbClr val="CCCCCC"/>
                 </a:solidFill>
@@ -6057,7 +6059,7 @@
           </a:p>
           <a:p>
             <a:r>
-              <a:rPr lang="en-US" sz="1200" dirty="0" smtClean="0">
+              <a:rPr lang="en-US" sz="800" dirty="0" smtClean="0">
                 <a:solidFill>
                   <a:srgbClr val="CCCCCC"/>
                 </a:solidFill>
@@ -6065,7 +6067,7 @@
               </a:rPr>
               <a:t>}</a:t>
             </a:r>
-            <a:endParaRPr lang="en-US" sz="1200" dirty="0">
+            <a:endParaRPr lang="en-US" sz="800" dirty="0">
               <a:solidFill>
                 <a:srgbClr val="CCCCCC"/>
               </a:solidFill>
@@ -6106,14 +6108,47 @@
       </p:grpSpPr>
       <p:sp>
         <p:nvSpPr>
-          <p:cNvPr id="4" name="Rectangle 3"/>
+          <p:cNvPr id="2" name="Title 1"/>
+          <p:cNvSpPr>
+            <a:spLocks noGrp="1"/>
+          </p:cNvSpPr>
+          <p:nvPr>
+            <p:ph type="title"/>
+          </p:nvPr>
+        </p:nvSpPr>
+        <p:spPr/>
+        <p:txBody>
+          <a:bodyPr>
+            <a:normAutofit/>
+          </a:bodyPr>
+          <a:lstStyle/>
+          <a:p>
+            <a:r>
+              <a:rPr lang="en-US" dirty="0" smtClean="0">
+                <a:latin typeface="Tahoma" panose="020B0604030504040204" pitchFamily="34" charset="0"/>
+                <a:ea typeface="Tahoma" panose="020B0604030504040204" pitchFamily="34" charset="0"/>
+                <a:cs typeface="Tahoma" panose="020B0604030504040204" pitchFamily="34" charset="0"/>
+              </a:rPr>
+              <a:t>Ví dụ</a:t>
+            </a:r>
+            <a:endParaRPr lang="en-US" dirty="0">
+              <a:latin typeface="Tahoma" panose="020B0604030504040204" pitchFamily="34" charset="0"/>
+              <a:ea typeface="Tahoma" panose="020B0604030504040204" pitchFamily="34" charset="0"/>
+              <a:cs typeface="Tahoma" panose="020B0604030504040204" pitchFamily="34" charset="0"/>
+            </a:endParaRPr>
+          </a:p>
+        </p:txBody>
+      </p:sp>
+      <p:sp>
+        <p:nvSpPr>
+          <p:cNvPr id="5" name="Rectangle 4"/>
           <p:cNvSpPr/>
           <p:nvPr/>
         </p:nvSpPr>
         <p:spPr>
           <a:xfrm>
-            <a:off x="3048000" y="889844"/>
-            <a:ext cx="6096000" cy="5078313"/>
+            <a:off x="3048000" y="2534576"/>
+            <a:ext cx="6096000" cy="3416320"/>
           </a:xfrm>
           <a:prstGeom prst="rect">
             <a:avLst/>
@@ -6129,7 +6164,7 @@
           <a:lstStyle/>
           <a:p>
             <a:r>
-              <a:rPr lang="en-US" sz="1200" dirty="0" smtClean="0">
+              <a:rPr lang="en-US" sz="800" dirty="0" smtClean="0">
                 <a:solidFill>
                   <a:srgbClr val="569CD6"/>
                 </a:solidFill>
@@ -6138,7 +6173,7 @@
               <a:t>const</a:t>
             </a:r>
             <a:r>
-              <a:rPr lang="en-US" sz="1200" dirty="0" smtClean="0">
+              <a:rPr lang="en-US" sz="800" dirty="0" smtClean="0">
                 <a:solidFill>
                   <a:srgbClr val="CCCCCC"/>
                 </a:solidFill>
@@ -6147,7 +6182,7 @@
               <a:t> </a:t>
             </a:r>
             <a:r>
-              <a:rPr lang="en-US" sz="1200" dirty="0">
+              <a:rPr lang="en-US" sz="800" dirty="0">
                 <a:solidFill>
                   <a:srgbClr val="4FC1FF"/>
                 </a:solidFill>
@@ -6156,7 +6191,7 @@
               <a:t>initialState</a:t>
             </a:r>
             <a:r>
-              <a:rPr lang="en-US" sz="1200" dirty="0">
+              <a:rPr lang="en-US" sz="800" dirty="0">
                 <a:solidFill>
                   <a:srgbClr val="CCCCCC"/>
                 </a:solidFill>
@@ -6165,7 +6200,7 @@
               <a:t> </a:t>
             </a:r>
             <a:r>
-              <a:rPr lang="en-US" sz="1200" dirty="0">
+              <a:rPr lang="en-US" sz="800" dirty="0">
                 <a:solidFill>
                   <a:srgbClr val="D4D4D4"/>
                 </a:solidFill>
@@ -6174,7 +6209,7 @@
               <a:t>=</a:t>
             </a:r>
             <a:r>
-              <a:rPr lang="en-US" sz="1200" dirty="0">
+              <a:rPr lang="en-US" sz="800" dirty="0">
                 <a:solidFill>
                   <a:srgbClr val="CCCCCC"/>
                 </a:solidFill>
@@ -6183,7 +6218,7 @@
               <a:t> { </a:t>
             </a:r>
             <a:r>
-              <a:rPr lang="en-US" sz="1200" dirty="0">
+              <a:rPr lang="en-US" sz="800" dirty="0">
                 <a:solidFill>
                   <a:srgbClr val="9CDCFE"/>
                 </a:solidFill>
@@ -6192,7 +6227,7 @@
               <a:t>name</a:t>
             </a:r>
             <a:r>
-              <a:rPr lang="en-US" sz="1200" dirty="0">
+              <a:rPr lang="en-US" sz="800" dirty="0">
                 <a:solidFill>
                   <a:srgbClr val="CCCCCC"/>
                 </a:solidFill>
@@ -6201,7 +6236,7 @@
               <a:t>: </a:t>
             </a:r>
             <a:r>
-              <a:rPr lang="en-US" sz="1200" dirty="0">
+              <a:rPr lang="en-US" sz="800" dirty="0">
                 <a:solidFill>
                   <a:srgbClr val="CE9178"/>
                 </a:solidFill>
@@ -6210,7 +6245,7 @@
               <a:t>'Taylor'</a:t>
             </a:r>
             <a:r>
-              <a:rPr lang="en-US" sz="1200" dirty="0">
+              <a:rPr lang="en-US" sz="800" dirty="0">
                 <a:solidFill>
                   <a:srgbClr val="CCCCCC"/>
                 </a:solidFill>
@@ -6219,7 +6254,7 @@
               <a:t>, </a:t>
             </a:r>
             <a:r>
-              <a:rPr lang="en-US" sz="1200" dirty="0">
+              <a:rPr lang="en-US" sz="800" dirty="0">
                 <a:solidFill>
                   <a:srgbClr val="9CDCFE"/>
                 </a:solidFill>
@@ -6228,7 +6263,7 @@
               <a:t>age</a:t>
             </a:r>
             <a:r>
-              <a:rPr lang="en-US" sz="1200" dirty="0">
+              <a:rPr lang="en-US" sz="800" dirty="0">
                 <a:solidFill>
                   <a:srgbClr val="CCCCCC"/>
                 </a:solidFill>
@@ -6237,7 +6272,7 @@
               <a:t>: </a:t>
             </a:r>
             <a:r>
-              <a:rPr lang="en-US" sz="1200" dirty="0">
+              <a:rPr lang="en-US" sz="800" dirty="0">
                 <a:solidFill>
                   <a:srgbClr val="B5CEA8"/>
                 </a:solidFill>
@@ -6246,7 +6281,7 @@
               <a:t>42</a:t>
             </a:r>
             <a:r>
-              <a:rPr lang="en-US" sz="1200" dirty="0">
+              <a:rPr lang="en-US" sz="800" dirty="0">
                 <a:solidFill>
                   <a:srgbClr val="CCCCCC"/>
                 </a:solidFill>
@@ -6257,7 +6292,7 @@
           </a:p>
           <a:p>
             <a:r>
-              <a:rPr lang="en-US" sz="1200" dirty="0">
+              <a:rPr lang="en-US" sz="800" dirty="0">
                 <a:solidFill>
                   <a:srgbClr val="CCCCCC"/>
                 </a:solidFill>
@@ -6266,7 +6301,7 @@
               <a:t/>
             </a:r>
             <a:br>
-              <a:rPr lang="en-US" sz="1200" dirty="0">
+              <a:rPr lang="en-US" sz="800" dirty="0">
                 <a:solidFill>
                   <a:srgbClr val="CCCCCC"/>
                 </a:solidFill>
@@ -6274,7 +6309,7 @@
               </a:rPr>
             </a:br>
             <a:r>
-              <a:rPr lang="en-US" sz="1200" dirty="0">
+              <a:rPr lang="en-US" sz="800" dirty="0">
                 <a:solidFill>
                   <a:srgbClr val="C586C0"/>
                 </a:solidFill>
@@ -6283,7 +6318,7 @@
               <a:t>export</a:t>
             </a:r>
             <a:r>
-              <a:rPr lang="en-US" sz="1200" dirty="0">
+              <a:rPr lang="en-US" sz="800" dirty="0">
                 <a:solidFill>
                   <a:srgbClr val="CCCCCC"/>
                 </a:solidFill>
@@ -6292,7 +6327,7 @@
               <a:t> </a:t>
             </a:r>
             <a:r>
-              <a:rPr lang="en-US" sz="1200" dirty="0">
+              <a:rPr lang="en-US" sz="800" dirty="0">
                 <a:solidFill>
                   <a:srgbClr val="C586C0"/>
                 </a:solidFill>
@@ -6301,7 +6336,7 @@
               <a:t>default</a:t>
             </a:r>
             <a:r>
-              <a:rPr lang="en-US" sz="1200" dirty="0">
+              <a:rPr lang="en-US" sz="800" dirty="0">
                 <a:solidFill>
                   <a:srgbClr val="CCCCCC"/>
                 </a:solidFill>
@@ -6310,7 +6345,7 @@
               <a:t> </a:t>
             </a:r>
             <a:r>
-              <a:rPr lang="en-US" sz="1200" dirty="0">
+              <a:rPr lang="en-US" sz="800" dirty="0">
                 <a:solidFill>
                   <a:srgbClr val="569CD6"/>
                 </a:solidFill>
@@ -6319,7 +6354,7 @@
               <a:t>function</a:t>
             </a:r>
             <a:r>
-              <a:rPr lang="en-US" sz="1200" dirty="0">
+              <a:rPr lang="en-US" sz="800" dirty="0">
                 <a:solidFill>
                   <a:srgbClr val="CCCCCC"/>
                 </a:solidFill>
@@ -6328,7 +6363,7 @@
               <a:t> </a:t>
             </a:r>
             <a:r>
-              <a:rPr lang="en-US" sz="1200" dirty="0">
+              <a:rPr lang="en-US" sz="800" dirty="0">
                 <a:solidFill>
                   <a:srgbClr val="DCDCAA"/>
                 </a:solidFill>
@@ -6337,7 +6372,7 @@
               <a:t>App</a:t>
             </a:r>
             <a:r>
-              <a:rPr lang="en-US" sz="1200" dirty="0">
+              <a:rPr lang="en-US" sz="800" dirty="0">
                 <a:solidFill>
                   <a:srgbClr val="CCCCCC"/>
                 </a:solidFill>
@@ -6348,7 +6383,7 @@
           </a:p>
           <a:p>
             <a:r>
-              <a:rPr lang="en-US" sz="1200" dirty="0">
+              <a:rPr lang="en-US" sz="800" dirty="0">
                 <a:solidFill>
                   <a:srgbClr val="CCCCCC"/>
                 </a:solidFill>
@@ -6357,7 +6392,7 @@
               <a:t>  </a:t>
             </a:r>
             <a:r>
-              <a:rPr lang="en-US" sz="1200" dirty="0">
+              <a:rPr lang="en-US" sz="800" dirty="0">
                 <a:solidFill>
                   <a:srgbClr val="569CD6"/>
                 </a:solidFill>
@@ -6366,7 +6401,7 @@
               <a:t>const</a:t>
             </a:r>
             <a:r>
-              <a:rPr lang="en-US" sz="1200" dirty="0">
+              <a:rPr lang="en-US" sz="800" dirty="0">
                 <a:solidFill>
                   <a:srgbClr val="CCCCCC"/>
                 </a:solidFill>
@@ -6375,7 +6410,7 @@
               <a:t> [</a:t>
             </a:r>
             <a:r>
-              <a:rPr lang="en-US" sz="1200" dirty="0">
+              <a:rPr lang="en-US" sz="800" dirty="0">
                 <a:solidFill>
                   <a:srgbClr val="4FC1FF"/>
                 </a:solidFill>
@@ -6384,7 +6419,7 @@
               <a:t>state</a:t>
             </a:r>
             <a:r>
-              <a:rPr lang="en-US" sz="1200" dirty="0">
+              <a:rPr lang="en-US" sz="800" dirty="0">
                 <a:solidFill>
                   <a:srgbClr val="CCCCCC"/>
                 </a:solidFill>
@@ -6393,7 +6428,7 @@
               <a:t>, </a:t>
             </a:r>
             <a:r>
-              <a:rPr lang="en-US" sz="1200" dirty="0">
+              <a:rPr lang="en-US" sz="800" dirty="0">
                 <a:solidFill>
                   <a:srgbClr val="DCDCAA"/>
                 </a:solidFill>
@@ -6402,7 +6437,7 @@
               <a:t>dispatch</a:t>
             </a:r>
             <a:r>
-              <a:rPr lang="en-US" sz="1200" dirty="0">
+              <a:rPr lang="en-US" sz="800" dirty="0">
                 <a:solidFill>
                   <a:srgbClr val="CCCCCC"/>
                 </a:solidFill>
@@ -6411,7 +6446,7 @@
               <a:t>] </a:t>
             </a:r>
             <a:r>
-              <a:rPr lang="en-US" sz="1200" dirty="0">
+              <a:rPr lang="en-US" sz="800" dirty="0">
                 <a:solidFill>
                   <a:srgbClr val="D4D4D4"/>
                 </a:solidFill>
@@ -6420,7 +6455,7 @@
               <a:t>=</a:t>
             </a:r>
             <a:r>
-              <a:rPr lang="en-US" sz="1200" dirty="0">
+              <a:rPr lang="en-US" sz="800" dirty="0">
                 <a:solidFill>
                   <a:srgbClr val="CCCCCC"/>
                 </a:solidFill>
@@ -6429,7 +6464,7 @@
               <a:t> </a:t>
             </a:r>
             <a:r>
-              <a:rPr lang="en-US" sz="1200" dirty="0">
+              <a:rPr lang="en-US" sz="800" dirty="0">
                 <a:solidFill>
                   <a:srgbClr val="DCDCAA"/>
                 </a:solidFill>
@@ -6438,7 +6473,7 @@
               <a:t>useReducer</a:t>
             </a:r>
             <a:r>
-              <a:rPr lang="en-US" sz="1200" dirty="0">
+              <a:rPr lang="en-US" sz="800" dirty="0">
                 <a:solidFill>
                   <a:srgbClr val="CCCCCC"/>
                 </a:solidFill>
@@ -6447,7 +6482,7 @@
               <a:t>(</a:t>
             </a:r>
             <a:r>
-              <a:rPr lang="en-US" sz="1200" dirty="0">
+              <a:rPr lang="en-US" sz="800" dirty="0">
                 <a:solidFill>
                   <a:srgbClr val="DCDCAA"/>
                 </a:solidFill>
@@ -6456,7 +6491,7 @@
               <a:t>reducer</a:t>
             </a:r>
             <a:r>
-              <a:rPr lang="en-US" sz="1200" dirty="0">
+              <a:rPr lang="en-US" sz="800" dirty="0">
                 <a:solidFill>
                   <a:srgbClr val="CCCCCC"/>
                 </a:solidFill>
@@ -6465,7 +6500,7 @@
               <a:t>, </a:t>
             </a:r>
             <a:r>
-              <a:rPr lang="en-US" sz="1200" dirty="0">
+              <a:rPr lang="en-US" sz="800" dirty="0">
                 <a:solidFill>
                   <a:srgbClr val="4FC1FF"/>
                 </a:solidFill>
@@ -6474,7 +6509,7 @@
               <a:t>initialState</a:t>
             </a:r>
             <a:r>
-              <a:rPr lang="en-US" sz="1200" dirty="0">
+              <a:rPr lang="en-US" sz="800" dirty="0">
                 <a:solidFill>
                   <a:srgbClr val="CCCCCC"/>
                 </a:solidFill>
@@ -6485,7 +6520,7 @@
           </a:p>
           <a:p>
             <a:r>
-              <a:rPr lang="en-US" sz="1200" dirty="0">
+              <a:rPr lang="en-US" sz="800" dirty="0">
                 <a:solidFill>
                   <a:srgbClr val="CCCCCC"/>
                 </a:solidFill>
@@ -6494,7 +6529,7 @@
               <a:t>  </a:t>
             </a:r>
             <a:r>
-              <a:rPr lang="en-US" sz="1200" dirty="0">
+              <a:rPr lang="en-US" sz="800" dirty="0">
                 <a:solidFill>
                   <a:srgbClr val="569CD6"/>
                 </a:solidFill>
@@ -6503,7 +6538,7 @@
               <a:t>function</a:t>
             </a:r>
             <a:r>
-              <a:rPr lang="en-US" sz="1200" dirty="0">
+              <a:rPr lang="en-US" sz="800" dirty="0">
                 <a:solidFill>
                   <a:srgbClr val="CCCCCC"/>
                 </a:solidFill>
@@ -6512,7 +6547,7 @@
               <a:t> </a:t>
             </a:r>
             <a:r>
-              <a:rPr lang="en-US" sz="1200" dirty="0">
+              <a:rPr lang="en-US" sz="800" dirty="0">
                 <a:solidFill>
                   <a:srgbClr val="DCDCAA"/>
                 </a:solidFill>
@@ -6521,7 +6556,7 @@
               <a:t>handleButtonClick</a:t>
             </a:r>
             <a:r>
-              <a:rPr lang="en-US" sz="1200" dirty="0">
+              <a:rPr lang="en-US" sz="800" dirty="0">
                 <a:solidFill>
                   <a:srgbClr val="CCCCCC"/>
                 </a:solidFill>
@@ -6532,7 +6567,7 @@
           </a:p>
           <a:p>
             <a:r>
-              <a:rPr lang="en-US" sz="1200" dirty="0">
+              <a:rPr lang="en-US" sz="800" dirty="0">
                 <a:solidFill>
                   <a:srgbClr val="CCCCCC"/>
                 </a:solidFill>
@@ -6541,7 +6576,7 @@
               <a:t>    </a:t>
             </a:r>
             <a:r>
-              <a:rPr lang="en-US" sz="1200" dirty="0">
+              <a:rPr lang="en-US" sz="800" dirty="0">
                 <a:solidFill>
                   <a:srgbClr val="DCDCAA"/>
                 </a:solidFill>
@@ -6550,7 +6585,7 @@
               <a:t>dispatch</a:t>
             </a:r>
             <a:r>
-              <a:rPr lang="en-US" sz="1200" dirty="0">
+              <a:rPr lang="en-US" sz="800" dirty="0">
                 <a:solidFill>
                   <a:srgbClr val="CCCCCC"/>
                 </a:solidFill>
@@ -6559,7 +6594,7 @@
               <a:t>({ </a:t>
             </a:r>
             <a:r>
-              <a:rPr lang="en-US" sz="1200" dirty="0">
+              <a:rPr lang="en-US" sz="800" dirty="0">
                 <a:solidFill>
                   <a:srgbClr val="9CDCFE"/>
                 </a:solidFill>
@@ -6568,7 +6603,7 @@
               <a:t>type</a:t>
             </a:r>
             <a:r>
-              <a:rPr lang="en-US" sz="1200" dirty="0">
+              <a:rPr lang="en-US" sz="800" dirty="0">
                 <a:solidFill>
                   <a:srgbClr val="CCCCCC"/>
                 </a:solidFill>
@@ -6577,7 +6612,7 @@
               <a:t>: </a:t>
             </a:r>
             <a:r>
-              <a:rPr lang="en-US" sz="1200" dirty="0">
+              <a:rPr lang="en-US" sz="800" dirty="0">
                 <a:solidFill>
                   <a:srgbClr val="CE9178"/>
                 </a:solidFill>
@@ -6586,7 +6621,7 @@
               <a:t>'incremented_age'</a:t>
             </a:r>
             <a:r>
-              <a:rPr lang="en-US" sz="1200" dirty="0">
+              <a:rPr lang="en-US" sz="800" dirty="0">
                 <a:solidFill>
                   <a:srgbClr val="CCCCCC"/>
                 </a:solidFill>
@@ -6597,7 +6632,7 @@
           </a:p>
           <a:p>
             <a:r>
-              <a:rPr lang="en-US" sz="1200" dirty="0">
+              <a:rPr lang="en-US" sz="800" dirty="0">
                 <a:solidFill>
                   <a:srgbClr val="CCCCCC"/>
                 </a:solidFill>
@@ -6606,7 +6641,7 @@
               <a:t>  </a:t>
             </a:r>
             <a:r>
-              <a:rPr lang="en-US" sz="1200" dirty="0" smtClean="0">
+              <a:rPr lang="en-US" sz="800" dirty="0" smtClean="0">
                 <a:solidFill>
                   <a:srgbClr val="CCCCCC"/>
                 </a:solidFill>
@@ -6615,7 +6650,7 @@
               <a:t>}</a:t>
             </a:r>
             <a:r>
-              <a:rPr lang="en-US" sz="1200" dirty="0">
+              <a:rPr lang="en-US" sz="800" dirty="0">
                 <a:solidFill>
                   <a:srgbClr val="CCCCCC"/>
                 </a:solidFill>
@@ -6624,7 +6659,7 @@
               <a:t/>
             </a:r>
             <a:br>
-              <a:rPr lang="en-US" sz="1200" dirty="0">
+              <a:rPr lang="en-US" sz="800" dirty="0">
                 <a:solidFill>
                   <a:srgbClr val="CCCCCC"/>
                 </a:solidFill>
@@ -6632,7 +6667,7 @@
               </a:rPr>
             </a:br>
             <a:r>
-              <a:rPr lang="en-US" sz="1200" dirty="0">
+              <a:rPr lang="en-US" sz="800" dirty="0">
                 <a:solidFill>
                   <a:srgbClr val="CCCCCC"/>
                 </a:solidFill>
@@ -6641,7 +6676,7 @@
               <a:t>  </a:t>
             </a:r>
             <a:r>
-              <a:rPr lang="en-US" sz="1200" dirty="0">
+              <a:rPr lang="en-US" sz="800" dirty="0">
                 <a:solidFill>
                   <a:srgbClr val="569CD6"/>
                 </a:solidFill>
@@ -6650,7 +6685,7 @@
               <a:t>function</a:t>
             </a:r>
             <a:r>
-              <a:rPr lang="en-US" sz="1200" dirty="0">
+              <a:rPr lang="en-US" sz="800" dirty="0">
                 <a:solidFill>
                   <a:srgbClr val="CCCCCC"/>
                 </a:solidFill>
@@ -6659,7 +6694,7 @@
               <a:t> </a:t>
             </a:r>
             <a:r>
-              <a:rPr lang="en-US" sz="1200" dirty="0">
+              <a:rPr lang="en-US" sz="800" dirty="0">
                 <a:solidFill>
                   <a:srgbClr val="DCDCAA"/>
                 </a:solidFill>
@@ -6668,7 +6703,7 @@
               <a:t>handleInputChange</a:t>
             </a:r>
             <a:r>
-              <a:rPr lang="en-US" sz="1200" dirty="0">
+              <a:rPr lang="en-US" sz="800" dirty="0">
                 <a:solidFill>
                   <a:srgbClr val="CCCCCC"/>
                 </a:solidFill>
@@ -6677,7 +6712,7 @@
               <a:t>(</a:t>
             </a:r>
             <a:r>
-              <a:rPr lang="en-US" sz="1200" dirty="0">
+              <a:rPr lang="en-US" sz="800" dirty="0">
                 <a:solidFill>
                   <a:srgbClr val="9CDCFE"/>
                 </a:solidFill>
@@ -6686,7 +6721,7 @@
               <a:t>e</a:t>
             </a:r>
             <a:r>
-              <a:rPr lang="en-US" sz="1200" dirty="0">
+              <a:rPr lang="en-US" sz="800" dirty="0">
                 <a:solidFill>
                   <a:srgbClr val="CCCCCC"/>
                 </a:solidFill>
@@ -6697,7 +6732,7 @@
           </a:p>
           <a:p>
             <a:r>
-              <a:rPr lang="en-US" sz="1200" dirty="0">
+              <a:rPr lang="en-US" sz="800" dirty="0">
                 <a:solidFill>
                   <a:srgbClr val="CCCCCC"/>
                 </a:solidFill>
@@ -6706,7 +6741,7 @@
               <a:t>    </a:t>
             </a:r>
             <a:r>
-              <a:rPr lang="en-US" sz="1200" dirty="0">
+              <a:rPr lang="en-US" sz="800" dirty="0">
                 <a:solidFill>
                   <a:srgbClr val="DCDCAA"/>
                 </a:solidFill>
@@ -6715,7 +6750,7 @@
               <a:t>dispatch</a:t>
             </a:r>
             <a:r>
-              <a:rPr lang="en-US" sz="1200" dirty="0">
+              <a:rPr lang="en-US" sz="800" dirty="0">
                 <a:solidFill>
                   <a:srgbClr val="CCCCCC"/>
                 </a:solidFill>
@@ -6726,7 +6761,7 @@
           </a:p>
           <a:p>
             <a:r>
-              <a:rPr lang="en-US" sz="1200" dirty="0">
+              <a:rPr lang="en-US" sz="800" dirty="0">
                 <a:solidFill>
                   <a:srgbClr val="CCCCCC"/>
                 </a:solidFill>
@@ -6735,7 +6770,7 @@
               <a:t>      </a:t>
             </a:r>
             <a:r>
-              <a:rPr lang="en-US" sz="1200" dirty="0">
+              <a:rPr lang="en-US" sz="800" dirty="0">
                 <a:solidFill>
                   <a:srgbClr val="9CDCFE"/>
                 </a:solidFill>
@@ -6744,7 +6779,7 @@
               <a:t>type</a:t>
             </a:r>
             <a:r>
-              <a:rPr lang="en-US" sz="1200" dirty="0">
+              <a:rPr lang="en-US" sz="800" dirty="0">
                 <a:solidFill>
                   <a:srgbClr val="CCCCCC"/>
                 </a:solidFill>
@@ -6753,7 +6788,7 @@
               <a:t>: </a:t>
             </a:r>
             <a:r>
-              <a:rPr lang="en-US" sz="1200" dirty="0">
+              <a:rPr lang="en-US" sz="800" dirty="0">
                 <a:solidFill>
                   <a:srgbClr val="CE9178"/>
                 </a:solidFill>
@@ -6762,7 +6797,7 @@
               <a:t>'changed_name'</a:t>
             </a:r>
             <a:r>
-              <a:rPr lang="en-US" sz="1200" dirty="0">
+              <a:rPr lang="en-US" sz="800" dirty="0">
                 <a:solidFill>
                   <a:srgbClr val="CCCCCC"/>
                 </a:solidFill>
@@ -6773,7 +6808,7 @@
           </a:p>
           <a:p>
             <a:r>
-              <a:rPr lang="en-US" sz="1200" dirty="0">
+              <a:rPr lang="en-US" sz="800" dirty="0">
                 <a:solidFill>
                   <a:srgbClr val="CCCCCC"/>
                 </a:solidFill>
@@ -6782,7 +6817,7 @@
               <a:t>      </a:t>
             </a:r>
             <a:r>
-              <a:rPr lang="en-US" sz="1200" dirty="0">
+              <a:rPr lang="en-US" sz="800" dirty="0">
                 <a:solidFill>
                   <a:srgbClr val="9CDCFE"/>
                 </a:solidFill>
@@ -6791,7 +6826,7 @@
               <a:t>nextName</a:t>
             </a:r>
             <a:r>
-              <a:rPr lang="en-US" sz="1200" dirty="0">
+              <a:rPr lang="en-US" sz="800" dirty="0">
                 <a:solidFill>
                   <a:srgbClr val="CCCCCC"/>
                 </a:solidFill>
@@ -6800,7 +6835,7 @@
               <a:t>:</a:t>
             </a:r>
             <a:r>
-              <a:rPr lang="en-US" sz="1200" dirty="0">
+              <a:rPr lang="en-US" sz="800" dirty="0">
                 <a:solidFill>
                   <a:srgbClr val="9CDCFE"/>
                 </a:solidFill>
@@ -6809,7 +6844,7 @@
               <a:t> e</a:t>
             </a:r>
             <a:r>
-              <a:rPr lang="en-US" sz="1200" dirty="0">
+              <a:rPr lang="en-US" sz="800" dirty="0">
                 <a:solidFill>
                   <a:srgbClr val="D4D4D4"/>
                 </a:solidFill>
@@ -6818,7 +6853,7 @@
               <a:t>.</a:t>
             </a:r>
             <a:r>
-              <a:rPr lang="en-US" sz="1200" dirty="0">
+              <a:rPr lang="en-US" sz="800" dirty="0">
                 <a:solidFill>
                   <a:srgbClr val="9CDCFE"/>
                 </a:solidFill>
@@ -6827,7 +6862,7 @@
               <a:t>target</a:t>
             </a:r>
             <a:r>
-              <a:rPr lang="en-US" sz="1200" dirty="0">
+              <a:rPr lang="en-US" sz="800" dirty="0">
                 <a:solidFill>
                   <a:srgbClr val="D4D4D4"/>
                 </a:solidFill>
@@ -6836,7 +6871,7 @@
               <a:t>.</a:t>
             </a:r>
             <a:r>
-              <a:rPr lang="en-US" sz="1200" dirty="0">
+              <a:rPr lang="en-US" sz="800" dirty="0">
                 <a:solidFill>
                   <a:srgbClr val="9CDCFE"/>
                 </a:solidFill>
@@ -6844,7 +6879,7 @@
               </a:rPr>
               <a:t>value</a:t>
             </a:r>
-            <a:endParaRPr lang="en-US" sz="1200" dirty="0">
+            <a:endParaRPr lang="en-US" sz="800" dirty="0">
               <a:solidFill>
                 <a:srgbClr val="CCCCCC"/>
               </a:solidFill>
@@ -6853,7 +6888,7 @@
           </a:p>
           <a:p>
             <a:r>
-              <a:rPr lang="en-US" sz="1200" dirty="0">
+              <a:rPr lang="en-US" sz="800" dirty="0">
                 <a:solidFill>
                   <a:srgbClr val="CCCCCC"/>
                 </a:solidFill>
@@ -6864,7 +6899,7 @@
           </a:p>
           <a:p>
             <a:r>
-              <a:rPr lang="en-US" sz="1200" dirty="0">
+              <a:rPr lang="en-US" sz="800" dirty="0">
                 <a:solidFill>
                   <a:srgbClr val="CCCCCC"/>
                 </a:solidFill>
@@ -6875,7 +6910,7 @@
           </a:p>
           <a:p>
             <a:r>
-              <a:rPr lang="en-US" sz="1200" dirty="0">
+              <a:rPr lang="en-US" sz="800" dirty="0">
                 <a:solidFill>
                   <a:srgbClr val="CCCCCC"/>
                 </a:solidFill>
@@ -6884,7 +6919,7 @@
               <a:t/>
             </a:r>
             <a:br>
-              <a:rPr lang="en-US" sz="1200" dirty="0">
+              <a:rPr lang="en-US" sz="800" dirty="0">
                 <a:solidFill>
                   <a:srgbClr val="CCCCCC"/>
                 </a:solidFill>
@@ -6892,7 +6927,7 @@
               </a:rPr>
             </a:br>
             <a:r>
-              <a:rPr lang="en-US" sz="1200" dirty="0">
+              <a:rPr lang="en-US" sz="800" dirty="0">
                 <a:solidFill>
                   <a:srgbClr val="CCCCCC"/>
                 </a:solidFill>
@@ -6901,7 +6936,7 @@
               <a:t>  </a:t>
             </a:r>
             <a:r>
-              <a:rPr lang="en-US" sz="1200" dirty="0">
+              <a:rPr lang="en-US" sz="800" dirty="0">
                 <a:solidFill>
                   <a:srgbClr val="C586C0"/>
                 </a:solidFill>
@@ -6910,7 +6945,7 @@
               <a:t>return</a:t>
             </a:r>
             <a:r>
-              <a:rPr lang="en-US" sz="1200" dirty="0">
+              <a:rPr lang="en-US" sz="800" dirty="0">
                 <a:solidFill>
                   <a:srgbClr val="CCCCCC"/>
                 </a:solidFill>
@@ -6921,7 +6956,7 @@
           </a:p>
           <a:p>
             <a:r>
-              <a:rPr lang="en-US" sz="1200" dirty="0">
+              <a:rPr lang="en-US" sz="800" dirty="0">
                 <a:solidFill>
                   <a:srgbClr val="CCCCCC"/>
                 </a:solidFill>
@@ -6930,7 +6965,7 @@
               <a:t>    </a:t>
             </a:r>
             <a:r>
-              <a:rPr lang="en-US" sz="1200" dirty="0">
+              <a:rPr lang="en-US" sz="800" dirty="0">
                 <a:solidFill>
                   <a:srgbClr val="808080"/>
                 </a:solidFill>
@@ -6938,7 +6973,7 @@
               </a:rPr>
               <a:t>&lt;&gt;</a:t>
             </a:r>
-            <a:endParaRPr lang="en-US" sz="1200" dirty="0">
+            <a:endParaRPr lang="en-US" sz="800" dirty="0">
               <a:solidFill>
                 <a:srgbClr val="CCCCCC"/>
               </a:solidFill>
@@ -6947,7 +6982,7 @@
           </a:p>
           <a:p>
             <a:r>
-              <a:rPr lang="en-US" sz="1200" dirty="0">
+              <a:rPr lang="en-US" sz="800" dirty="0">
                 <a:solidFill>
                   <a:srgbClr val="CCCCCC"/>
                 </a:solidFill>
@@ -6956,7 +6991,7 @@
               <a:t>      </a:t>
             </a:r>
             <a:r>
-              <a:rPr lang="en-US" sz="1200" dirty="0">
+              <a:rPr lang="en-US" sz="800" dirty="0">
                 <a:solidFill>
                   <a:srgbClr val="808080"/>
                 </a:solidFill>
@@ -6965,7 +7000,7 @@
               <a:t>&lt;</a:t>
             </a:r>
             <a:r>
-              <a:rPr lang="en-US" sz="1200" dirty="0">
+              <a:rPr lang="en-US" sz="800" dirty="0">
                 <a:solidFill>
                   <a:srgbClr val="569CD6"/>
                 </a:solidFill>
@@ -6973,7 +7008,7 @@
               </a:rPr>
               <a:t>input</a:t>
             </a:r>
-            <a:endParaRPr lang="en-US" sz="1200" dirty="0">
+            <a:endParaRPr lang="en-US" sz="800" dirty="0">
               <a:solidFill>
                 <a:srgbClr val="CCCCCC"/>
               </a:solidFill>
@@ -6982,7 +7017,7 @@
           </a:p>
           <a:p>
             <a:r>
-              <a:rPr lang="en-US" sz="1200" dirty="0">
+              <a:rPr lang="en-US" sz="800" dirty="0">
                 <a:solidFill>
                   <a:srgbClr val="CCCCCC"/>
                 </a:solidFill>
@@ -6991,7 +7026,7 @@
               <a:t>        </a:t>
             </a:r>
             <a:r>
-              <a:rPr lang="en-US" sz="1200" dirty="0">
+              <a:rPr lang="en-US" sz="800" dirty="0">
                 <a:solidFill>
                   <a:srgbClr val="9CDCFE"/>
                 </a:solidFill>
@@ -7000,7 +7035,7 @@
               <a:t>value</a:t>
             </a:r>
             <a:r>
-              <a:rPr lang="en-US" sz="1200" dirty="0">
+              <a:rPr lang="en-US" sz="800" dirty="0">
                 <a:solidFill>
                   <a:srgbClr val="D4D4D4"/>
                 </a:solidFill>
@@ -7009,7 +7044,7 @@
               <a:t>=</a:t>
             </a:r>
             <a:r>
-              <a:rPr lang="en-US" sz="1200" dirty="0">
+              <a:rPr lang="en-US" sz="800" dirty="0">
                 <a:solidFill>
                   <a:srgbClr val="569CD6"/>
                 </a:solidFill>
@@ -7018,7 +7053,7 @@
               <a:t>{</a:t>
             </a:r>
             <a:r>
-              <a:rPr lang="en-US" sz="1200" dirty="0">
+              <a:rPr lang="en-US" sz="800" dirty="0">
                 <a:solidFill>
                   <a:srgbClr val="4FC1FF"/>
                 </a:solidFill>
@@ -7027,7 +7062,7 @@
               <a:t>state</a:t>
             </a:r>
             <a:r>
-              <a:rPr lang="en-US" sz="1200" dirty="0">
+              <a:rPr lang="en-US" sz="800" dirty="0">
                 <a:solidFill>
                   <a:srgbClr val="D4D4D4"/>
                 </a:solidFill>
@@ -7036,7 +7071,7 @@
               <a:t>.</a:t>
             </a:r>
             <a:r>
-              <a:rPr lang="en-US" sz="1200" dirty="0">
+              <a:rPr lang="en-US" sz="800" dirty="0">
                 <a:solidFill>
                   <a:srgbClr val="9CDCFE"/>
                 </a:solidFill>
@@ -7045,7 +7080,7 @@
               <a:t>name</a:t>
             </a:r>
             <a:r>
-              <a:rPr lang="en-US" sz="1200" dirty="0">
+              <a:rPr lang="en-US" sz="800" dirty="0">
                 <a:solidFill>
                   <a:srgbClr val="569CD6"/>
                 </a:solidFill>
@@ -7053,7 +7088,7 @@
               </a:rPr>
               <a:t>}</a:t>
             </a:r>
-            <a:endParaRPr lang="en-US" sz="1200" dirty="0">
+            <a:endParaRPr lang="en-US" sz="800" dirty="0">
               <a:solidFill>
                 <a:srgbClr val="CCCCCC"/>
               </a:solidFill>
@@ -7062,7 +7097,7 @@
           </a:p>
           <a:p>
             <a:r>
-              <a:rPr lang="en-US" sz="1200" dirty="0">
+              <a:rPr lang="en-US" sz="800" dirty="0">
                 <a:solidFill>
                   <a:srgbClr val="CCCCCC"/>
                 </a:solidFill>
@@ -7071,7 +7106,7 @@
               <a:t>        </a:t>
             </a:r>
             <a:r>
-              <a:rPr lang="en-US" sz="1200" dirty="0">
+              <a:rPr lang="en-US" sz="800" dirty="0">
                 <a:solidFill>
                   <a:srgbClr val="9CDCFE"/>
                 </a:solidFill>
@@ -7080,7 +7115,7 @@
               <a:t>onChange</a:t>
             </a:r>
             <a:r>
-              <a:rPr lang="en-US" sz="1200" dirty="0">
+              <a:rPr lang="en-US" sz="800" dirty="0">
                 <a:solidFill>
                   <a:srgbClr val="D4D4D4"/>
                 </a:solidFill>
@@ -7089,7 +7124,7 @@
               <a:t>=</a:t>
             </a:r>
             <a:r>
-              <a:rPr lang="en-US" sz="1200" dirty="0">
+              <a:rPr lang="en-US" sz="800" dirty="0">
                 <a:solidFill>
                   <a:srgbClr val="569CD6"/>
                 </a:solidFill>
@@ -7098,7 +7133,7 @@
               <a:t>{</a:t>
             </a:r>
             <a:r>
-              <a:rPr lang="en-US" sz="1200" dirty="0">
+              <a:rPr lang="en-US" sz="800" dirty="0">
                 <a:solidFill>
                   <a:srgbClr val="DCDCAA"/>
                 </a:solidFill>
@@ -7107,7 +7142,7 @@
               <a:t>handleInputChange</a:t>
             </a:r>
             <a:r>
-              <a:rPr lang="en-US" sz="1200" dirty="0">
+              <a:rPr lang="en-US" sz="800" dirty="0">
                 <a:solidFill>
                   <a:srgbClr val="569CD6"/>
                 </a:solidFill>
@@ -7115,7 +7150,7 @@
               </a:rPr>
               <a:t>}</a:t>
             </a:r>
-            <a:endParaRPr lang="en-US" sz="1200" dirty="0">
+            <a:endParaRPr lang="en-US" sz="800" dirty="0">
               <a:solidFill>
                 <a:srgbClr val="CCCCCC"/>
               </a:solidFill>
@@ -7124,7 +7159,7 @@
           </a:p>
           <a:p>
             <a:r>
-              <a:rPr lang="en-US" sz="1200" dirty="0">
+              <a:rPr lang="en-US" sz="800" dirty="0">
                 <a:solidFill>
                   <a:srgbClr val="CCCCCC"/>
                 </a:solidFill>
@@ -7133,7 +7168,7 @@
               <a:t>      </a:t>
             </a:r>
             <a:r>
-              <a:rPr lang="en-US" sz="1200" dirty="0">
+              <a:rPr lang="en-US" sz="800" dirty="0">
                 <a:solidFill>
                   <a:srgbClr val="808080"/>
                 </a:solidFill>
@@ -7141,7 +7176,7 @@
               </a:rPr>
               <a:t>/&gt;</a:t>
             </a:r>
-            <a:endParaRPr lang="en-US" sz="1200" dirty="0">
+            <a:endParaRPr lang="en-US" sz="800" dirty="0">
               <a:solidFill>
                 <a:srgbClr val="CCCCCC"/>
               </a:solidFill>
@@ -7150,7 +7185,7 @@
           </a:p>
           <a:p>
             <a:r>
-              <a:rPr lang="en-US" sz="1200" dirty="0">
+              <a:rPr lang="en-US" sz="800" dirty="0">
                 <a:solidFill>
                   <a:srgbClr val="CCCCCC"/>
                 </a:solidFill>
@@ -7159,7 +7194,7 @@
               <a:t>      </a:t>
             </a:r>
             <a:r>
-              <a:rPr lang="en-US" sz="1200" dirty="0">
+              <a:rPr lang="en-US" sz="800" dirty="0">
                 <a:solidFill>
                   <a:srgbClr val="808080"/>
                 </a:solidFill>
@@ -7168,7 +7203,7 @@
               <a:t>&lt;</a:t>
             </a:r>
             <a:r>
-              <a:rPr lang="en-US" sz="1200" dirty="0">
+              <a:rPr lang="en-US" sz="800" dirty="0">
                 <a:solidFill>
                   <a:srgbClr val="569CD6"/>
                 </a:solidFill>
@@ -7177,7 +7212,7 @@
               <a:t>button</a:t>
             </a:r>
             <a:r>
-              <a:rPr lang="en-US" sz="1200" dirty="0">
+              <a:rPr lang="en-US" sz="800" dirty="0">
                 <a:solidFill>
                   <a:srgbClr val="CCCCCC"/>
                 </a:solidFill>
@@ -7186,7 +7221,7 @@
               <a:t> </a:t>
             </a:r>
             <a:r>
-              <a:rPr lang="en-US" sz="1200" dirty="0">
+              <a:rPr lang="en-US" sz="800" dirty="0">
                 <a:solidFill>
                   <a:srgbClr val="9CDCFE"/>
                 </a:solidFill>
@@ -7195,7 +7230,7 @@
               <a:t>onClick</a:t>
             </a:r>
             <a:r>
-              <a:rPr lang="en-US" sz="1200" dirty="0">
+              <a:rPr lang="en-US" sz="800" dirty="0">
                 <a:solidFill>
                   <a:srgbClr val="D4D4D4"/>
                 </a:solidFill>
@@ -7204,7 +7239,7 @@
               <a:t>=</a:t>
             </a:r>
             <a:r>
-              <a:rPr lang="en-US" sz="1200" dirty="0">
+              <a:rPr lang="en-US" sz="800" dirty="0">
                 <a:solidFill>
                   <a:srgbClr val="569CD6"/>
                 </a:solidFill>
@@ -7213,7 +7248,7 @@
               <a:t>{</a:t>
             </a:r>
             <a:r>
-              <a:rPr lang="en-US" sz="1200" dirty="0">
+              <a:rPr lang="en-US" sz="800" dirty="0">
                 <a:solidFill>
                   <a:srgbClr val="DCDCAA"/>
                 </a:solidFill>
@@ -7222,7 +7257,7 @@
               <a:t>handleButtonClick</a:t>
             </a:r>
             <a:r>
-              <a:rPr lang="en-US" sz="1200" dirty="0">
+              <a:rPr lang="en-US" sz="800" dirty="0">
                 <a:solidFill>
                   <a:srgbClr val="569CD6"/>
                 </a:solidFill>
@@ -7231,7 +7266,7 @@
               <a:t>}</a:t>
             </a:r>
             <a:r>
-              <a:rPr lang="en-US" sz="1200" dirty="0">
+              <a:rPr lang="en-US" sz="800" dirty="0">
                 <a:solidFill>
                   <a:srgbClr val="808080"/>
                 </a:solidFill>
@@ -7239,7 +7274,7 @@
               </a:rPr>
               <a:t>&gt;</a:t>
             </a:r>
-            <a:endParaRPr lang="en-US" sz="1200" dirty="0">
+            <a:endParaRPr lang="en-US" sz="800" dirty="0">
               <a:solidFill>
                 <a:srgbClr val="CCCCCC"/>
               </a:solidFill>
@@ -7248,7 +7283,7 @@
           </a:p>
           <a:p>
             <a:r>
-              <a:rPr lang="en-US" sz="1200" dirty="0">
+              <a:rPr lang="en-US" sz="800" dirty="0">
                 <a:solidFill>
                   <a:srgbClr val="CCCCCC"/>
                 </a:solidFill>
@@ -7259,7 +7294,7 @@
           </a:p>
           <a:p>
             <a:r>
-              <a:rPr lang="en-US" sz="1200" dirty="0">
+              <a:rPr lang="en-US" sz="800" dirty="0">
                 <a:solidFill>
                   <a:srgbClr val="CCCCCC"/>
                 </a:solidFill>
@@ -7268,7 +7303,7 @@
               <a:t>      </a:t>
             </a:r>
             <a:r>
-              <a:rPr lang="en-US" sz="1200" dirty="0">
+              <a:rPr lang="en-US" sz="800" dirty="0">
                 <a:solidFill>
                   <a:srgbClr val="808080"/>
                 </a:solidFill>
@@ -7277,7 +7312,7 @@
               <a:t>&lt;/</a:t>
             </a:r>
             <a:r>
-              <a:rPr lang="en-US" sz="1200" dirty="0">
+              <a:rPr lang="en-US" sz="800" dirty="0">
                 <a:solidFill>
                   <a:srgbClr val="569CD6"/>
                 </a:solidFill>
@@ -7286,7 +7321,7 @@
               <a:t>button</a:t>
             </a:r>
             <a:r>
-              <a:rPr lang="en-US" sz="1200" dirty="0">
+              <a:rPr lang="en-US" sz="800" dirty="0">
                 <a:solidFill>
                   <a:srgbClr val="808080"/>
                 </a:solidFill>
@@ -7294,7 +7329,7 @@
               </a:rPr>
               <a:t>&gt;</a:t>
             </a:r>
-            <a:endParaRPr lang="en-US" sz="1200" dirty="0">
+            <a:endParaRPr lang="en-US" sz="800" dirty="0">
               <a:solidFill>
                 <a:srgbClr val="CCCCCC"/>
               </a:solidFill>
@@ -7303,7 +7338,7 @@
           </a:p>
           <a:p>
             <a:r>
-              <a:rPr lang="en-US" sz="1200" dirty="0">
+              <a:rPr lang="en-US" sz="800" dirty="0">
                 <a:solidFill>
                   <a:srgbClr val="CCCCCC"/>
                 </a:solidFill>
@@ -7312,7 +7347,7 @@
               <a:t>      </a:t>
             </a:r>
             <a:r>
-              <a:rPr lang="en-US" sz="1200" dirty="0">
+              <a:rPr lang="en-US" sz="800" dirty="0">
                 <a:solidFill>
                   <a:srgbClr val="808080"/>
                 </a:solidFill>
@@ -7321,7 +7356,7 @@
               <a:t>&lt;</a:t>
             </a:r>
             <a:r>
-              <a:rPr lang="en-US" sz="1200" dirty="0">
+              <a:rPr lang="en-US" sz="800" dirty="0">
                 <a:solidFill>
                   <a:srgbClr val="569CD6"/>
                 </a:solidFill>
@@ -7330,7 +7365,7 @@
               <a:t>p</a:t>
             </a:r>
             <a:r>
-              <a:rPr lang="en-US" sz="1200" dirty="0">
+              <a:rPr lang="en-US" sz="800" dirty="0">
                 <a:solidFill>
                   <a:srgbClr val="808080"/>
                 </a:solidFill>
@@ -7339,7 +7374,7 @@
               <a:t>&gt;</a:t>
             </a:r>
             <a:r>
-              <a:rPr lang="en-US" sz="1200" dirty="0">
+              <a:rPr lang="en-US" sz="800" dirty="0">
                 <a:solidFill>
                   <a:srgbClr val="CCCCCC"/>
                 </a:solidFill>
@@ -7348,7 +7383,7 @@
               <a:t>Hello, </a:t>
             </a:r>
             <a:r>
-              <a:rPr lang="en-US" sz="1200" dirty="0">
+              <a:rPr lang="en-US" sz="800" dirty="0">
                 <a:solidFill>
                   <a:srgbClr val="569CD6"/>
                 </a:solidFill>
@@ -7357,7 +7392,7 @@
               <a:t>{</a:t>
             </a:r>
             <a:r>
-              <a:rPr lang="en-US" sz="1200" dirty="0">
+              <a:rPr lang="en-US" sz="800" dirty="0">
                 <a:solidFill>
                   <a:srgbClr val="4FC1FF"/>
                 </a:solidFill>
@@ -7366,7 +7401,7 @@
               <a:t>state</a:t>
             </a:r>
             <a:r>
-              <a:rPr lang="en-US" sz="1200" dirty="0">
+              <a:rPr lang="en-US" sz="800" dirty="0">
                 <a:solidFill>
                   <a:srgbClr val="D4D4D4"/>
                 </a:solidFill>
@@ -7375,7 +7410,7 @@
               <a:t>.</a:t>
             </a:r>
             <a:r>
-              <a:rPr lang="en-US" sz="1200" dirty="0">
+              <a:rPr lang="en-US" sz="800" dirty="0">
                 <a:solidFill>
                   <a:srgbClr val="9CDCFE"/>
                 </a:solidFill>
@@ -7384,7 +7419,7 @@
               <a:t>name</a:t>
             </a:r>
             <a:r>
-              <a:rPr lang="en-US" sz="1200" dirty="0">
+              <a:rPr lang="en-US" sz="800" dirty="0">
                 <a:solidFill>
                   <a:srgbClr val="569CD6"/>
                 </a:solidFill>
@@ -7393,7 +7428,7 @@
               <a:t>}</a:t>
             </a:r>
             <a:r>
-              <a:rPr lang="en-US" sz="1200" dirty="0">
+              <a:rPr lang="en-US" sz="800" dirty="0">
                 <a:solidFill>
                   <a:srgbClr val="CCCCCC"/>
                 </a:solidFill>
@@ -7402,7 +7437,7 @@
               <a:t>. You are </a:t>
             </a:r>
             <a:r>
-              <a:rPr lang="en-US" sz="1200" dirty="0">
+              <a:rPr lang="en-US" sz="800" dirty="0">
                 <a:solidFill>
                   <a:srgbClr val="569CD6"/>
                 </a:solidFill>
@@ -7411,7 +7446,7 @@
               <a:t>{</a:t>
             </a:r>
             <a:r>
-              <a:rPr lang="en-US" sz="1200" dirty="0">
+              <a:rPr lang="en-US" sz="800" dirty="0">
                 <a:solidFill>
                   <a:srgbClr val="4FC1FF"/>
                 </a:solidFill>
@@ -7420,7 +7455,7 @@
               <a:t>state</a:t>
             </a:r>
             <a:r>
-              <a:rPr lang="en-US" sz="1200" dirty="0">
+              <a:rPr lang="en-US" sz="800" dirty="0">
                 <a:solidFill>
                   <a:srgbClr val="D4D4D4"/>
                 </a:solidFill>
@@ -7429,7 +7464,7 @@
               <a:t>.</a:t>
             </a:r>
             <a:r>
-              <a:rPr lang="en-US" sz="1200" dirty="0">
+              <a:rPr lang="en-US" sz="800" dirty="0">
                 <a:solidFill>
                   <a:srgbClr val="9CDCFE"/>
                 </a:solidFill>
@@ -7438,7 +7473,7 @@
               <a:t>age</a:t>
             </a:r>
             <a:r>
-              <a:rPr lang="en-US" sz="1200" dirty="0">
+              <a:rPr lang="en-US" sz="800" dirty="0">
                 <a:solidFill>
                   <a:srgbClr val="569CD6"/>
                 </a:solidFill>
@@ -7447,7 +7482,7 @@
               <a:t>}</a:t>
             </a:r>
             <a:r>
-              <a:rPr lang="en-US" sz="1200" dirty="0">
+              <a:rPr lang="en-US" sz="800" dirty="0">
                 <a:solidFill>
                   <a:srgbClr val="CCCCCC"/>
                 </a:solidFill>
@@ -7456,7 +7491,7 @@
               <a:t>.</a:t>
             </a:r>
             <a:r>
-              <a:rPr lang="en-US" sz="1200" dirty="0">
+              <a:rPr lang="en-US" sz="800" dirty="0">
                 <a:solidFill>
                   <a:srgbClr val="808080"/>
                 </a:solidFill>
@@ -7465,7 +7500,7 @@
               <a:t>&lt;/</a:t>
             </a:r>
             <a:r>
-              <a:rPr lang="en-US" sz="1200" dirty="0">
+              <a:rPr lang="en-US" sz="800" dirty="0">
                 <a:solidFill>
                   <a:srgbClr val="569CD6"/>
                 </a:solidFill>
@@ -7474,7 +7509,7 @@
               <a:t>p</a:t>
             </a:r>
             <a:r>
-              <a:rPr lang="en-US" sz="1200" dirty="0">
+              <a:rPr lang="en-US" sz="800" dirty="0">
                 <a:solidFill>
                   <a:srgbClr val="808080"/>
                 </a:solidFill>
@@ -7482,7 +7517,7 @@
               </a:rPr>
               <a:t>&gt;</a:t>
             </a:r>
-            <a:endParaRPr lang="en-US" sz="1200" dirty="0">
+            <a:endParaRPr lang="en-US" sz="800" dirty="0">
               <a:solidFill>
                 <a:srgbClr val="CCCCCC"/>
               </a:solidFill>
@@ -7491,7 +7526,7 @@
           </a:p>
           <a:p>
             <a:r>
-              <a:rPr lang="en-US" sz="1200" dirty="0">
+              <a:rPr lang="en-US" sz="800" dirty="0">
                 <a:solidFill>
                   <a:srgbClr val="CCCCCC"/>
                 </a:solidFill>
@@ -7500,7 +7535,7 @@
               <a:t>    </a:t>
             </a:r>
             <a:r>
-              <a:rPr lang="en-US" sz="1200" dirty="0">
+              <a:rPr lang="en-US" sz="800" dirty="0">
                 <a:solidFill>
                   <a:srgbClr val="808080"/>
                 </a:solidFill>
@@ -7508,7 +7543,7 @@
               </a:rPr>
               <a:t>&lt;/&gt;</a:t>
             </a:r>
-            <a:endParaRPr lang="en-US" sz="1200" dirty="0">
+            <a:endParaRPr lang="en-US" sz="800" dirty="0">
               <a:solidFill>
                 <a:srgbClr val="CCCCCC"/>
               </a:solidFill>
@@ -7517,7 +7552,7 @@
           </a:p>
           <a:p>
             <a:r>
-              <a:rPr lang="en-US" sz="1200" dirty="0">
+              <a:rPr lang="en-US" sz="800" dirty="0">
                 <a:solidFill>
                   <a:srgbClr val="CCCCCC"/>
                 </a:solidFill>
@@ -7526,7 +7561,7 @@
               <a:t>  </a:t>
             </a:r>
             <a:r>
-              <a:rPr lang="en-US" sz="1200" dirty="0" smtClean="0">
+              <a:rPr lang="en-US" sz="800" dirty="0" smtClean="0">
                 <a:solidFill>
                   <a:srgbClr val="CCCCCC"/>
                 </a:solidFill>
@@ -7537,7 +7572,7 @@
           </a:p>
           <a:p>
             <a:r>
-              <a:rPr lang="en-US" sz="1200" dirty="0" smtClean="0">
+              <a:rPr lang="en-US" sz="800" dirty="0" smtClean="0">
                 <a:solidFill>
                   <a:srgbClr val="CCCCCC"/>
                 </a:solidFill>
@@ -7545,7 +7580,7 @@
               </a:rPr>
               <a:t>}</a:t>
             </a:r>
-            <a:endParaRPr lang="en-US" sz="1200" b="0" dirty="0">
+            <a:endParaRPr lang="en-US" sz="800" b="0" dirty="0">
               <a:solidFill>
                 <a:srgbClr val="CCCCCC"/>
               </a:solidFill>
@@ -7558,7 +7593,2666 @@
     </p:spTree>
     <p:extLst>
       <p:ext uri="{BB962C8B-B14F-4D97-AF65-F5344CB8AC3E}">
-        <p14:creationId xmlns:p14="http://schemas.microsoft.com/office/powerpoint/2010/main" val="3306366585"/>
+        <p14:creationId xmlns:p14="http://schemas.microsoft.com/office/powerpoint/2010/main" val="2665103907"/>
+      </p:ext>
+    </p:extLst>
+  </p:cSld>
+  <p:clrMapOvr>
+    <a:masterClrMapping/>
+  </p:clrMapOvr>
+</p:sld>
+</file>
+
+<file path=ppt/slides/slide14.xml><?xml version="1.0" encoding="utf-8"?>
+<p:sld xmlns:a="http://schemas.openxmlformats.org/drawingml/2006/main" xmlns:r="http://schemas.openxmlformats.org/officeDocument/2006/relationships" xmlns:p="http://schemas.openxmlformats.org/presentationml/2006/main">
+  <p:cSld>
+    <p:spTree>
+      <p:nvGrpSpPr>
+        <p:cNvPr id="1" name=""/>
+        <p:cNvGrpSpPr/>
+        <p:nvPr/>
+      </p:nvGrpSpPr>
+      <p:grpSpPr>
+        <a:xfrm>
+          <a:off x="0" y="0"/>
+          <a:ext cx="0" cy="0"/>
+          <a:chOff x="0" y="0"/>
+          <a:chExt cx="0" cy="0"/>
+        </a:xfrm>
+      </p:grpSpPr>
+      <p:sp>
+        <p:nvSpPr>
+          <p:cNvPr id="2" name="Title 1"/>
+          <p:cNvSpPr>
+            <a:spLocks noGrp="1"/>
+          </p:cNvSpPr>
+          <p:nvPr>
+            <p:ph type="title"/>
+          </p:nvPr>
+        </p:nvSpPr>
+        <p:spPr/>
+        <p:txBody>
+          <a:bodyPr>
+            <a:normAutofit/>
+          </a:bodyPr>
+          <a:lstStyle/>
+          <a:p>
+            <a:r>
+              <a:rPr lang="en-US" dirty="0" smtClean="0">
+                <a:latin typeface="Tahoma" panose="020B0604030504040204" pitchFamily="34" charset="0"/>
+                <a:ea typeface="Tahoma" panose="020B0604030504040204" pitchFamily="34" charset="0"/>
+                <a:cs typeface="Tahoma" panose="020B0604030504040204" pitchFamily="34" charset="0"/>
+              </a:rPr>
+              <a:t>Ví dụ</a:t>
+            </a:r>
+            <a:endParaRPr lang="en-US" dirty="0">
+              <a:latin typeface="Tahoma" panose="020B0604030504040204" pitchFamily="34" charset="0"/>
+              <a:ea typeface="Tahoma" panose="020B0604030504040204" pitchFamily="34" charset="0"/>
+              <a:cs typeface="Tahoma" panose="020B0604030504040204" pitchFamily="34" charset="0"/>
+            </a:endParaRPr>
+          </a:p>
+        </p:txBody>
+      </p:sp>
+      <p:sp>
+        <p:nvSpPr>
+          <p:cNvPr id="4" name="Rectangle 3"/>
+          <p:cNvSpPr/>
+          <p:nvPr/>
+        </p:nvSpPr>
+        <p:spPr>
+          <a:xfrm>
+            <a:off x="3048000" y="2862031"/>
+            <a:ext cx="6096000" cy="2185214"/>
+          </a:xfrm>
+          <a:prstGeom prst="rect">
+            <a:avLst/>
+          </a:prstGeom>
+          <a:solidFill>
+            <a:schemeClr val="tx1"/>
+          </a:solidFill>
+        </p:spPr>
+        <p:txBody>
+          <a:bodyPr>
+            <a:spAutoFit/>
+          </a:bodyPr>
+          <a:lstStyle/>
+          <a:p>
+            <a:r>
+              <a:rPr lang="en-US" sz="800" dirty="0">
+                <a:solidFill>
+                  <a:srgbClr val="569CD6"/>
+                </a:solidFill>
+                <a:latin typeface="Consolas" panose="020B0609020204030204" pitchFamily="49" charset="0"/>
+              </a:rPr>
+              <a:t>function</a:t>
+            </a:r>
+            <a:r>
+              <a:rPr lang="en-US" sz="800" dirty="0">
+                <a:solidFill>
+                  <a:srgbClr val="CCCCCC"/>
+                </a:solidFill>
+                <a:latin typeface="Consolas" panose="020B0609020204030204" pitchFamily="49" charset="0"/>
+              </a:rPr>
+              <a:t> </a:t>
+            </a:r>
+            <a:r>
+              <a:rPr lang="en-US" sz="800" dirty="0">
+                <a:solidFill>
+                  <a:srgbClr val="DCDCAA"/>
+                </a:solidFill>
+                <a:latin typeface="Consolas" panose="020B0609020204030204" pitchFamily="49" charset="0"/>
+              </a:rPr>
+              <a:t>reducer</a:t>
+            </a:r>
+            <a:r>
+              <a:rPr lang="en-US" sz="800" dirty="0">
+                <a:solidFill>
+                  <a:srgbClr val="CCCCCC"/>
+                </a:solidFill>
+                <a:latin typeface="Consolas" panose="020B0609020204030204" pitchFamily="49" charset="0"/>
+              </a:rPr>
+              <a:t>(</a:t>
+            </a:r>
+            <a:r>
+              <a:rPr lang="en-US" sz="800" dirty="0">
+                <a:solidFill>
+                  <a:srgbClr val="9CDCFE"/>
+                </a:solidFill>
+                <a:latin typeface="Consolas" panose="020B0609020204030204" pitchFamily="49" charset="0"/>
+              </a:rPr>
+              <a:t>state</a:t>
+            </a:r>
+            <a:r>
+              <a:rPr lang="en-US" sz="800" dirty="0">
+                <a:solidFill>
+                  <a:srgbClr val="CCCCCC"/>
+                </a:solidFill>
+                <a:latin typeface="Consolas" panose="020B0609020204030204" pitchFamily="49" charset="0"/>
+              </a:rPr>
+              <a:t>, </a:t>
+            </a:r>
+            <a:r>
+              <a:rPr lang="en-US" sz="800" dirty="0">
+                <a:solidFill>
+                  <a:srgbClr val="9CDCFE"/>
+                </a:solidFill>
+                <a:latin typeface="Consolas" panose="020B0609020204030204" pitchFamily="49" charset="0"/>
+              </a:rPr>
+              <a:t>action</a:t>
+            </a:r>
+            <a:r>
+              <a:rPr lang="en-US" sz="800" dirty="0">
+                <a:solidFill>
+                  <a:srgbClr val="CCCCCC"/>
+                </a:solidFill>
+                <a:latin typeface="Consolas" panose="020B0609020204030204" pitchFamily="49" charset="0"/>
+              </a:rPr>
+              <a:t>) {</a:t>
+            </a:r>
+          </a:p>
+          <a:p>
+            <a:r>
+              <a:rPr lang="en-US" sz="800" dirty="0">
+                <a:solidFill>
+                  <a:srgbClr val="CCCCCC"/>
+                </a:solidFill>
+                <a:latin typeface="Consolas" panose="020B0609020204030204" pitchFamily="49" charset="0"/>
+              </a:rPr>
+              <a:t>  </a:t>
+            </a:r>
+            <a:r>
+              <a:rPr lang="en-US" sz="800" dirty="0">
+                <a:solidFill>
+                  <a:srgbClr val="C586C0"/>
+                </a:solidFill>
+                <a:latin typeface="Consolas" panose="020B0609020204030204" pitchFamily="49" charset="0"/>
+              </a:rPr>
+              <a:t>switch</a:t>
+            </a:r>
+            <a:r>
+              <a:rPr lang="en-US" sz="800" dirty="0">
+                <a:solidFill>
+                  <a:srgbClr val="CCCCCC"/>
+                </a:solidFill>
+                <a:latin typeface="Consolas" panose="020B0609020204030204" pitchFamily="49" charset="0"/>
+              </a:rPr>
+              <a:t> (</a:t>
+            </a:r>
+            <a:r>
+              <a:rPr lang="en-US" sz="800" dirty="0">
+                <a:solidFill>
+                  <a:srgbClr val="9CDCFE"/>
+                </a:solidFill>
+                <a:latin typeface="Consolas" panose="020B0609020204030204" pitchFamily="49" charset="0"/>
+              </a:rPr>
+              <a:t>action</a:t>
+            </a:r>
+            <a:r>
+              <a:rPr lang="en-US" sz="800" dirty="0">
+                <a:solidFill>
+                  <a:srgbClr val="D4D4D4"/>
+                </a:solidFill>
+                <a:latin typeface="Consolas" panose="020B0609020204030204" pitchFamily="49" charset="0"/>
+              </a:rPr>
+              <a:t>.</a:t>
+            </a:r>
+            <a:r>
+              <a:rPr lang="en-US" sz="800" dirty="0">
+                <a:solidFill>
+                  <a:srgbClr val="9CDCFE"/>
+                </a:solidFill>
+                <a:latin typeface="Consolas" panose="020B0609020204030204" pitchFamily="49" charset="0"/>
+              </a:rPr>
+              <a:t>type</a:t>
+            </a:r>
+            <a:r>
+              <a:rPr lang="en-US" sz="800" dirty="0">
+                <a:solidFill>
+                  <a:srgbClr val="CCCCCC"/>
+                </a:solidFill>
+                <a:latin typeface="Consolas" panose="020B0609020204030204" pitchFamily="49" charset="0"/>
+              </a:rPr>
+              <a:t>) {</a:t>
+            </a:r>
+          </a:p>
+          <a:p>
+            <a:r>
+              <a:rPr lang="en-US" sz="800" dirty="0">
+                <a:solidFill>
+                  <a:srgbClr val="CCCCCC"/>
+                </a:solidFill>
+                <a:latin typeface="Consolas" panose="020B0609020204030204" pitchFamily="49" charset="0"/>
+              </a:rPr>
+              <a:t>    </a:t>
+            </a:r>
+            <a:r>
+              <a:rPr lang="en-US" sz="800" dirty="0">
+                <a:solidFill>
+                  <a:srgbClr val="C586C0"/>
+                </a:solidFill>
+                <a:latin typeface="Consolas" panose="020B0609020204030204" pitchFamily="49" charset="0"/>
+              </a:rPr>
+              <a:t>case</a:t>
+            </a:r>
+            <a:r>
+              <a:rPr lang="en-US" sz="800" dirty="0">
+                <a:solidFill>
+                  <a:srgbClr val="CCCCCC"/>
+                </a:solidFill>
+                <a:latin typeface="Consolas" panose="020B0609020204030204" pitchFamily="49" charset="0"/>
+              </a:rPr>
+              <a:t> </a:t>
+            </a:r>
+            <a:r>
+              <a:rPr lang="en-US" sz="800" dirty="0">
+                <a:solidFill>
+                  <a:srgbClr val="CE9178"/>
+                </a:solidFill>
+                <a:latin typeface="Consolas" panose="020B0609020204030204" pitchFamily="49" charset="0"/>
+              </a:rPr>
+              <a:t>"GET_REQUEST"</a:t>
+            </a:r>
+            <a:r>
+              <a:rPr lang="en-US" sz="800" dirty="0">
+                <a:solidFill>
+                  <a:srgbClr val="D4D4D4"/>
+                </a:solidFill>
+                <a:latin typeface="Consolas" panose="020B0609020204030204" pitchFamily="49" charset="0"/>
+              </a:rPr>
+              <a:t>:</a:t>
+            </a:r>
+            <a:r>
+              <a:rPr lang="en-US" sz="800" dirty="0">
+                <a:solidFill>
+                  <a:srgbClr val="CCCCCC"/>
+                </a:solidFill>
+                <a:latin typeface="Consolas" panose="020B0609020204030204" pitchFamily="49" charset="0"/>
+              </a:rPr>
+              <a:t> {</a:t>
+            </a:r>
+          </a:p>
+          <a:p>
+            <a:r>
+              <a:rPr lang="en-US" sz="800" dirty="0">
+                <a:solidFill>
+                  <a:srgbClr val="CCCCCC"/>
+                </a:solidFill>
+                <a:latin typeface="Consolas" panose="020B0609020204030204" pitchFamily="49" charset="0"/>
+              </a:rPr>
+              <a:t>      </a:t>
+            </a:r>
+            <a:r>
+              <a:rPr lang="en-US" sz="800" dirty="0">
+                <a:solidFill>
+                  <a:srgbClr val="C586C0"/>
+                </a:solidFill>
+                <a:latin typeface="Consolas" panose="020B0609020204030204" pitchFamily="49" charset="0"/>
+              </a:rPr>
+              <a:t>return</a:t>
+            </a:r>
+            <a:r>
+              <a:rPr lang="en-US" sz="800" dirty="0">
+                <a:solidFill>
+                  <a:srgbClr val="CCCCCC"/>
+                </a:solidFill>
+                <a:latin typeface="Consolas" panose="020B0609020204030204" pitchFamily="49" charset="0"/>
+              </a:rPr>
+              <a:t> { </a:t>
+            </a:r>
+            <a:r>
+              <a:rPr lang="en-US" sz="800" dirty="0">
+                <a:solidFill>
+                  <a:srgbClr val="D4D4D4"/>
+                </a:solidFill>
+                <a:latin typeface="Consolas" panose="020B0609020204030204" pitchFamily="49" charset="0"/>
+              </a:rPr>
+              <a:t>...</a:t>
+            </a:r>
+            <a:r>
+              <a:rPr lang="en-US" sz="800" dirty="0">
+                <a:solidFill>
+                  <a:srgbClr val="9CDCFE"/>
+                </a:solidFill>
+                <a:latin typeface="Consolas" panose="020B0609020204030204" pitchFamily="49" charset="0"/>
+              </a:rPr>
+              <a:t>state</a:t>
+            </a:r>
+            <a:r>
+              <a:rPr lang="en-US" sz="800" dirty="0">
+                <a:solidFill>
+                  <a:srgbClr val="CCCCCC"/>
+                </a:solidFill>
+                <a:latin typeface="Consolas" panose="020B0609020204030204" pitchFamily="49" charset="0"/>
+              </a:rPr>
+              <a:t>, </a:t>
+            </a:r>
+            <a:r>
+              <a:rPr lang="en-US" sz="800" dirty="0">
+                <a:solidFill>
+                  <a:srgbClr val="9CDCFE"/>
+                </a:solidFill>
+                <a:latin typeface="Consolas" panose="020B0609020204030204" pitchFamily="49" charset="0"/>
+              </a:rPr>
+              <a:t>loading</a:t>
+            </a:r>
+            <a:r>
+              <a:rPr lang="en-US" sz="800" dirty="0">
+                <a:solidFill>
+                  <a:srgbClr val="CCCCCC"/>
+                </a:solidFill>
+                <a:latin typeface="Consolas" panose="020B0609020204030204" pitchFamily="49" charset="0"/>
+              </a:rPr>
+              <a:t>: </a:t>
+            </a:r>
+            <a:r>
+              <a:rPr lang="en-US" sz="800" dirty="0">
+                <a:solidFill>
+                  <a:srgbClr val="569CD6"/>
+                </a:solidFill>
+                <a:latin typeface="Consolas" panose="020B0609020204030204" pitchFamily="49" charset="0"/>
+              </a:rPr>
+              <a:t>true</a:t>
+            </a:r>
+            <a:r>
+              <a:rPr lang="en-US" sz="800" dirty="0">
+                <a:solidFill>
+                  <a:srgbClr val="CCCCCC"/>
+                </a:solidFill>
+                <a:latin typeface="Consolas" panose="020B0609020204030204" pitchFamily="49" charset="0"/>
+              </a:rPr>
+              <a:t>, </a:t>
+            </a:r>
+            <a:r>
+              <a:rPr lang="en-US" sz="800" dirty="0">
+                <a:solidFill>
+                  <a:srgbClr val="9CDCFE"/>
+                </a:solidFill>
+                <a:latin typeface="Consolas" panose="020B0609020204030204" pitchFamily="49" charset="0"/>
+              </a:rPr>
+              <a:t>data</a:t>
+            </a:r>
+            <a:r>
+              <a:rPr lang="en-US" sz="800" dirty="0">
+                <a:solidFill>
+                  <a:srgbClr val="CCCCCC"/>
+                </a:solidFill>
+                <a:latin typeface="Consolas" panose="020B0609020204030204" pitchFamily="49" charset="0"/>
+              </a:rPr>
+              <a:t>: [] };</a:t>
+            </a:r>
+          </a:p>
+          <a:p>
+            <a:r>
+              <a:rPr lang="en-US" sz="800" dirty="0">
+                <a:solidFill>
+                  <a:srgbClr val="CCCCCC"/>
+                </a:solidFill>
+                <a:latin typeface="Consolas" panose="020B0609020204030204" pitchFamily="49" charset="0"/>
+              </a:rPr>
+              <a:t>    }</a:t>
+            </a:r>
+          </a:p>
+          <a:p>
+            <a:r>
+              <a:rPr lang="en-US" sz="800" dirty="0">
+                <a:solidFill>
+                  <a:srgbClr val="CCCCCC"/>
+                </a:solidFill>
+                <a:latin typeface="Consolas" panose="020B0609020204030204" pitchFamily="49" charset="0"/>
+              </a:rPr>
+              <a:t>    </a:t>
+            </a:r>
+            <a:r>
+              <a:rPr lang="en-US" sz="800" dirty="0">
+                <a:solidFill>
+                  <a:srgbClr val="C586C0"/>
+                </a:solidFill>
+                <a:latin typeface="Consolas" panose="020B0609020204030204" pitchFamily="49" charset="0"/>
+              </a:rPr>
+              <a:t>case</a:t>
+            </a:r>
+            <a:r>
+              <a:rPr lang="en-US" sz="800" dirty="0">
+                <a:solidFill>
+                  <a:srgbClr val="CCCCCC"/>
+                </a:solidFill>
+                <a:latin typeface="Consolas" panose="020B0609020204030204" pitchFamily="49" charset="0"/>
+              </a:rPr>
+              <a:t> </a:t>
+            </a:r>
+            <a:r>
+              <a:rPr lang="en-US" sz="800" dirty="0">
+                <a:solidFill>
+                  <a:srgbClr val="CE9178"/>
+                </a:solidFill>
+                <a:latin typeface="Consolas" panose="020B0609020204030204" pitchFamily="49" charset="0"/>
+              </a:rPr>
+              <a:t>"GET_SUCCESS"</a:t>
+            </a:r>
+            <a:r>
+              <a:rPr lang="en-US" sz="800" dirty="0">
+                <a:solidFill>
+                  <a:srgbClr val="D4D4D4"/>
+                </a:solidFill>
+                <a:latin typeface="Consolas" panose="020B0609020204030204" pitchFamily="49" charset="0"/>
+              </a:rPr>
+              <a:t>:</a:t>
+            </a:r>
+            <a:r>
+              <a:rPr lang="en-US" sz="800" dirty="0">
+                <a:solidFill>
+                  <a:srgbClr val="CCCCCC"/>
+                </a:solidFill>
+                <a:latin typeface="Consolas" panose="020B0609020204030204" pitchFamily="49" charset="0"/>
+              </a:rPr>
+              <a:t> {</a:t>
+            </a:r>
+          </a:p>
+          <a:p>
+            <a:r>
+              <a:rPr lang="en-US" sz="800" dirty="0">
+                <a:solidFill>
+                  <a:srgbClr val="CCCCCC"/>
+                </a:solidFill>
+                <a:latin typeface="Consolas" panose="020B0609020204030204" pitchFamily="49" charset="0"/>
+              </a:rPr>
+              <a:t>      </a:t>
+            </a:r>
+            <a:r>
+              <a:rPr lang="en-US" sz="800" dirty="0">
+                <a:solidFill>
+                  <a:srgbClr val="C586C0"/>
+                </a:solidFill>
+                <a:latin typeface="Consolas" panose="020B0609020204030204" pitchFamily="49" charset="0"/>
+              </a:rPr>
+              <a:t>return</a:t>
+            </a:r>
+            <a:r>
+              <a:rPr lang="en-US" sz="800" dirty="0">
+                <a:solidFill>
+                  <a:srgbClr val="CCCCCC"/>
+                </a:solidFill>
+                <a:latin typeface="Consolas" panose="020B0609020204030204" pitchFamily="49" charset="0"/>
+              </a:rPr>
+              <a:t> { </a:t>
+            </a:r>
+            <a:r>
+              <a:rPr lang="en-US" sz="800" dirty="0">
+                <a:solidFill>
+                  <a:srgbClr val="D4D4D4"/>
+                </a:solidFill>
+                <a:latin typeface="Consolas" panose="020B0609020204030204" pitchFamily="49" charset="0"/>
+              </a:rPr>
+              <a:t>...</a:t>
+            </a:r>
+            <a:r>
+              <a:rPr lang="en-US" sz="800" dirty="0">
+                <a:solidFill>
+                  <a:srgbClr val="9CDCFE"/>
+                </a:solidFill>
+                <a:latin typeface="Consolas" panose="020B0609020204030204" pitchFamily="49" charset="0"/>
+              </a:rPr>
+              <a:t>state</a:t>
+            </a:r>
+            <a:r>
+              <a:rPr lang="en-US" sz="800" dirty="0">
+                <a:solidFill>
+                  <a:srgbClr val="CCCCCC"/>
+                </a:solidFill>
+                <a:latin typeface="Consolas" panose="020B0609020204030204" pitchFamily="49" charset="0"/>
+              </a:rPr>
+              <a:t>, </a:t>
+            </a:r>
+            <a:r>
+              <a:rPr lang="en-US" sz="800" dirty="0">
+                <a:solidFill>
+                  <a:srgbClr val="9CDCFE"/>
+                </a:solidFill>
+                <a:latin typeface="Consolas" panose="020B0609020204030204" pitchFamily="49" charset="0"/>
+              </a:rPr>
+              <a:t>loading</a:t>
+            </a:r>
+            <a:r>
+              <a:rPr lang="en-US" sz="800" dirty="0">
+                <a:solidFill>
+                  <a:srgbClr val="CCCCCC"/>
+                </a:solidFill>
+                <a:latin typeface="Consolas" panose="020B0609020204030204" pitchFamily="49" charset="0"/>
+              </a:rPr>
+              <a:t>: </a:t>
+            </a:r>
+            <a:r>
+              <a:rPr lang="en-US" sz="800" dirty="0">
+                <a:solidFill>
+                  <a:srgbClr val="569CD6"/>
+                </a:solidFill>
+                <a:latin typeface="Consolas" panose="020B0609020204030204" pitchFamily="49" charset="0"/>
+              </a:rPr>
+              <a:t>false</a:t>
+            </a:r>
+            <a:r>
+              <a:rPr lang="en-US" sz="800" dirty="0">
+                <a:solidFill>
+                  <a:srgbClr val="CCCCCC"/>
+                </a:solidFill>
+                <a:latin typeface="Consolas" panose="020B0609020204030204" pitchFamily="49" charset="0"/>
+              </a:rPr>
+              <a:t>, </a:t>
+            </a:r>
+            <a:r>
+              <a:rPr lang="en-US" sz="800" dirty="0">
+                <a:solidFill>
+                  <a:srgbClr val="9CDCFE"/>
+                </a:solidFill>
+                <a:latin typeface="Consolas" panose="020B0609020204030204" pitchFamily="49" charset="0"/>
+              </a:rPr>
+              <a:t>data</a:t>
+            </a:r>
+            <a:r>
+              <a:rPr lang="en-US" sz="800" dirty="0">
+                <a:solidFill>
+                  <a:srgbClr val="CCCCCC"/>
+                </a:solidFill>
+                <a:latin typeface="Consolas" panose="020B0609020204030204" pitchFamily="49" charset="0"/>
+              </a:rPr>
+              <a:t>:</a:t>
+            </a:r>
+            <a:r>
+              <a:rPr lang="en-US" sz="800" dirty="0">
+                <a:solidFill>
+                  <a:srgbClr val="9CDCFE"/>
+                </a:solidFill>
+                <a:latin typeface="Consolas" panose="020B0609020204030204" pitchFamily="49" charset="0"/>
+              </a:rPr>
+              <a:t> action</a:t>
+            </a:r>
+            <a:r>
+              <a:rPr lang="en-US" sz="800" dirty="0">
+                <a:solidFill>
+                  <a:srgbClr val="D4D4D4"/>
+                </a:solidFill>
+                <a:latin typeface="Consolas" panose="020B0609020204030204" pitchFamily="49" charset="0"/>
+              </a:rPr>
+              <a:t>.</a:t>
+            </a:r>
+            <a:r>
+              <a:rPr lang="en-US" sz="800" dirty="0">
+                <a:solidFill>
+                  <a:srgbClr val="9CDCFE"/>
+                </a:solidFill>
+                <a:latin typeface="Consolas" panose="020B0609020204030204" pitchFamily="49" charset="0"/>
+              </a:rPr>
+              <a:t>data</a:t>
+            </a:r>
+            <a:r>
+              <a:rPr lang="en-US" sz="800" dirty="0">
+                <a:solidFill>
+                  <a:srgbClr val="CCCCCC"/>
+                </a:solidFill>
+                <a:latin typeface="Consolas" panose="020B0609020204030204" pitchFamily="49" charset="0"/>
+              </a:rPr>
+              <a:t> };</a:t>
+            </a:r>
+          </a:p>
+          <a:p>
+            <a:r>
+              <a:rPr lang="en-US" sz="800" dirty="0">
+                <a:solidFill>
+                  <a:srgbClr val="CCCCCC"/>
+                </a:solidFill>
+                <a:latin typeface="Consolas" panose="020B0609020204030204" pitchFamily="49" charset="0"/>
+              </a:rPr>
+              <a:t>    }</a:t>
+            </a:r>
+          </a:p>
+          <a:p>
+            <a:r>
+              <a:rPr lang="en-US" sz="800" dirty="0">
+                <a:solidFill>
+                  <a:srgbClr val="CCCCCC"/>
+                </a:solidFill>
+                <a:latin typeface="Consolas" panose="020B0609020204030204" pitchFamily="49" charset="0"/>
+              </a:rPr>
+              <a:t>    </a:t>
+            </a:r>
+            <a:r>
+              <a:rPr lang="en-US" sz="800" dirty="0">
+                <a:solidFill>
+                  <a:srgbClr val="C586C0"/>
+                </a:solidFill>
+                <a:latin typeface="Consolas" panose="020B0609020204030204" pitchFamily="49" charset="0"/>
+              </a:rPr>
+              <a:t>case</a:t>
+            </a:r>
+            <a:r>
+              <a:rPr lang="en-US" sz="800" dirty="0">
+                <a:solidFill>
+                  <a:srgbClr val="CCCCCC"/>
+                </a:solidFill>
+                <a:latin typeface="Consolas" panose="020B0609020204030204" pitchFamily="49" charset="0"/>
+              </a:rPr>
+              <a:t> </a:t>
+            </a:r>
+            <a:r>
+              <a:rPr lang="en-US" sz="800" dirty="0">
+                <a:solidFill>
+                  <a:srgbClr val="CE9178"/>
+                </a:solidFill>
+                <a:latin typeface="Consolas" panose="020B0609020204030204" pitchFamily="49" charset="0"/>
+              </a:rPr>
+              <a:t>"GET_ERROR"</a:t>
+            </a:r>
+            <a:r>
+              <a:rPr lang="en-US" sz="800" dirty="0">
+                <a:solidFill>
+                  <a:srgbClr val="D4D4D4"/>
+                </a:solidFill>
+                <a:latin typeface="Consolas" panose="020B0609020204030204" pitchFamily="49" charset="0"/>
+              </a:rPr>
+              <a:t>:</a:t>
+            </a:r>
+            <a:r>
+              <a:rPr lang="en-US" sz="800" dirty="0">
+                <a:solidFill>
+                  <a:srgbClr val="CCCCCC"/>
+                </a:solidFill>
+                <a:latin typeface="Consolas" panose="020B0609020204030204" pitchFamily="49" charset="0"/>
+              </a:rPr>
+              <a:t> {</a:t>
+            </a:r>
+          </a:p>
+          <a:p>
+            <a:r>
+              <a:rPr lang="en-US" sz="800" dirty="0">
+                <a:solidFill>
+                  <a:srgbClr val="CCCCCC"/>
+                </a:solidFill>
+                <a:latin typeface="Consolas" panose="020B0609020204030204" pitchFamily="49" charset="0"/>
+              </a:rPr>
+              <a:t>      </a:t>
+            </a:r>
+            <a:r>
+              <a:rPr lang="en-US" sz="800" dirty="0">
+                <a:solidFill>
+                  <a:srgbClr val="C586C0"/>
+                </a:solidFill>
+                <a:latin typeface="Consolas" panose="020B0609020204030204" pitchFamily="49" charset="0"/>
+              </a:rPr>
+              <a:t>return</a:t>
+            </a:r>
+            <a:r>
+              <a:rPr lang="en-US" sz="800" dirty="0">
+                <a:solidFill>
+                  <a:srgbClr val="CCCCCC"/>
+                </a:solidFill>
+                <a:latin typeface="Consolas" panose="020B0609020204030204" pitchFamily="49" charset="0"/>
+              </a:rPr>
+              <a:t> { </a:t>
+            </a:r>
+            <a:r>
+              <a:rPr lang="en-US" sz="800" dirty="0">
+                <a:solidFill>
+                  <a:srgbClr val="D4D4D4"/>
+                </a:solidFill>
+                <a:latin typeface="Consolas" panose="020B0609020204030204" pitchFamily="49" charset="0"/>
+              </a:rPr>
+              <a:t>...</a:t>
+            </a:r>
+            <a:r>
+              <a:rPr lang="en-US" sz="800" dirty="0">
+                <a:solidFill>
+                  <a:srgbClr val="9CDCFE"/>
+                </a:solidFill>
+                <a:latin typeface="Consolas" panose="020B0609020204030204" pitchFamily="49" charset="0"/>
+              </a:rPr>
+              <a:t>state</a:t>
+            </a:r>
+            <a:r>
+              <a:rPr lang="en-US" sz="800" dirty="0">
+                <a:solidFill>
+                  <a:srgbClr val="CCCCCC"/>
+                </a:solidFill>
+                <a:latin typeface="Consolas" panose="020B0609020204030204" pitchFamily="49" charset="0"/>
+              </a:rPr>
+              <a:t>, </a:t>
+            </a:r>
+            <a:r>
+              <a:rPr lang="en-US" sz="800" dirty="0">
+                <a:solidFill>
+                  <a:srgbClr val="9CDCFE"/>
+                </a:solidFill>
+                <a:latin typeface="Consolas" panose="020B0609020204030204" pitchFamily="49" charset="0"/>
+              </a:rPr>
+              <a:t>loading</a:t>
+            </a:r>
+            <a:r>
+              <a:rPr lang="en-US" sz="800" dirty="0">
+                <a:solidFill>
+                  <a:srgbClr val="CCCCCC"/>
+                </a:solidFill>
+                <a:latin typeface="Consolas" panose="020B0609020204030204" pitchFamily="49" charset="0"/>
+              </a:rPr>
+              <a:t>: </a:t>
+            </a:r>
+            <a:r>
+              <a:rPr lang="en-US" sz="800" dirty="0">
+                <a:solidFill>
+                  <a:srgbClr val="569CD6"/>
+                </a:solidFill>
+                <a:latin typeface="Consolas" panose="020B0609020204030204" pitchFamily="49" charset="0"/>
+              </a:rPr>
+              <a:t>false</a:t>
+            </a:r>
+            <a:r>
+              <a:rPr lang="en-US" sz="800" dirty="0">
+                <a:solidFill>
+                  <a:srgbClr val="CCCCCC"/>
+                </a:solidFill>
+                <a:latin typeface="Consolas" panose="020B0609020204030204" pitchFamily="49" charset="0"/>
+              </a:rPr>
+              <a:t>, </a:t>
+            </a:r>
+            <a:r>
+              <a:rPr lang="en-US" sz="800" dirty="0">
+                <a:solidFill>
+                  <a:srgbClr val="9CDCFE"/>
+                </a:solidFill>
+                <a:latin typeface="Consolas" panose="020B0609020204030204" pitchFamily="49" charset="0"/>
+              </a:rPr>
+              <a:t>data</a:t>
+            </a:r>
+            <a:r>
+              <a:rPr lang="en-US" sz="800" dirty="0">
+                <a:solidFill>
+                  <a:srgbClr val="CCCCCC"/>
+                </a:solidFill>
+                <a:latin typeface="Consolas" panose="020B0609020204030204" pitchFamily="49" charset="0"/>
+              </a:rPr>
+              <a:t>: [], </a:t>
+            </a:r>
+            <a:r>
+              <a:rPr lang="en-US" sz="800" dirty="0">
+                <a:solidFill>
+                  <a:srgbClr val="9CDCFE"/>
+                </a:solidFill>
+                <a:latin typeface="Consolas" panose="020B0609020204030204" pitchFamily="49" charset="0"/>
+              </a:rPr>
+              <a:t>error</a:t>
+            </a:r>
+            <a:r>
+              <a:rPr lang="en-US" sz="800" dirty="0">
+                <a:solidFill>
+                  <a:srgbClr val="CCCCCC"/>
+                </a:solidFill>
+                <a:latin typeface="Consolas" panose="020B0609020204030204" pitchFamily="49" charset="0"/>
+              </a:rPr>
+              <a:t>:</a:t>
+            </a:r>
+            <a:r>
+              <a:rPr lang="en-US" sz="800" dirty="0">
+                <a:solidFill>
+                  <a:srgbClr val="9CDCFE"/>
+                </a:solidFill>
+                <a:latin typeface="Consolas" panose="020B0609020204030204" pitchFamily="49" charset="0"/>
+              </a:rPr>
+              <a:t> action</a:t>
+            </a:r>
+            <a:r>
+              <a:rPr lang="en-US" sz="800" dirty="0">
+                <a:solidFill>
+                  <a:srgbClr val="D4D4D4"/>
+                </a:solidFill>
+                <a:latin typeface="Consolas" panose="020B0609020204030204" pitchFamily="49" charset="0"/>
+              </a:rPr>
+              <a:t>.</a:t>
+            </a:r>
+            <a:r>
+              <a:rPr lang="en-US" sz="800" dirty="0">
+                <a:solidFill>
+                  <a:srgbClr val="9CDCFE"/>
+                </a:solidFill>
+                <a:latin typeface="Consolas" panose="020B0609020204030204" pitchFamily="49" charset="0"/>
+              </a:rPr>
+              <a:t>data</a:t>
+            </a:r>
+            <a:r>
+              <a:rPr lang="en-US" sz="800" dirty="0">
+                <a:solidFill>
+                  <a:srgbClr val="CCCCCC"/>
+                </a:solidFill>
+                <a:latin typeface="Consolas" panose="020B0609020204030204" pitchFamily="49" charset="0"/>
+              </a:rPr>
+              <a:t> };</a:t>
+            </a:r>
+          </a:p>
+          <a:p>
+            <a:r>
+              <a:rPr lang="en-US" sz="800" dirty="0">
+                <a:solidFill>
+                  <a:srgbClr val="CCCCCC"/>
+                </a:solidFill>
+                <a:latin typeface="Consolas" panose="020B0609020204030204" pitchFamily="49" charset="0"/>
+              </a:rPr>
+              <a:t>    }</a:t>
+            </a:r>
+          </a:p>
+          <a:p>
+            <a:r>
+              <a:rPr lang="en-US" sz="800" dirty="0">
+                <a:solidFill>
+                  <a:srgbClr val="CCCCCC"/>
+                </a:solidFill>
+                <a:latin typeface="Consolas" panose="020B0609020204030204" pitchFamily="49" charset="0"/>
+              </a:rPr>
+              <a:t>    </a:t>
+            </a:r>
+            <a:r>
+              <a:rPr lang="en-US" sz="800" dirty="0">
+                <a:solidFill>
+                  <a:srgbClr val="C586C0"/>
+                </a:solidFill>
+                <a:latin typeface="Consolas" panose="020B0609020204030204" pitchFamily="49" charset="0"/>
+              </a:rPr>
+              <a:t>default</a:t>
+            </a:r>
+            <a:r>
+              <a:rPr lang="en-US" sz="800" dirty="0">
+                <a:solidFill>
+                  <a:srgbClr val="D4D4D4"/>
+                </a:solidFill>
+                <a:latin typeface="Consolas" panose="020B0609020204030204" pitchFamily="49" charset="0"/>
+              </a:rPr>
+              <a:t>:</a:t>
+            </a:r>
+            <a:endParaRPr lang="en-US" sz="800" dirty="0">
+              <a:solidFill>
+                <a:srgbClr val="CCCCCC"/>
+              </a:solidFill>
+              <a:latin typeface="Consolas" panose="020B0609020204030204" pitchFamily="49" charset="0"/>
+            </a:endParaRPr>
+          </a:p>
+          <a:p>
+            <a:r>
+              <a:rPr lang="en-US" sz="800" dirty="0">
+                <a:solidFill>
+                  <a:srgbClr val="CCCCCC"/>
+                </a:solidFill>
+                <a:latin typeface="Consolas" panose="020B0609020204030204" pitchFamily="49" charset="0"/>
+              </a:rPr>
+              <a:t>      </a:t>
+            </a:r>
+            <a:r>
+              <a:rPr lang="en-US" sz="800" dirty="0">
+                <a:solidFill>
+                  <a:srgbClr val="C586C0"/>
+                </a:solidFill>
+                <a:latin typeface="Consolas" panose="020B0609020204030204" pitchFamily="49" charset="0"/>
+              </a:rPr>
+              <a:t>return</a:t>
+            </a:r>
+            <a:r>
+              <a:rPr lang="en-US" sz="800" dirty="0">
+                <a:solidFill>
+                  <a:srgbClr val="CCCCCC"/>
+                </a:solidFill>
+                <a:latin typeface="Consolas" panose="020B0609020204030204" pitchFamily="49" charset="0"/>
+              </a:rPr>
+              <a:t> </a:t>
+            </a:r>
+            <a:r>
+              <a:rPr lang="en-US" sz="800" dirty="0">
+                <a:solidFill>
+                  <a:srgbClr val="9CDCFE"/>
+                </a:solidFill>
+                <a:latin typeface="Consolas" panose="020B0609020204030204" pitchFamily="49" charset="0"/>
+              </a:rPr>
+              <a:t>state</a:t>
+            </a:r>
+            <a:r>
+              <a:rPr lang="en-US" sz="800" dirty="0">
+                <a:solidFill>
+                  <a:srgbClr val="CCCCCC"/>
+                </a:solidFill>
+                <a:latin typeface="Consolas" panose="020B0609020204030204" pitchFamily="49" charset="0"/>
+              </a:rPr>
+              <a:t>;</a:t>
+            </a:r>
+          </a:p>
+          <a:p>
+            <a:r>
+              <a:rPr lang="en-US" sz="800" dirty="0">
+                <a:solidFill>
+                  <a:srgbClr val="CCCCCC"/>
+                </a:solidFill>
+                <a:latin typeface="Consolas" panose="020B0609020204030204" pitchFamily="49" charset="0"/>
+              </a:rPr>
+              <a:t>  }</a:t>
+            </a:r>
+          </a:p>
+          <a:p>
+            <a:r>
+              <a:rPr lang="en-US" sz="800" dirty="0">
+                <a:solidFill>
+                  <a:srgbClr val="CCCCCC"/>
+                </a:solidFill>
+                <a:latin typeface="Consolas" panose="020B0609020204030204" pitchFamily="49" charset="0"/>
+              </a:rPr>
+              <a:t>}</a:t>
+            </a:r>
+          </a:p>
+          <a:p>
+            <a:r>
+              <a:rPr lang="en-US" sz="800" dirty="0">
+                <a:solidFill>
+                  <a:srgbClr val="CCCCCC"/>
+                </a:solidFill>
+                <a:latin typeface="Consolas" panose="020B0609020204030204" pitchFamily="49" charset="0"/>
+              </a:rPr>
+              <a:t/>
+            </a:r>
+            <a:br>
+              <a:rPr lang="en-US" sz="800" dirty="0">
+                <a:solidFill>
+                  <a:srgbClr val="CCCCCC"/>
+                </a:solidFill>
+                <a:latin typeface="Consolas" panose="020B0609020204030204" pitchFamily="49" charset="0"/>
+              </a:rPr>
+            </a:br>
+            <a:r>
+              <a:rPr lang="en-US" sz="800" dirty="0">
+                <a:solidFill>
+                  <a:srgbClr val="569CD6"/>
+                </a:solidFill>
+                <a:latin typeface="Consolas" panose="020B0609020204030204" pitchFamily="49" charset="0"/>
+              </a:rPr>
+              <a:t>const</a:t>
+            </a:r>
+            <a:r>
+              <a:rPr lang="en-US" sz="800" dirty="0">
+                <a:solidFill>
+                  <a:srgbClr val="CCCCCC"/>
+                </a:solidFill>
+                <a:latin typeface="Consolas" panose="020B0609020204030204" pitchFamily="49" charset="0"/>
+              </a:rPr>
+              <a:t> </a:t>
+            </a:r>
+            <a:r>
+              <a:rPr lang="en-US" sz="800" dirty="0">
+                <a:solidFill>
+                  <a:srgbClr val="4FC1FF"/>
+                </a:solidFill>
+                <a:latin typeface="Consolas" panose="020B0609020204030204" pitchFamily="49" charset="0"/>
+              </a:rPr>
+              <a:t>initialState</a:t>
+            </a:r>
+            <a:r>
+              <a:rPr lang="en-US" sz="800" dirty="0">
+                <a:solidFill>
+                  <a:srgbClr val="CCCCCC"/>
+                </a:solidFill>
+                <a:latin typeface="Consolas" panose="020B0609020204030204" pitchFamily="49" charset="0"/>
+              </a:rPr>
+              <a:t> </a:t>
+            </a:r>
+            <a:r>
+              <a:rPr lang="en-US" sz="800" dirty="0">
+                <a:solidFill>
+                  <a:srgbClr val="D4D4D4"/>
+                </a:solidFill>
+                <a:latin typeface="Consolas" panose="020B0609020204030204" pitchFamily="49" charset="0"/>
+              </a:rPr>
+              <a:t>=</a:t>
+            </a:r>
+            <a:r>
+              <a:rPr lang="en-US" sz="800" dirty="0">
+                <a:solidFill>
+                  <a:srgbClr val="CCCCCC"/>
+                </a:solidFill>
+                <a:latin typeface="Consolas" panose="020B0609020204030204" pitchFamily="49" charset="0"/>
+              </a:rPr>
+              <a:t> { </a:t>
+            </a:r>
+            <a:r>
+              <a:rPr lang="en-US" sz="800" dirty="0">
+                <a:solidFill>
+                  <a:srgbClr val="9CDCFE"/>
+                </a:solidFill>
+                <a:latin typeface="Consolas" panose="020B0609020204030204" pitchFamily="49" charset="0"/>
+              </a:rPr>
+              <a:t>loading</a:t>
+            </a:r>
+            <a:r>
+              <a:rPr lang="en-US" sz="800" dirty="0">
+                <a:solidFill>
+                  <a:srgbClr val="CCCCCC"/>
+                </a:solidFill>
+                <a:latin typeface="Consolas" panose="020B0609020204030204" pitchFamily="49" charset="0"/>
+              </a:rPr>
+              <a:t>: </a:t>
+            </a:r>
+            <a:r>
+              <a:rPr lang="en-US" sz="800" dirty="0">
+                <a:solidFill>
+                  <a:srgbClr val="569CD6"/>
+                </a:solidFill>
+                <a:latin typeface="Consolas" panose="020B0609020204030204" pitchFamily="49" charset="0"/>
+              </a:rPr>
+              <a:t>false</a:t>
+            </a:r>
+            <a:r>
+              <a:rPr lang="en-US" sz="800" dirty="0">
+                <a:solidFill>
+                  <a:srgbClr val="CCCCCC"/>
+                </a:solidFill>
+                <a:latin typeface="Consolas" panose="020B0609020204030204" pitchFamily="49" charset="0"/>
+              </a:rPr>
+              <a:t>, </a:t>
+            </a:r>
+            <a:r>
+              <a:rPr lang="en-US" sz="800" dirty="0">
+                <a:solidFill>
+                  <a:srgbClr val="9CDCFE"/>
+                </a:solidFill>
+                <a:latin typeface="Consolas" panose="020B0609020204030204" pitchFamily="49" charset="0"/>
+              </a:rPr>
+              <a:t>data</a:t>
+            </a:r>
+            <a:r>
+              <a:rPr lang="en-US" sz="800" dirty="0">
+                <a:solidFill>
+                  <a:srgbClr val="CCCCCC"/>
+                </a:solidFill>
+                <a:latin typeface="Consolas" panose="020B0609020204030204" pitchFamily="49" charset="0"/>
+              </a:rPr>
+              <a:t>: [], </a:t>
+            </a:r>
+            <a:r>
+              <a:rPr lang="en-US" sz="800" dirty="0">
+                <a:solidFill>
+                  <a:srgbClr val="9CDCFE"/>
+                </a:solidFill>
+                <a:latin typeface="Consolas" panose="020B0609020204030204" pitchFamily="49" charset="0"/>
+              </a:rPr>
+              <a:t>error</a:t>
+            </a:r>
+            <a:r>
+              <a:rPr lang="en-US" sz="800" dirty="0">
+                <a:solidFill>
+                  <a:srgbClr val="CCCCCC"/>
+                </a:solidFill>
+                <a:latin typeface="Consolas" panose="020B0609020204030204" pitchFamily="49" charset="0"/>
+              </a:rPr>
+              <a:t>: </a:t>
+            </a:r>
+            <a:r>
+              <a:rPr lang="en-US" sz="800" dirty="0">
+                <a:solidFill>
+                  <a:srgbClr val="569CD6"/>
+                </a:solidFill>
+                <a:latin typeface="Consolas" panose="020B0609020204030204" pitchFamily="49" charset="0"/>
+              </a:rPr>
+              <a:t>null</a:t>
+            </a:r>
+            <a:r>
+              <a:rPr lang="en-US" sz="800" dirty="0">
+                <a:solidFill>
+                  <a:srgbClr val="CCCCCC"/>
+                </a:solidFill>
+                <a:latin typeface="Consolas" panose="020B0609020204030204" pitchFamily="49" charset="0"/>
+              </a:rPr>
+              <a:t> </a:t>
+            </a:r>
+            <a:r>
+              <a:rPr lang="en-US" sz="800" dirty="0" smtClean="0">
+                <a:solidFill>
+                  <a:srgbClr val="CCCCCC"/>
+                </a:solidFill>
+                <a:latin typeface="Consolas" panose="020B0609020204030204" pitchFamily="49" charset="0"/>
+              </a:rPr>
+              <a:t>};</a:t>
+            </a:r>
+            <a:endParaRPr lang="en-US" sz="800" dirty="0">
+              <a:solidFill>
+                <a:srgbClr val="CCCCCC"/>
+              </a:solidFill>
+              <a:latin typeface="Consolas" panose="020B0609020204030204" pitchFamily="49" charset="0"/>
+            </a:endParaRPr>
+          </a:p>
+        </p:txBody>
+      </p:sp>
+    </p:spTree>
+    <p:extLst>
+      <p:ext uri="{BB962C8B-B14F-4D97-AF65-F5344CB8AC3E}">
+        <p14:creationId xmlns:p14="http://schemas.microsoft.com/office/powerpoint/2010/main" val="2678331738"/>
+      </p:ext>
+    </p:extLst>
+  </p:cSld>
+  <p:clrMapOvr>
+    <a:masterClrMapping/>
+  </p:clrMapOvr>
+</p:sld>
+</file>
+
+<file path=ppt/slides/slide15.xml><?xml version="1.0" encoding="utf-8"?>
+<p:sld xmlns:a="http://schemas.openxmlformats.org/drawingml/2006/main" xmlns:r="http://schemas.openxmlformats.org/officeDocument/2006/relationships" xmlns:p="http://schemas.openxmlformats.org/presentationml/2006/main">
+  <p:cSld>
+    <p:spTree>
+      <p:nvGrpSpPr>
+        <p:cNvPr id="1" name=""/>
+        <p:cNvGrpSpPr/>
+        <p:nvPr/>
+      </p:nvGrpSpPr>
+      <p:grpSpPr>
+        <a:xfrm>
+          <a:off x="0" y="0"/>
+          <a:ext cx="0" cy="0"/>
+          <a:chOff x="0" y="0"/>
+          <a:chExt cx="0" cy="0"/>
+        </a:xfrm>
+      </p:grpSpPr>
+      <p:sp>
+        <p:nvSpPr>
+          <p:cNvPr id="2" name="Title 1"/>
+          <p:cNvSpPr>
+            <a:spLocks noGrp="1"/>
+          </p:cNvSpPr>
+          <p:nvPr>
+            <p:ph type="title"/>
+          </p:nvPr>
+        </p:nvSpPr>
+        <p:spPr/>
+        <p:txBody>
+          <a:bodyPr>
+            <a:normAutofit/>
+          </a:bodyPr>
+          <a:lstStyle/>
+          <a:p>
+            <a:r>
+              <a:rPr lang="en-US" dirty="0" smtClean="0">
+                <a:latin typeface="Tahoma" panose="020B0604030504040204" pitchFamily="34" charset="0"/>
+                <a:ea typeface="Tahoma" panose="020B0604030504040204" pitchFamily="34" charset="0"/>
+                <a:cs typeface="Tahoma" panose="020B0604030504040204" pitchFamily="34" charset="0"/>
+              </a:rPr>
+              <a:t>Ví dụ</a:t>
+            </a:r>
+            <a:endParaRPr lang="en-US" dirty="0">
+              <a:latin typeface="Tahoma" panose="020B0604030504040204" pitchFamily="34" charset="0"/>
+              <a:ea typeface="Tahoma" panose="020B0604030504040204" pitchFamily="34" charset="0"/>
+              <a:cs typeface="Tahoma" panose="020B0604030504040204" pitchFamily="34" charset="0"/>
+            </a:endParaRPr>
+          </a:p>
+        </p:txBody>
+      </p:sp>
+      <p:sp>
+        <p:nvSpPr>
+          <p:cNvPr id="4" name="Rectangle 3"/>
+          <p:cNvSpPr/>
+          <p:nvPr/>
+        </p:nvSpPr>
+        <p:spPr>
+          <a:xfrm>
+            <a:off x="3048000" y="2862031"/>
+            <a:ext cx="6096000" cy="3046988"/>
+          </a:xfrm>
+          <a:prstGeom prst="rect">
+            <a:avLst/>
+          </a:prstGeom>
+          <a:solidFill>
+            <a:schemeClr val="tx1"/>
+          </a:solidFill>
+        </p:spPr>
+        <p:txBody>
+          <a:bodyPr>
+            <a:spAutoFit/>
+          </a:bodyPr>
+          <a:lstStyle/>
+          <a:p>
+            <a:r>
+              <a:rPr lang="en-US" sz="800" dirty="0" smtClean="0">
+                <a:solidFill>
+                  <a:srgbClr val="C586C0"/>
+                </a:solidFill>
+                <a:latin typeface="Consolas" panose="020B0609020204030204" pitchFamily="49" charset="0"/>
+              </a:rPr>
+              <a:t>export</a:t>
+            </a:r>
+            <a:r>
+              <a:rPr lang="en-US" sz="800" dirty="0" smtClean="0">
+                <a:solidFill>
+                  <a:srgbClr val="CCCCCC"/>
+                </a:solidFill>
+                <a:latin typeface="Consolas" panose="020B0609020204030204" pitchFamily="49" charset="0"/>
+              </a:rPr>
+              <a:t> </a:t>
+            </a:r>
+            <a:r>
+              <a:rPr lang="en-US" sz="800" dirty="0">
+                <a:solidFill>
+                  <a:srgbClr val="C586C0"/>
+                </a:solidFill>
+                <a:latin typeface="Consolas" panose="020B0609020204030204" pitchFamily="49" charset="0"/>
+              </a:rPr>
+              <a:t>default</a:t>
+            </a:r>
+            <a:r>
+              <a:rPr lang="en-US" sz="800" dirty="0">
+                <a:solidFill>
+                  <a:srgbClr val="CCCCCC"/>
+                </a:solidFill>
+                <a:latin typeface="Consolas" panose="020B0609020204030204" pitchFamily="49" charset="0"/>
+              </a:rPr>
+              <a:t> </a:t>
+            </a:r>
+            <a:r>
+              <a:rPr lang="en-US" sz="800" dirty="0">
+                <a:solidFill>
+                  <a:srgbClr val="569CD6"/>
+                </a:solidFill>
+                <a:latin typeface="Consolas" panose="020B0609020204030204" pitchFamily="49" charset="0"/>
+              </a:rPr>
+              <a:t>function</a:t>
+            </a:r>
+            <a:r>
+              <a:rPr lang="en-US" sz="800" dirty="0">
+                <a:solidFill>
+                  <a:srgbClr val="CCCCCC"/>
+                </a:solidFill>
+                <a:latin typeface="Consolas" panose="020B0609020204030204" pitchFamily="49" charset="0"/>
+              </a:rPr>
+              <a:t> </a:t>
+            </a:r>
+            <a:r>
+              <a:rPr lang="en-US" sz="800" dirty="0">
+                <a:solidFill>
+                  <a:srgbClr val="DCDCAA"/>
+                </a:solidFill>
+                <a:latin typeface="Consolas" panose="020B0609020204030204" pitchFamily="49" charset="0"/>
+              </a:rPr>
+              <a:t>App</a:t>
+            </a:r>
+            <a:r>
+              <a:rPr lang="en-US" sz="800" dirty="0">
+                <a:solidFill>
+                  <a:srgbClr val="CCCCCC"/>
+                </a:solidFill>
+                <a:latin typeface="Consolas" panose="020B0609020204030204" pitchFamily="49" charset="0"/>
+              </a:rPr>
+              <a:t>() {</a:t>
+            </a:r>
+          </a:p>
+          <a:p>
+            <a:r>
+              <a:rPr lang="en-US" sz="800" dirty="0">
+                <a:solidFill>
+                  <a:srgbClr val="CCCCCC"/>
+                </a:solidFill>
+                <a:latin typeface="Consolas" panose="020B0609020204030204" pitchFamily="49" charset="0"/>
+              </a:rPr>
+              <a:t>  </a:t>
+            </a:r>
+            <a:r>
+              <a:rPr lang="en-US" sz="800" dirty="0">
+                <a:solidFill>
+                  <a:srgbClr val="569CD6"/>
+                </a:solidFill>
+                <a:latin typeface="Consolas" panose="020B0609020204030204" pitchFamily="49" charset="0"/>
+              </a:rPr>
+              <a:t>const</a:t>
+            </a:r>
+            <a:r>
+              <a:rPr lang="en-US" sz="800" dirty="0">
+                <a:solidFill>
+                  <a:srgbClr val="CCCCCC"/>
+                </a:solidFill>
+                <a:latin typeface="Consolas" panose="020B0609020204030204" pitchFamily="49" charset="0"/>
+              </a:rPr>
+              <a:t> [</a:t>
+            </a:r>
+            <a:r>
+              <a:rPr lang="en-US" sz="800" dirty="0">
+                <a:solidFill>
+                  <a:srgbClr val="4FC1FF"/>
+                </a:solidFill>
+                <a:latin typeface="Consolas" panose="020B0609020204030204" pitchFamily="49" charset="0"/>
+              </a:rPr>
+              <a:t>state</a:t>
+            </a:r>
+            <a:r>
+              <a:rPr lang="en-US" sz="800" dirty="0">
+                <a:solidFill>
+                  <a:srgbClr val="CCCCCC"/>
+                </a:solidFill>
+                <a:latin typeface="Consolas" panose="020B0609020204030204" pitchFamily="49" charset="0"/>
+              </a:rPr>
+              <a:t>, </a:t>
+            </a:r>
+            <a:r>
+              <a:rPr lang="en-US" sz="800" dirty="0">
+                <a:solidFill>
+                  <a:srgbClr val="DCDCAA"/>
+                </a:solidFill>
+                <a:latin typeface="Consolas" panose="020B0609020204030204" pitchFamily="49" charset="0"/>
+              </a:rPr>
+              <a:t>dispatch</a:t>
+            </a:r>
+            <a:r>
+              <a:rPr lang="en-US" sz="800" dirty="0">
+                <a:solidFill>
+                  <a:srgbClr val="CCCCCC"/>
+                </a:solidFill>
+                <a:latin typeface="Consolas" panose="020B0609020204030204" pitchFamily="49" charset="0"/>
+              </a:rPr>
+              <a:t>] </a:t>
+            </a:r>
+            <a:r>
+              <a:rPr lang="en-US" sz="800" dirty="0">
+                <a:solidFill>
+                  <a:srgbClr val="D4D4D4"/>
+                </a:solidFill>
+                <a:latin typeface="Consolas" panose="020B0609020204030204" pitchFamily="49" charset="0"/>
+              </a:rPr>
+              <a:t>=</a:t>
+            </a:r>
+            <a:r>
+              <a:rPr lang="en-US" sz="800" dirty="0">
+                <a:solidFill>
+                  <a:srgbClr val="CCCCCC"/>
+                </a:solidFill>
+                <a:latin typeface="Consolas" panose="020B0609020204030204" pitchFamily="49" charset="0"/>
+              </a:rPr>
+              <a:t> </a:t>
+            </a:r>
+            <a:r>
+              <a:rPr lang="en-US" sz="800" dirty="0">
+                <a:solidFill>
+                  <a:srgbClr val="DCDCAA"/>
+                </a:solidFill>
+                <a:latin typeface="Consolas" panose="020B0609020204030204" pitchFamily="49" charset="0"/>
+              </a:rPr>
+              <a:t>useReducer</a:t>
+            </a:r>
+            <a:r>
+              <a:rPr lang="en-US" sz="800" dirty="0">
+                <a:solidFill>
+                  <a:srgbClr val="CCCCCC"/>
+                </a:solidFill>
+                <a:latin typeface="Consolas" panose="020B0609020204030204" pitchFamily="49" charset="0"/>
+              </a:rPr>
+              <a:t>(</a:t>
+            </a:r>
+            <a:r>
+              <a:rPr lang="en-US" sz="800" dirty="0">
+                <a:solidFill>
+                  <a:srgbClr val="DCDCAA"/>
+                </a:solidFill>
+                <a:latin typeface="Consolas" panose="020B0609020204030204" pitchFamily="49" charset="0"/>
+              </a:rPr>
+              <a:t>reducer</a:t>
+            </a:r>
+            <a:r>
+              <a:rPr lang="en-US" sz="800" dirty="0">
+                <a:solidFill>
+                  <a:srgbClr val="CCCCCC"/>
+                </a:solidFill>
+                <a:latin typeface="Consolas" panose="020B0609020204030204" pitchFamily="49" charset="0"/>
+              </a:rPr>
+              <a:t>, </a:t>
+            </a:r>
+            <a:r>
+              <a:rPr lang="en-US" sz="800" dirty="0">
+                <a:solidFill>
+                  <a:srgbClr val="4FC1FF"/>
+                </a:solidFill>
+                <a:latin typeface="Consolas" panose="020B0609020204030204" pitchFamily="49" charset="0"/>
+              </a:rPr>
+              <a:t>initialState</a:t>
+            </a:r>
+            <a:r>
+              <a:rPr lang="en-US" sz="800" dirty="0">
+                <a:solidFill>
+                  <a:srgbClr val="CCCCCC"/>
+                </a:solidFill>
+                <a:latin typeface="Consolas" panose="020B0609020204030204" pitchFamily="49" charset="0"/>
+              </a:rPr>
+              <a:t>);</a:t>
+            </a:r>
+          </a:p>
+          <a:p>
+            <a:r>
+              <a:rPr lang="en-US" sz="800" dirty="0">
+                <a:solidFill>
+                  <a:srgbClr val="CCCCCC"/>
+                </a:solidFill>
+                <a:latin typeface="Consolas" panose="020B0609020204030204" pitchFamily="49" charset="0"/>
+              </a:rPr>
+              <a:t/>
+            </a:r>
+            <a:br>
+              <a:rPr lang="en-US" sz="800" dirty="0">
+                <a:solidFill>
+                  <a:srgbClr val="CCCCCC"/>
+                </a:solidFill>
+                <a:latin typeface="Consolas" panose="020B0609020204030204" pitchFamily="49" charset="0"/>
+              </a:rPr>
+            </a:br>
+            <a:r>
+              <a:rPr lang="en-US" sz="800" dirty="0">
+                <a:solidFill>
+                  <a:srgbClr val="CCCCCC"/>
+                </a:solidFill>
+                <a:latin typeface="Consolas" panose="020B0609020204030204" pitchFamily="49" charset="0"/>
+              </a:rPr>
+              <a:t>  </a:t>
+            </a:r>
+            <a:r>
+              <a:rPr lang="en-US" sz="800" dirty="0">
+                <a:solidFill>
+                  <a:srgbClr val="569CD6"/>
+                </a:solidFill>
+                <a:latin typeface="Consolas" panose="020B0609020204030204" pitchFamily="49" charset="0"/>
+              </a:rPr>
+              <a:t>const</a:t>
+            </a:r>
+            <a:r>
+              <a:rPr lang="en-US" sz="800" dirty="0">
+                <a:solidFill>
+                  <a:srgbClr val="CCCCCC"/>
+                </a:solidFill>
+                <a:latin typeface="Consolas" panose="020B0609020204030204" pitchFamily="49" charset="0"/>
+              </a:rPr>
+              <a:t> </a:t>
+            </a:r>
+            <a:r>
+              <a:rPr lang="en-US" sz="800" dirty="0">
+                <a:solidFill>
+                  <a:srgbClr val="DCDCAA"/>
+                </a:solidFill>
+                <a:latin typeface="Consolas" panose="020B0609020204030204" pitchFamily="49" charset="0"/>
+              </a:rPr>
+              <a:t>getUsers</a:t>
+            </a:r>
+            <a:r>
+              <a:rPr lang="en-US" sz="800" dirty="0">
+                <a:solidFill>
+                  <a:srgbClr val="CCCCCC"/>
+                </a:solidFill>
+                <a:latin typeface="Consolas" panose="020B0609020204030204" pitchFamily="49" charset="0"/>
+              </a:rPr>
+              <a:t> </a:t>
+            </a:r>
+            <a:r>
+              <a:rPr lang="en-US" sz="800" dirty="0">
+                <a:solidFill>
+                  <a:srgbClr val="D4D4D4"/>
+                </a:solidFill>
+                <a:latin typeface="Consolas" panose="020B0609020204030204" pitchFamily="49" charset="0"/>
+              </a:rPr>
+              <a:t>=</a:t>
+            </a:r>
+            <a:r>
+              <a:rPr lang="en-US" sz="800" dirty="0">
+                <a:solidFill>
+                  <a:srgbClr val="CCCCCC"/>
+                </a:solidFill>
+                <a:latin typeface="Consolas" panose="020B0609020204030204" pitchFamily="49" charset="0"/>
+              </a:rPr>
+              <a:t> () </a:t>
+            </a:r>
+            <a:r>
+              <a:rPr lang="en-US" sz="800" dirty="0">
+                <a:solidFill>
+                  <a:srgbClr val="569CD6"/>
+                </a:solidFill>
+                <a:latin typeface="Consolas" panose="020B0609020204030204" pitchFamily="49" charset="0"/>
+              </a:rPr>
+              <a:t>=&gt;</a:t>
+            </a:r>
+            <a:r>
+              <a:rPr lang="en-US" sz="800" dirty="0">
+                <a:solidFill>
+                  <a:srgbClr val="CCCCCC"/>
+                </a:solidFill>
+                <a:latin typeface="Consolas" panose="020B0609020204030204" pitchFamily="49" charset="0"/>
+              </a:rPr>
+              <a:t> {</a:t>
+            </a:r>
+          </a:p>
+          <a:p>
+            <a:r>
+              <a:rPr lang="en-US" sz="800" dirty="0">
+                <a:solidFill>
+                  <a:srgbClr val="CCCCCC"/>
+                </a:solidFill>
+                <a:latin typeface="Consolas" panose="020B0609020204030204" pitchFamily="49" charset="0"/>
+              </a:rPr>
+              <a:t>    </a:t>
+            </a:r>
+            <a:r>
+              <a:rPr lang="en-US" sz="800" dirty="0">
+                <a:solidFill>
+                  <a:srgbClr val="DCDCAA"/>
+                </a:solidFill>
+                <a:latin typeface="Consolas" panose="020B0609020204030204" pitchFamily="49" charset="0"/>
+              </a:rPr>
+              <a:t>dispatch</a:t>
+            </a:r>
+            <a:r>
+              <a:rPr lang="en-US" sz="800" dirty="0">
+                <a:solidFill>
+                  <a:srgbClr val="CCCCCC"/>
+                </a:solidFill>
+                <a:latin typeface="Consolas" panose="020B0609020204030204" pitchFamily="49" charset="0"/>
+              </a:rPr>
+              <a:t>({ </a:t>
+            </a:r>
+            <a:r>
+              <a:rPr lang="en-US" sz="800" dirty="0">
+                <a:solidFill>
+                  <a:srgbClr val="9CDCFE"/>
+                </a:solidFill>
+                <a:latin typeface="Consolas" panose="020B0609020204030204" pitchFamily="49" charset="0"/>
+              </a:rPr>
+              <a:t>type</a:t>
+            </a:r>
+            <a:r>
+              <a:rPr lang="en-US" sz="800" dirty="0">
+                <a:solidFill>
+                  <a:srgbClr val="CCCCCC"/>
+                </a:solidFill>
+                <a:latin typeface="Consolas" panose="020B0609020204030204" pitchFamily="49" charset="0"/>
+              </a:rPr>
+              <a:t>: </a:t>
+            </a:r>
+            <a:r>
+              <a:rPr lang="en-US" sz="800" dirty="0">
+                <a:solidFill>
+                  <a:srgbClr val="CE9178"/>
+                </a:solidFill>
+                <a:latin typeface="Consolas" panose="020B0609020204030204" pitchFamily="49" charset="0"/>
+              </a:rPr>
+              <a:t>"GET_REQUEST"</a:t>
+            </a:r>
+            <a:r>
+              <a:rPr lang="en-US" sz="800" dirty="0">
+                <a:solidFill>
+                  <a:srgbClr val="CCCCCC"/>
+                </a:solidFill>
+                <a:latin typeface="Consolas" panose="020B0609020204030204" pitchFamily="49" charset="0"/>
+              </a:rPr>
+              <a:t> });</a:t>
+            </a:r>
+          </a:p>
+          <a:p>
+            <a:r>
+              <a:rPr lang="en-US" sz="800" dirty="0">
+                <a:solidFill>
+                  <a:srgbClr val="CCCCCC"/>
+                </a:solidFill>
+                <a:latin typeface="Consolas" panose="020B0609020204030204" pitchFamily="49" charset="0"/>
+              </a:rPr>
+              <a:t>    </a:t>
+            </a:r>
+            <a:r>
+              <a:rPr lang="en-US" sz="800" dirty="0">
+                <a:solidFill>
+                  <a:srgbClr val="DCDCAA"/>
+                </a:solidFill>
+                <a:latin typeface="Consolas" panose="020B0609020204030204" pitchFamily="49" charset="0"/>
+              </a:rPr>
+              <a:t>setTimeout</a:t>
+            </a:r>
+            <a:r>
+              <a:rPr lang="en-US" sz="800" dirty="0">
+                <a:solidFill>
+                  <a:srgbClr val="CCCCCC"/>
+                </a:solidFill>
+                <a:latin typeface="Consolas" panose="020B0609020204030204" pitchFamily="49" charset="0"/>
+              </a:rPr>
+              <a:t>(() </a:t>
+            </a:r>
+            <a:r>
+              <a:rPr lang="en-US" sz="800" dirty="0">
+                <a:solidFill>
+                  <a:srgbClr val="569CD6"/>
+                </a:solidFill>
+                <a:latin typeface="Consolas" panose="020B0609020204030204" pitchFamily="49" charset="0"/>
+              </a:rPr>
+              <a:t>=&gt;</a:t>
+            </a:r>
+            <a:r>
+              <a:rPr lang="en-US" sz="800" dirty="0">
+                <a:solidFill>
+                  <a:srgbClr val="CCCCCC"/>
+                </a:solidFill>
+                <a:latin typeface="Consolas" panose="020B0609020204030204" pitchFamily="49" charset="0"/>
+              </a:rPr>
+              <a:t> {</a:t>
+            </a:r>
+          </a:p>
+          <a:p>
+            <a:r>
+              <a:rPr lang="en-US" sz="800" dirty="0">
+                <a:solidFill>
+                  <a:srgbClr val="CCCCCC"/>
+                </a:solidFill>
+                <a:latin typeface="Consolas" panose="020B0609020204030204" pitchFamily="49" charset="0"/>
+              </a:rPr>
+              <a:t>      </a:t>
+            </a:r>
+            <a:r>
+              <a:rPr lang="en-US" sz="800" dirty="0">
+                <a:solidFill>
+                  <a:srgbClr val="DCDCAA"/>
+                </a:solidFill>
+                <a:latin typeface="Consolas" panose="020B0609020204030204" pitchFamily="49" charset="0"/>
+              </a:rPr>
+              <a:t>fetch</a:t>
+            </a:r>
+            <a:r>
+              <a:rPr lang="en-US" sz="800" dirty="0">
+                <a:solidFill>
+                  <a:srgbClr val="CCCCCC"/>
+                </a:solidFill>
+                <a:latin typeface="Consolas" panose="020B0609020204030204" pitchFamily="49" charset="0"/>
+              </a:rPr>
+              <a:t>(</a:t>
+            </a:r>
+            <a:r>
+              <a:rPr lang="en-US" sz="800" dirty="0">
+                <a:solidFill>
+                  <a:srgbClr val="CE9178"/>
+                </a:solidFill>
+                <a:latin typeface="Consolas" panose="020B0609020204030204" pitchFamily="49" charset="0"/>
+              </a:rPr>
+              <a:t>"https://jsonplaceholder.typicode.com/users?id=1"</a:t>
+            </a:r>
+            <a:r>
+              <a:rPr lang="en-US" sz="800" dirty="0">
+                <a:solidFill>
+                  <a:srgbClr val="CCCCCC"/>
+                </a:solidFill>
+                <a:latin typeface="Consolas" panose="020B0609020204030204" pitchFamily="49" charset="0"/>
+              </a:rPr>
+              <a:t>)</a:t>
+            </a:r>
+          </a:p>
+          <a:p>
+            <a:r>
+              <a:rPr lang="en-US" sz="800" dirty="0">
+                <a:solidFill>
+                  <a:srgbClr val="CCCCCC"/>
+                </a:solidFill>
+                <a:latin typeface="Consolas" panose="020B0609020204030204" pitchFamily="49" charset="0"/>
+              </a:rPr>
+              <a:t>        </a:t>
+            </a:r>
+            <a:r>
+              <a:rPr lang="en-US" sz="800" dirty="0">
+                <a:solidFill>
+                  <a:srgbClr val="D4D4D4"/>
+                </a:solidFill>
+                <a:latin typeface="Consolas" panose="020B0609020204030204" pitchFamily="49" charset="0"/>
+              </a:rPr>
+              <a:t>.</a:t>
+            </a:r>
+            <a:r>
+              <a:rPr lang="en-US" sz="800" dirty="0">
+                <a:solidFill>
+                  <a:srgbClr val="DCDCAA"/>
+                </a:solidFill>
+                <a:latin typeface="Consolas" panose="020B0609020204030204" pitchFamily="49" charset="0"/>
+              </a:rPr>
+              <a:t>then</a:t>
+            </a:r>
+            <a:r>
+              <a:rPr lang="en-US" sz="800" dirty="0">
+                <a:solidFill>
+                  <a:srgbClr val="CCCCCC"/>
+                </a:solidFill>
+                <a:latin typeface="Consolas" panose="020B0609020204030204" pitchFamily="49" charset="0"/>
+              </a:rPr>
+              <a:t>((</a:t>
+            </a:r>
+            <a:r>
+              <a:rPr lang="en-US" sz="800" dirty="0">
+                <a:solidFill>
+                  <a:srgbClr val="9CDCFE"/>
+                </a:solidFill>
+                <a:latin typeface="Consolas" panose="020B0609020204030204" pitchFamily="49" charset="0"/>
+              </a:rPr>
+              <a:t>res</a:t>
+            </a:r>
+            <a:r>
+              <a:rPr lang="en-US" sz="800" dirty="0">
+                <a:solidFill>
+                  <a:srgbClr val="CCCCCC"/>
+                </a:solidFill>
+                <a:latin typeface="Consolas" panose="020B0609020204030204" pitchFamily="49" charset="0"/>
+              </a:rPr>
+              <a:t>) </a:t>
+            </a:r>
+            <a:r>
+              <a:rPr lang="en-US" sz="800" dirty="0">
+                <a:solidFill>
+                  <a:srgbClr val="569CD6"/>
+                </a:solidFill>
+                <a:latin typeface="Consolas" panose="020B0609020204030204" pitchFamily="49" charset="0"/>
+              </a:rPr>
+              <a:t>=&gt;</a:t>
+            </a:r>
+            <a:r>
+              <a:rPr lang="en-US" sz="800" dirty="0">
+                <a:solidFill>
+                  <a:srgbClr val="9CDCFE"/>
+                </a:solidFill>
+                <a:latin typeface="Consolas" panose="020B0609020204030204" pitchFamily="49" charset="0"/>
+              </a:rPr>
+              <a:t> res</a:t>
+            </a:r>
+            <a:r>
+              <a:rPr lang="en-US" sz="800" dirty="0">
+                <a:solidFill>
+                  <a:srgbClr val="D4D4D4"/>
+                </a:solidFill>
+                <a:latin typeface="Consolas" panose="020B0609020204030204" pitchFamily="49" charset="0"/>
+              </a:rPr>
+              <a:t>.</a:t>
+            </a:r>
+            <a:r>
+              <a:rPr lang="en-US" sz="800" dirty="0">
+                <a:solidFill>
+                  <a:srgbClr val="DCDCAA"/>
+                </a:solidFill>
+                <a:latin typeface="Consolas" panose="020B0609020204030204" pitchFamily="49" charset="0"/>
+              </a:rPr>
+              <a:t>json</a:t>
+            </a:r>
+            <a:r>
+              <a:rPr lang="en-US" sz="800" dirty="0">
+                <a:solidFill>
+                  <a:srgbClr val="CCCCCC"/>
+                </a:solidFill>
+                <a:latin typeface="Consolas" panose="020B0609020204030204" pitchFamily="49" charset="0"/>
+              </a:rPr>
+              <a:t>())</a:t>
+            </a:r>
+          </a:p>
+          <a:p>
+            <a:r>
+              <a:rPr lang="en-US" sz="800" dirty="0">
+                <a:solidFill>
+                  <a:srgbClr val="CCCCCC"/>
+                </a:solidFill>
+                <a:latin typeface="Consolas" panose="020B0609020204030204" pitchFamily="49" charset="0"/>
+              </a:rPr>
+              <a:t>        </a:t>
+            </a:r>
+            <a:r>
+              <a:rPr lang="en-US" sz="800" dirty="0">
+                <a:solidFill>
+                  <a:srgbClr val="D4D4D4"/>
+                </a:solidFill>
+                <a:latin typeface="Consolas" panose="020B0609020204030204" pitchFamily="49" charset="0"/>
+              </a:rPr>
+              <a:t>.</a:t>
+            </a:r>
+            <a:r>
+              <a:rPr lang="en-US" sz="800" dirty="0">
+                <a:solidFill>
+                  <a:srgbClr val="DCDCAA"/>
+                </a:solidFill>
+                <a:latin typeface="Consolas" panose="020B0609020204030204" pitchFamily="49" charset="0"/>
+              </a:rPr>
+              <a:t>then</a:t>
+            </a:r>
+            <a:r>
+              <a:rPr lang="en-US" sz="800" dirty="0">
+                <a:solidFill>
+                  <a:srgbClr val="CCCCCC"/>
+                </a:solidFill>
+                <a:latin typeface="Consolas" panose="020B0609020204030204" pitchFamily="49" charset="0"/>
+              </a:rPr>
+              <a:t>((</a:t>
+            </a:r>
+            <a:r>
+              <a:rPr lang="en-US" sz="800" dirty="0">
+                <a:solidFill>
+                  <a:srgbClr val="9CDCFE"/>
+                </a:solidFill>
+                <a:latin typeface="Consolas" panose="020B0609020204030204" pitchFamily="49" charset="0"/>
+              </a:rPr>
+              <a:t>res</a:t>
+            </a:r>
+            <a:r>
+              <a:rPr lang="en-US" sz="800" dirty="0">
+                <a:solidFill>
+                  <a:srgbClr val="CCCCCC"/>
+                </a:solidFill>
+                <a:latin typeface="Consolas" panose="020B0609020204030204" pitchFamily="49" charset="0"/>
+              </a:rPr>
+              <a:t>) </a:t>
+            </a:r>
+            <a:r>
+              <a:rPr lang="en-US" sz="800" dirty="0">
+                <a:solidFill>
+                  <a:srgbClr val="569CD6"/>
+                </a:solidFill>
+                <a:latin typeface="Consolas" panose="020B0609020204030204" pitchFamily="49" charset="0"/>
+              </a:rPr>
+              <a:t>=&gt;</a:t>
+            </a:r>
+            <a:r>
+              <a:rPr lang="en-US" sz="800" dirty="0">
+                <a:solidFill>
+                  <a:srgbClr val="CCCCCC"/>
+                </a:solidFill>
+                <a:latin typeface="Consolas" panose="020B0609020204030204" pitchFamily="49" charset="0"/>
+              </a:rPr>
+              <a:t> {</a:t>
+            </a:r>
+          </a:p>
+          <a:p>
+            <a:r>
+              <a:rPr lang="en-US" sz="800" dirty="0">
+                <a:solidFill>
+                  <a:srgbClr val="CCCCCC"/>
+                </a:solidFill>
+                <a:latin typeface="Consolas" panose="020B0609020204030204" pitchFamily="49" charset="0"/>
+              </a:rPr>
+              <a:t>          </a:t>
+            </a:r>
+            <a:r>
+              <a:rPr lang="en-US" sz="800" dirty="0">
+                <a:solidFill>
+                  <a:srgbClr val="DCDCAA"/>
+                </a:solidFill>
+                <a:latin typeface="Consolas" panose="020B0609020204030204" pitchFamily="49" charset="0"/>
+              </a:rPr>
+              <a:t>dispatch</a:t>
+            </a:r>
+            <a:r>
+              <a:rPr lang="en-US" sz="800" dirty="0">
+                <a:solidFill>
+                  <a:srgbClr val="CCCCCC"/>
+                </a:solidFill>
+                <a:latin typeface="Consolas" panose="020B0609020204030204" pitchFamily="49" charset="0"/>
+              </a:rPr>
+              <a:t>({ </a:t>
+            </a:r>
+            <a:r>
+              <a:rPr lang="en-US" sz="800" dirty="0">
+                <a:solidFill>
+                  <a:srgbClr val="9CDCFE"/>
+                </a:solidFill>
+                <a:latin typeface="Consolas" panose="020B0609020204030204" pitchFamily="49" charset="0"/>
+              </a:rPr>
+              <a:t>type</a:t>
+            </a:r>
+            <a:r>
+              <a:rPr lang="en-US" sz="800" dirty="0">
+                <a:solidFill>
+                  <a:srgbClr val="CCCCCC"/>
+                </a:solidFill>
+                <a:latin typeface="Consolas" panose="020B0609020204030204" pitchFamily="49" charset="0"/>
+              </a:rPr>
+              <a:t>: </a:t>
+            </a:r>
+            <a:r>
+              <a:rPr lang="en-US" sz="800" dirty="0">
+                <a:solidFill>
+                  <a:srgbClr val="CE9178"/>
+                </a:solidFill>
+                <a:latin typeface="Consolas" panose="020B0609020204030204" pitchFamily="49" charset="0"/>
+              </a:rPr>
+              <a:t>"GET_SUCCESS"</a:t>
+            </a:r>
+            <a:r>
+              <a:rPr lang="en-US" sz="800" dirty="0">
+                <a:solidFill>
+                  <a:srgbClr val="CCCCCC"/>
+                </a:solidFill>
+                <a:latin typeface="Consolas" panose="020B0609020204030204" pitchFamily="49" charset="0"/>
+              </a:rPr>
+              <a:t>, </a:t>
+            </a:r>
+            <a:r>
+              <a:rPr lang="en-US" sz="800" dirty="0">
+                <a:solidFill>
+                  <a:srgbClr val="9CDCFE"/>
+                </a:solidFill>
+                <a:latin typeface="Consolas" panose="020B0609020204030204" pitchFamily="49" charset="0"/>
+              </a:rPr>
+              <a:t>data</a:t>
+            </a:r>
+            <a:r>
+              <a:rPr lang="en-US" sz="800" dirty="0">
+                <a:solidFill>
+                  <a:srgbClr val="CCCCCC"/>
+                </a:solidFill>
+                <a:latin typeface="Consolas" panose="020B0609020204030204" pitchFamily="49" charset="0"/>
+              </a:rPr>
+              <a:t>: </a:t>
+            </a:r>
+            <a:r>
+              <a:rPr lang="en-US" sz="800" dirty="0">
+                <a:solidFill>
+                  <a:srgbClr val="9CDCFE"/>
+                </a:solidFill>
+                <a:latin typeface="Consolas" panose="020B0609020204030204" pitchFamily="49" charset="0"/>
+              </a:rPr>
+              <a:t>res</a:t>
+            </a:r>
+            <a:r>
+              <a:rPr lang="en-US" sz="800" dirty="0">
+                <a:solidFill>
+                  <a:srgbClr val="CCCCCC"/>
+                </a:solidFill>
+                <a:latin typeface="Consolas" panose="020B0609020204030204" pitchFamily="49" charset="0"/>
+              </a:rPr>
+              <a:t> });</a:t>
+            </a:r>
+          </a:p>
+          <a:p>
+            <a:r>
+              <a:rPr lang="en-US" sz="800" dirty="0">
+                <a:solidFill>
+                  <a:srgbClr val="CCCCCC"/>
+                </a:solidFill>
+                <a:latin typeface="Consolas" panose="020B0609020204030204" pitchFamily="49" charset="0"/>
+              </a:rPr>
+              <a:t>        })</a:t>
+            </a:r>
+          </a:p>
+          <a:p>
+            <a:r>
+              <a:rPr lang="en-US" sz="800" dirty="0">
+                <a:solidFill>
+                  <a:srgbClr val="CCCCCC"/>
+                </a:solidFill>
+                <a:latin typeface="Consolas" panose="020B0609020204030204" pitchFamily="49" charset="0"/>
+              </a:rPr>
+              <a:t>        </a:t>
+            </a:r>
+            <a:r>
+              <a:rPr lang="en-US" sz="800" dirty="0">
+                <a:solidFill>
+                  <a:srgbClr val="D4D4D4"/>
+                </a:solidFill>
+                <a:latin typeface="Consolas" panose="020B0609020204030204" pitchFamily="49" charset="0"/>
+              </a:rPr>
+              <a:t>.</a:t>
+            </a:r>
+            <a:r>
+              <a:rPr lang="en-US" sz="800" dirty="0">
+                <a:solidFill>
+                  <a:srgbClr val="DCDCAA"/>
+                </a:solidFill>
+                <a:latin typeface="Consolas" panose="020B0609020204030204" pitchFamily="49" charset="0"/>
+              </a:rPr>
+              <a:t>catch</a:t>
+            </a:r>
+            <a:r>
+              <a:rPr lang="en-US" sz="800" dirty="0">
+                <a:solidFill>
+                  <a:srgbClr val="CCCCCC"/>
+                </a:solidFill>
+                <a:latin typeface="Consolas" panose="020B0609020204030204" pitchFamily="49" charset="0"/>
+              </a:rPr>
+              <a:t>((</a:t>
+            </a:r>
+            <a:r>
+              <a:rPr lang="en-US" sz="800" dirty="0">
+                <a:solidFill>
+                  <a:srgbClr val="9CDCFE"/>
+                </a:solidFill>
+                <a:latin typeface="Consolas" panose="020B0609020204030204" pitchFamily="49" charset="0"/>
+              </a:rPr>
+              <a:t>err</a:t>
+            </a:r>
+            <a:r>
+              <a:rPr lang="en-US" sz="800" dirty="0">
+                <a:solidFill>
+                  <a:srgbClr val="CCCCCC"/>
+                </a:solidFill>
+                <a:latin typeface="Consolas" panose="020B0609020204030204" pitchFamily="49" charset="0"/>
+              </a:rPr>
+              <a:t>) </a:t>
+            </a:r>
+            <a:r>
+              <a:rPr lang="en-US" sz="800" dirty="0">
+                <a:solidFill>
+                  <a:srgbClr val="569CD6"/>
+                </a:solidFill>
+                <a:latin typeface="Consolas" panose="020B0609020204030204" pitchFamily="49" charset="0"/>
+              </a:rPr>
+              <a:t>=&gt;</a:t>
+            </a:r>
+            <a:r>
+              <a:rPr lang="en-US" sz="800" dirty="0">
+                <a:solidFill>
+                  <a:srgbClr val="CCCCCC"/>
+                </a:solidFill>
+                <a:latin typeface="Consolas" panose="020B0609020204030204" pitchFamily="49" charset="0"/>
+              </a:rPr>
+              <a:t> {</a:t>
+            </a:r>
+          </a:p>
+          <a:p>
+            <a:r>
+              <a:rPr lang="en-US" sz="800" dirty="0">
+                <a:solidFill>
+                  <a:srgbClr val="CCCCCC"/>
+                </a:solidFill>
+                <a:latin typeface="Consolas" panose="020B0609020204030204" pitchFamily="49" charset="0"/>
+              </a:rPr>
+              <a:t>          </a:t>
+            </a:r>
+            <a:r>
+              <a:rPr lang="en-US" sz="800" dirty="0">
+                <a:solidFill>
+                  <a:srgbClr val="DCDCAA"/>
+                </a:solidFill>
+                <a:latin typeface="Consolas" panose="020B0609020204030204" pitchFamily="49" charset="0"/>
+              </a:rPr>
+              <a:t>dispatch</a:t>
+            </a:r>
+            <a:r>
+              <a:rPr lang="en-US" sz="800" dirty="0">
+                <a:solidFill>
+                  <a:srgbClr val="CCCCCC"/>
+                </a:solidFill>
+                <a:latin typeface="Consolas" panose="020B0609020204030204" pitchFamily="49" charset="0"/>
+              </a:rPr>
+              <a:t>({ </a:t>
+            </a:r>
+            <a:r>
+              <a:rPr lang="en-US" sz="800" dirty="0">
+                <a:solidFill>
+                  <a:srgbClr val="9CDCFE"/>
+                </a:solidFill>
+                <a:latin typeface="Consolas" panose="020B0609020204030204" pitchFamily="49" charset="0"/>
+              </a:rPr>
+              <a:t>type</a:t>
+            </a:r>
+            <a:r>
+              <a:rPr lang="en-US" sz="800" dirty="0">
+                <a:solidFill>
+                  <a:srgbClr val="CCCCCC"/>
+                </a:solidFill>
+                <a:latin typeface="Consolas" panose="020B0609020204030204" pitchFamily="49" charset="0"/>
+              </a:rPr>
+              <a:t>: </a:t>
+            </a:r>
+            <a:r>
+              <a:rPr lang="en-US" sz="800" dirty="0">
+                <a:solidFill>
+                  <a:srgbClr val="CE9178"/>
+                </a:solidFill>
+                <a:latin typeface="Consolas" panose="020B0609020204030204" pitchFamily="49" charset="0"/>
+              </a:rPr>
+              <a:t>"GET_ERROR"</a:t>
+            </a:r>
+            <a:r>
+              <a:rPr lang="en-US" sz="800" dirty="0">
+                <a:solidFill>
+                  <a:srgbClr val="CCCCCC"/>
+                </a:solidFill>
+                <a:latin typeface="Consolas" panose="020B0609020204030204" pitchFamily="49" charset="0"/>
+              </a:rPr>
+              <a:t>, </a:t>
+            </a:r>
+            <a:r>
+              <a:rPr lang="en-US" sz="800" dirty="0">
+                <a:solidFill>
+                  <a:srgbClr val="9CDCFE"/>
+                </a:solidFill>
+                <a:latin typeface="Consolas" panose="020B0609020204030204" pitchFamily="49" charset="0"/>
+              </a:rPr>
+              <a:t>data</a:t>
+            </a:r>
+            <a:r>
+              <a:rPr lang="en-US" sz="800" dirty="0">
+                <a:solidFill>
+                  <a:srgbClr val="CCCCCC"/>
+                </a:solidFill>
+                <a:latin typeface="Consolas" panose="020B0609020204030204" pitchFamily="49" charset="0"/>
+              </a:rPr>
+              <a:t>: </a:t>
+            </a:r>
+            <a:r>
+              <a:rPr lang="en-US" sz="800" dirty="0">
+                <a:solidFill>
+                  <a:srgbClr val="9CDCFE"/>
+                </a:solidFill>
+                <a:latin typeface="Consolas" panose="020B0609020204030204" pitchFamily="49" charset="0"/>
+              </a:rPr>
+              <a:t>err</a:t>
+            </a:r>
+            <a:r>
+              <a:rPr lang="en-US" sz="800" dirty="0">
+                <a:solidFill>
+                  <a:srgbClr val="CCCCCC"/>
+                </a:solidFill>
+                <a:latin typeface="Consolas" panose="020B0609020204030204" pitchFamily="49" charset="0"/>
+              </a:rPr>
+              <a:t> });</a:t>
+            </a:r>
+          </a:p>
+          <a:p>
+            <a:r>
+              <a:rPr lang="en-US" sz="800" dirty="0">
+                <a:solidFill>
+                  <a:srgbClr val="CCCCCC"/>
+                </a:solidFill>
+                <a:latin typeface="Consolas" panose="020B0609020204030204" pitchFamily="49" charset="0"/>
+              </a:rPr>
+              <a:t>        });</a:t>
+            </a:r>
+          </a:p>
+          <a:p>
+            <a:r>
+              <a:rPr lang="en-US" sz="800" dirty="0">
+                <a:solidFill>
+                  <a:srgbClr val="CCCCCC"/>
+                </a:solidFill>
+                <a:latin typeface="Consolas" panose="020B0609020204030204" pitchFamily="49" charset="0"/>
+              </a:rPr>
+              <a:t>    }, </a:t>
+            </a:r>
+            <a:r>
+              <a:rPr lang="en-US" sz="800" dirty="0">
+                <a:solidFill>
+                  <a:srgbClr val="B5CEA8"/>
+                </a:solidFill>
+                <a:latin typeface="Consolas" panose="020B0609020204030204" pitchFamily="49" charset="0"/>
+              </a:rPr>
+              <a:t>5000</a:t>
+            </a:r>
+            <a:r>
+              <a:rPr lang="en-US" sz="800" dirty="0">
+                <a:solidFill>
+                  <a:srgbClr val="CCCCCC"/>
+                </a:solidFill>
+                <a:latin typeface="Consolas" panose="020B0609020204030204" pitchFamily="49" charset="0"/>
+              </a:rPr>
+              <a:t>);</a:t>
+            </a:r>
+          </a:p>
+          <a:p>
+            <a:r>
+              <a:rPr lang="en-US" sz="800" dirty="0">
+                <a:solidFill>
+                  <a:srgbClr val="CCCCCC"/>
+                </a:solidFill>
+                <a:latin typeface="Consolas" panose="020B0609020204030204" pitchFamily="49" charset="0"/>
+              </a:rPr>
+              <a:t>  };</a:t>
+            </a:r>
+          </a:p>
+          <a:p>
+            <a:r>
+              <a:rPr lang="en-US" sz="800" dirty="0">
+                <a:solidFill>
+                  <a:srgbClr val="CCCCCC"/>
+                </a:solidFill>
+                <a:latin typeface="Consolas" panose="020B0609020204030204" pitchFamily="49" charset="0"/>
+              </a:rPr>
+              <a:t/>
+            </a:r>
+            <a:br>
+              <a:rPr lang="en-US" sz="800" dirty="0">
+                <a:solidFill>
+                  <a:srgbClr val="CCCCCC"/>
+                </a:solidFill>
+                <a:latin typeface="Consolas" panose="020B0609020204030204" pitchFamily="49" charset="0"/>
+              </a:rPr>
+            </a:br>
+            <a:r>
+              <a:rPr lang="en-US" sz="800" dirty="0">
+                <a:solidFill>
+                  <a:srgbClr val="CCCCCC"/>
+                </a:solidFill>
+                <a:latin typeface="Consolas" panose="020B0609020204030204" pitchFamily="49" charset="0"/>
+              </a:rPr>
+              <a:t>  </a:t>
+            </a:r>
+            <a:r>
+              <a:rPr lang="en-US" sz="800" dirty="0">
+                <a:solidFill>
+                  <a:srgbClr val="C586C0"/>
+                </a:solidFill>
+                <a:latin typeface="Consolas" panose="020B0609020204030204" pitchFamily="49" charset="0"/>
+              </a:rPr>
+              <a:t>return</a:t>
+            </a:r>
+            <a:r>
+              <a:rPr lang="en-US" sz="800" dirty="0">
+                <a:solidFill>
+                  <a:srgbClr val="CCCCCC"/>
+                </a:solidFill>
+                <a:latin typeface="Consolas" panose="020B0609020204030204" pitchFamily="49" charset="0"/>
+              </a:rPr>
+              <a:t> (</a:t>
+            </a:r>
+          </a:p>
+          <a:p>
+            <a:r>
+              <a:rPr lang="en-US" sz="800" dirty="0">
+                <a:solidFill>
+                  <a:srgbClr val="CCCCCC"/>
+                </a:solidFill>
+                <a:latin typeface="Consolas" panose="020B0609020204030204" pitchFamily="49" charset="0"/>
+              </a:rPr>
+              <a:t>    </a:t>
+            </a:r>
+            <a:r>
+              <a:rPr lang="en-US" sz="800" dirty="0">
+                <a:solidFill>
+                  <a:srgbClr val="808080"/>
+                </a:solidFill>
+                <a:latin typeface="Consolas" panose="020B0609020204030204" pitchFamily="49" charset="0"/>
+              </a:rPr>
+              <a:t>&lt;&gt;</a:t>
+            </a:r>
+            <a:endParaRPr lang="en-US" sz="800" dirty="0">
+              <a:solidFill>
+                <a:srgbClr val="CCCCCC"/>
+              </a:solidFill>
+              <a:latin typeface="Consolas" panose="020B0609020204030204" pitchFamily="49" charset="0"/>
+            </a:endParaRPr>
+          </a:p>
+          <a:p>
+            <a:r>
+              <a:rPr lang="en-US" sz="800" dirty="0">
+                <a:solidFill>
+                  <a:srgbClr val="CCCCCC"/>
+                </a:solidFill>
+                <a:latin typeface="Consolas" panose="020B0609020204030204" pitchFamily="49" charset="0"/>
+              </a:rPr>
+              <a:t>      </a:t>
+            </a:r>
+            <a:r>
+              <a:rPr lang="en-US" sz="800" dirty="0">
+                <a:solidFill>
+                  <a:srgbClr val="808080"/>
+                </a:solidFill>
+                <a:latin typeface="Consolas" panose="020B0609020204030204" pitchFamily="49" charset="0"/>
+              </a:rPr>
+              <a:t>&lt;</a:t>
+            </a:r>
+            <a:r>
+              <a:rPr lang="en-US" sz="800" dirty="0">
+                <a:solidFill>
+                  <a:srgbClr val="569CD6"/>
+                </a:solidFill>
+                <a:latin typeface="Consolas" panose="020B0609020204030204" pitchFamily="49" charset="0"/>
+              </a:rPr>
+              <a:t>button</a:t>
+            </a:r>
+            <a:r>
+              <a:rPr lang="en-US" sz="800" dirty="0">
+                <a:solidFill>
+                  <a:srgbClr val="CCCCCC"/>
+                </a:solidFill>
+                <a:latin typeface="Consolas" panose="020B0609020204030204" pitchFamily="49" charset="0"/>
+              </a:rPr>
+              <a:t> </a:t>
+            </a:r>
+            <a:r>
+              <a:rPr lang="en-US" sz="800" dirty="0">
+                <a:solidFill>
+                  <a:srgbClr val="9CDCFE"/>
+                </a:solidFill>
+                <a:latin typeface="Consolas" panose="020B0609020204030204" pitchFamily="49" charset="0"/>
+              </a:rPr>
+              <a:t>onClick</a:t>
+            </a:r>
+            <a:r>
+              <a:rPr lang="en-US" sz="800" dirty="0">
+                <a:solidFill>
+                  <a:srgbClr val="D4D4D4"/>
+                </a:solidFill>
+                <a:latin typeface="Consolas" panose="020B0609020204030204" pitchFamily="49" charset="0"/>
+              </a:rPr>
+              <a:t>=</a:t>
+            </a:r>
+            <a:r>
+              <a:rPr lang="en-US" sz="800" dirty="0">
+                <a:solidFill>
+                  <a:srgbClr val="569CD6"/>
+                </a:solidFill>
+                <a:latin typeface="Consolas" panose="020B0609020204030204" pitchFamily="49" charset="0"/>
+              </a:rPr>
+              <a:t>{</a:t>
+            </a:r>
+            <a:r>
+              <a:rPr lang="en-US" sz="800" dirty="0">
+                <a:solidFill>
+                  <a:srgbClr val="DCDCAA"/>
+                </a:solidFill>
+                <a:latin typeface="Consolas" panose="020B0609020204030204" pitchFamily="49" charset="0"/>
+              </a:rPr>
+              <a:t>getUsers</a:t>
+            </a:r>
+            <a:r>
+              <a:rPr lang="en-US" sz="800" dirty="0">
+                <a:solidFill>
+                  <a:srgbClr val="569CD6"/>
+                </a:solidFill>
+                <a:latin typeface="Consolas" panose="020B0609020204030204" pitchFamily="49" charset="0"/>
+              </a:rPr>
+              <a:t>}</a:t>
+            </a:r>
+            <a:r>
+              <a:rPr lang="en-US" sz="800" dirty="0">
+                <a:solidFill>
+                  <a:srgbClr val="808080"/>
+                </a:solidFill>
+                <a:latin typeface="Consolas" panose="020B0609020204030204" pitchFamily="49" charset="0"/>
+              </a:rPr>
+              <a:t>&gt;</a:t>
+            </a:r>
+            <a:r>
+              <a:rPr lang="en-US" sz="800" dirty="0">
+                <a:solidFill>
+                  <a:srgbClr val="CCCCCC"/>
+                </a:solidFill>
+                <a:latin typeface="Consolas" panose="020B0609020204030204" pitchFamily="49" charset="0"/>
+              </a:rPr>
+              <a:t>Get user</a:t>
+            </a:r>
+            <a:r>
+              <a:rPr lang="en-US" sz="800" dirty="0">
+                <a:solidFill>
+                  <a:srgbClr val="808080"/>
+                </a:solidFill>
+                <a:latin typeface="Consolas" panose="020B0609020204030204" pitchFamily="49" charset="0"/>
+              </a:rPr>
+              <a:t>&lt;/</a:t>
+            </a:r>
+            <a:r>
+              <a:rPr lang="en-US" sz="800" dirty="0">
+                <a:solidFill>
+                  <a:srgbClr val="569CD6"/>
+                </a:solidFill>
+                <a:latin typeface="Consolas" panose="020B0609020204030204" pitchFamily="49" charset="0"/>
+              </a:rPr>
+              <a:t>button</a:t>
+            </a:r>
+            <a:r>
+              <a:rPr lang="en-US" sz="800" dirty="0">
+                <a:solidFill>
+                  <a:srgbClr val="808080"/>
+                </a:solidFill>
+                <a:latin typeface="Consolas" panose="020B0609020204030204" pitchFamily="49" charset="0"/>
+              </a:rPr>
+              <a:t>&gt;</a:t>
+            </a:r>
+            <a:endParaRPr lang="en-US" sz="800" dirty="0">
+              <a:solidFill>
+                <a:srgbClr val="CCCCCC"/>
+              </a:solidFill>
+              <a:latin typeface="Consolas" panose="020B0609020204030204" pitchFamily="49" charset="0"/>
+            </a:endParaRPr>
+          </a:p>
+          <a:p>
+            <a:r>
+              <a:rPr lang="en-US" sz="800" dirty="0">
+                <a:solidFill>
+                  <a:srgbClr val="CCCCCC"/>
+                </a:solidFill>
+                <a:latin typeface="Consolas" panose="020B0609020204030204" pitchFamily="49" charset="0"/>
+              </a:rPr>
+              <a:t>      </a:t>
+            </a:r>
+            <a:r>
+              <a:rPr lang="en-US" sz="800" dirty="0">
+                <a:solidFill>
+                  <a:srgbClr val="808080"/>
+                </a:solidFill>
+                <a:latin typeface="Consolas" panose="020B0609020204030204" pitchFamily="49" charset="0"/>
+              </a:rPr>
+              <a:t>&lt;</a:t>
+            </a:r>
+            <a:r>
+              <a:rPr lang="en-US" sz="800" dirty="0">
+                <a:solidFill>
+                  <a:srgbClr val="569CD6"/>
+                </a:solidFill>
+                <a:latin typeface="Consolas" panose="020B0609020204030204" pitchFamily="49" charset="0"/>
+              </a:rPr>
+              <a:t>div</a:t>
+            </a:r>
+            <a:r>
+              <a:rPr lang="en-US" sz="800" dirty="0">
+                <a:solidFill>
+                  <a:srgbClr val="808080"/>
+                </a:solidFill>
+                <a:latin typeface="Consolas" panose="020B0609020204030204" pitchFamily="49" charset="0"/>
+              </a:rPr>
+              <a:t>&gt;</a:t>
+            </a:r>
+            <a:r>
+              <a:rPr lang="en-US" sz="800" dirty="0">
+                <a:solidFill>
+                  <a:srgbClr val="569CD6"/>
+                </a:solidFill>
+                <a:latin typeface="Consolas" panose="020B0609020204030204" pitchFamily="49" charset="0"/>
+              </a:rPr>
+              <a:t>{</a:t>
+            </a:r>
+            <a:r>
+              <a:rPr lang="en-US" sz="800" dirty="0">
+                <a:solidFill>
+                  <a:srgbClr val="4FC1FF"/>
+                </a:solidFill>
+                <a:latin typeface="Consolas" panose="020B0609020204030204" pitchFamily="49" charset="0"/>
+              </a:rPr>
+              <a:t>state</a:t>
+            </a:r>
+            <a:r>
+              <a:rPr lang="en-US" sz="800" dirty="0">
+                <a:solidFill>
+                  <a:srgbClr val="D4D4D4"/>
+                </a:solidFill>
+                <a:latin typeface="Consolas" panose="020B0609020204030204" pitchFamily="49" charset="0"/>
+              </a:rPr>
+              <a:t>.</a:t>
+            </a:r>
+            <a:r>
+              <a:rPr lang="en-US" sz="800" dirty="0">
+                <a:solidFill>
+                  <a:srgbClr val="9CDCFE"/>
+                </a:solidFill>
+                <a:latin typeface="Consolas" panose="020B0609020204030204" pitchFamily="49" charset="0"/>
+              </a:rPr>
+              <a:t>loading</a:t>
+            </a:r>
+            <a:r>
+              <a:rPr lang="en-US" sz="800" dirty="0">
+                <a:solidFill>
+                  <a:srgbClr val="D4D4D4"/>
+                </a:solidFill>
+                <a:latin typeface="Consolas" panose="020B0609020204030204" pitchFamily="49" charset="0"/>
+              </a:rPr>
+              <a:t> ? </a:t>
+            </a:r>
+            <a:r>
+              <a:rPr lang="en-US" sz="800" dirty="0">
+                <a:solidFill>
+                  <a:srgbClr val="CE9178"/>
+                </a:solidFill>
+                <a:latin typeface="Consolas" panose="020B0609020204030204" pitchFamily="49" charset="0"/>
+              </a:rPr>
+              <a:t>"Loding..."</a:t>
+            </a:r>
+            <a:r>
+              <a:rPr lang="en-US" sz="800" dirty="0">
+                <a:solidFill>
+                  <a:srgbClr val="D4D4D4"/>
+                </a:solidFill>
+                <a:latin typeface="Consolas" panose="020B0609020204030204" pitchFamily="49" charset="0"/>
+              </a:rPr>
+              <a:t> : </a:t>
+            </a:r>
+            <a:r>
+              <a:rPr lang="en-US" sz="800" dirty="0">
+                <a:solidFill>
+                  <a:srgbClr val="9CDCFE"/>
+                </a:solidFill>
+                <a:latin typeface="Consolas" panose="020B0609020204030204" pitchFamily="49" charset="0"/>
+              </a:rPr>
+              <a:t>JSON</a:t>
+            </a:r>
+            <a:r>
+              <a:rPr lang="en-US" sz="800" dirty="0">
+                <a:solidFill>
+                  <a:srgbClr val="D4D4D4"/>
+                </a:solidFill>
+                <a:latin typeface="Consolas" panose="020B0609020204030204" pitchFamily="49" charset="0"/>
+              </a:rPr>
+              <a:t>.</a:t>
+            </a:r>
+            <a:r>
+              <a:rPr lang="en-US" sz="800" dirty="0">
+                <a:solidFill>
+                  <a:srgbClr val="DCDCAA"/>
+                </a:solidFill>
+                <a:latin typeface="Consolas" panose="020B0609020204030204" pitchFamily="49" charset="0"/>
+              </a:rPr>
+              <a:t>stringify</a:t>
+            </a:r>
+            <a:r>
+              <a:rPr lang="en-US" sz="800" dirty="0">
+                <a:solidFill>
+                  <a:srgbClr val="D4D4D4"/>
+                </a:solidFill>
+                <a:latin typeface="Consolas" panose="020B0609020204030204" pitchFamily="49" charset="0"/>
+              </a:rPr>
+              <a:t>(</a:t>
+            </a:r>
+            <a:r>
+              <a:rPr lang="en-US" sz="800" dirty="0">
+                <a:solidFill>
+                  <a:srgbClr val="4FC1FF"/>
+                </a:solidFill>
+                <a:latin typeface="Consolas" panose="020B0609020204030204" pitchFamily="49" charset="0"/>
+              </a:rPr>
+              <a:t>state</a:t>
+            </a:r>
+            <a:r>
+              <a:rPr lang="en-US" sz="800" dirty="0">
+                <a:solidFill>
+                  <a:srgbClr val="D4D4D4"/>
+                </a:solidFill>
+                <a:latin typeface="Consolas" panose="020B0609020204030204" pitchFamily="49" charset="0"/>
+              </a:rPr>
+              <a:t>)</a:t>
+            </a:r>
+            <a:r>
+              <a:rPr lang="en-US" sz="800" dirty="0">
+                <a:solidFill>
+                  <a:srgbClr val="569CD6"/>
+                </a:solidFill>
+                <a:latin typeface="Consolas" panose="020B0609020204030204" pitchFamily="49" charset="0"/>
+              </a:rPr>
+              <a:t>}</a:t>
+            </a:r>
+            <a:r>
+              <a:rPr lang="en-US" sz="800" dirty="0">
+                <a:solidFill>
+                  <a:srgbClr val="808080"/>
+                </a:solidFill>
+                <a:latin typeface="Consolas" panose="020B0609020204030204" pitchFamily="49" charset="0"/>
+              </a:rPr>
+              <a:t>&lt;/</a:t>
+            </a:r>
+            <a:r>
+              <a:rPr lang="en-US" sz="800" dirty="0">
+                <a:solidFill>
+                  <a:srgbClr val="569CD6"/>
+                </a:solidFill>
+                <a:latin typeface="Consolas" panose="020B0609020204030204" pitchFamily="49" charset="0"/>
+              </a:rPr>
+              <a:t>div</a:t>
+            </a:r>
+            <a:r>
+              <a:rPr lang="en-US" sz="800" dirty="0">
+                <a:solidFill>
+                  <a:srgbClr val="808080"/>
+                </a:solidFill>
+                <a:latin typeface="Consolas" panose="020B0609020204030204" pitchFamily="49" charset="0"/>
+              </a:rPr>
+              <a:t>&gt;</a:t>
+            </a:r>
+            <a:endParaRPr lang="en-US" sz="800" dirty="0">
+              <a:solidFill>
+                <a:srgbClr val="CCCCCC"/>
+              </a:solidFill>
+              <a:latin typeface="Consolas" panose="020B0609020204030204" pitchFamily="49" charset="0"/>
+            </a:endParaRPr>
+          </a:p>
+          <a:p>
+            <a:r>
+              <a:rPr lang="en-US" sz="800" dirty="0">
+                <a:solidFill>
+                  <a:srgbClr val="CCCCCC"/>
+                </a:solidFill>
+                <a:latin typeface="Consolas" panose="020B0609020204030204" pitchFamily="49" charset="0"/>
+              </a:rPr>
+              <a:t>    </a:t>
+            </a:r>
+            <a:r>
+              <a:rPr lang="en-US" sz="800" dirty="0">
+                <a:solidFill>
+                  <a:srgbClr val="808080"/>
+                </a:solidFill>
+                <a:latin typeface="Consolas" panose="020B0609020204030204" pitchFamily="49" charset="0"/>
+              </a:rPr>
+              <a:t>&lt;/&gt;</a:t>
+            </a:r>
+            <a:endParaRPr lang="en-US" sz="800" dirty="0">
+              <a:solidFill>
+                <a:srgbClr val="CCCCCC"/>
+              </a:solidFill>
+              <a:latin typeface="Consolas" panose="020B0609020204030204" pitchFamily="49" charset="0"/>
+            </a:endParaRPr>
+          </a:p>
+          <a:p>
+            <a:r>
+              <a:rPr lang="en-US" sz="800" dirty="0">
+                <a:solidFill>
+                  <a:srgbClr val="CCCCCC"/>
+                </a:solidFill>
+                <a:latin typeface="Consolas" panose="020B0609020204030204" pitchFamily="49" charset="0"/>
+              </a:rPr>
+              <a:t>  );</a:t>
+            </a:r>
+          </a:p>
+          <a:p>
+            <a:r>
+              <a:rPr lang="en-US" sz="800" dirty="0">
+                <a:solidFill>
+                  <a:srgbClr val="CCCCCC"/>
+                </a:solidFill>
+                <a:latin typeface="Consolas" panose="020B0609020204030204" pitchFamily="49" charset="0"/>
+              </a:rPr>
+              <a:t>}</a:t>
+            </a:r>
+            <a:endParaRPr lang="en-US" sz="800" b="0" dirty="0">
+              <a:solidFill>
+                <a:srgbClr val="CCCCCC"/>
+              </a:solidFill>
+              <a:effectLst/>
+              <a:latin typeface="Consolas" panose="020B0609020204030204" pitchFamily="49" charset="0"/>
+            </a:endParaRPr>
+          </a:p>
+        </p:txBody>
+      </p:sp>
+    </p:spTree>
+    <p:extLst>
+      <p:ext uri="{BB962C8B-B14F-4D97-AF65-F5344CB8AC3E}">
+        <p14:creationId xmlns:p14="http://schemas.microsoft.com/office/powerpoint/2010/main" val="1211063583"/>
       </p:ext>
     </p:extLst>
   </p:cSld>
@@ -7646,25 +10340,49 @@
                 <a:ea typeface="Tahoma" panose="020B0604030504040204" pitchFamily="34" charset="0"/>
                 <a:cs typeface="Tahoma" panose="020B0604030504040204" pitchFamily="34" charset="0"/>
               </a:rPr>
-              <a:t>useReducer cũng giống như useState, dùng để quản lý </a:t>
-            </a:r>
+              <a:t>useReducer cũng giống như useState, dùng để quản lý state.</a:t>
+            </a:r>
+          </a:p>
+          <a:p>
             <a:r>
               <a:rPr lang="en-US" dirty="0" smtClean="0">
                 <a:latin typeface="Tahoma" panose="020B0604030504040204" pitchFamily="34" charset="0"/>
                 <a:ea typeface="Tahoma" panose="020B0604030504040204" pitchFamily="34" charset="0"/>
                 <a:cs typeface="Tahoma" panose="020B0604030504040204" pitchFamily="34" charset="0"/>
               </a:rPr>
-              <a:t>state.</a:t>
-            </a:r>
-          </a:p>
-          <a:p>
+              <a:t>Khi </a:t>
+            </a:r>
+            <a:r>
+              <a:rPr lang="vi-VN" dirty="0" smtClean="0">
+                <a:latin typeface="Tahoma" panose="020B0604030504040204" pitchFamily="34" charset="0"/>
+                <a:ea typeface="Tahoma" panose="020B0604030504040204" pitchFamily="34" charset="0"/>
+                <a:cs typeface="Tahoma" panose="020B0604030504040204" pitchFamily="34" charset="0"/>
+              </a:rPr>
+              <a:t>logic </a:t>
+            </a:r>
+            <a:r>
+              <a:rPr lang="vi-VN" dirty="0">
+                <a:latin typeface="Tahoma" panose="020B0604030504040204" pitchFamily="34" charset="0"/>
+                <a:ea typeface="Tahoma" panose="020B0604030504040204" pitchFamily="34" charset="0"/>
+                <a:cs typeface="Tahoma" panose="020B0604030504040204" pitchFamily="34" charset="0"/>
+              </a:rPr>
+              <a:t>state của component trở nên lớn và phức </a:t>
+            </a:r>
+            <a:r>
+              <a:rPr lang="vi-VN" dirty="0" smtClean="0">
+                <a:latin typeface="Tahoma" panose="020B0604030504040204" pitchFamily="34" charset="0"/>
+                <a:ea typeface="Tahoma" panose="020B0604030504040204" pitchFamily="34" charset="0"/>
+                <a:cs typeface="Tahoma" panose="020B0604030504040204" pitchFamily="34" charset="0"/>
+              </a:rPr>
+              <a:t>tạp</a:t>
+            </a:r>
             <a:r>
               <a:rPr lang="en-US" dirty="0" smtClean="0">
                 <a:latin typeface="Tahoma" panose="020B0604030504040204" pitchFamily="34" charset="0"/>
                 <a:ea typeface="Tahoma" panose="020B0604030504040204" pitchFamily="34" charset="0"/>
                 <a:cs typeface="Tahoma" panose="020B0604030504040204" pitchFamily="34" charset="0"/>
               </a:rPr>
-              <a:t>Khi </a:t>
+              <a:t> thì thay vì sử dụng nhiều useState</a:t>
             </a:r>
             <a:r>
               <a:rPr lang="vi-VN" dirty="0" smtClean="0">
@@ -7672,7 +10390,39 @@
                 <a:ea typeface="Tahoma" panose="020B0604030504040204" pitchFamily="34" charset="0"/>
                 <a:cs typeface="Tahoma" panose="020B0604030504040204" pitchFamily="34" charset="0"/>
               </a:rPr>
-              <a:t>logic </a:t>
+              <a:t> thì</a:t>
+            </a:r>
+            <a:r>
+              <a:rPr lang="en-US" dirty="0" smtClean="0">
+                <a:latin typeface="Tahoma" panose="020B0604030504040204" pitchFamily="34" charset="0"/>
+                <a:ea typeface="Tahoma" panose="020B0604030504040204" pitchFamily="34" charset="0"/>
+                <a:cs typeface="Tahoma" panose="020B0604030504040204" pitchFamily="34" charset="0"/>
+              </a:rPr>
+              <a:t> ta có thể thay thế bằng</a:t>
+            </a:r>
+            <a:r>
+              <a:rPr lang="vi-VN" dirty="0" smtClean="0">
+                <a:latin typeface="Tahoma" panose="020B0604030504040204" pitchFamily="34" charset="0"/>
+                <a:ea typeface="Tahoma" panose="020B0604030504040204" pitchFamily="34" charset="0"/>
+                <a:cs typeface="Tahoma" panose="020B0604030504040204" pitchFamily="34" charset="0"/>
+              </a:rPr>
+              <a:t> useReducer</a:t>
+            </a:r>
+            <a:r>
+              <a:rPr lang="en-US" dirty="0" smtClean="0">
+                <a:latin typeface="Tahoma" panose="020B0604030504040204" pitchFamily="34" charset="0"/>
+                <a:ea typeface="Tahoma" panose="020B0604030504040204" pitchFamily="34" charset="0"/>
+                <a:cs typeface="Tahoma" panose="020B0604030504040204" pitchFamily="34" charset="0"/>
+              </a:rPr>
+              <a:t>, nó</a:t>
+            </a:r>
+            <a:r>
+              <a:rPr lang="vi-VN" dirty="0" smtClean="0">
+                <a:latin typeface="Tahoma" panose="020B0604030504040204" pitchFamily="34" charset="0"/>
+                <a:ea typeface="Tahoma" panose="020B0604030504040204" pitchFamily="34" charset="0"/>
+                <a:cs typeface="Tahoma" panose="020B0604030504040204" pitchFamily="34" charset="0"/>
+              </a:rPr>
+              <a:t> </a:t>
             </a:r>
             <a:r>
               <a:rPr lang="vi-VN" dirty="0">
@@ -7680,7 +10430,7 @@
                 <a:ea typeface="Tahoma" panose="020B0604030504040204" pitchFamily="34" charset="0"/>
                 <a:cs typeface="Tahoma" panose="020B0604030504040204" pitchFamily="34" charset="0"/>
               </a:rPr>
-              <a:t>state của component trở nên lớn và phức </a:t>
+              <a:t>sẽ giúp chúng ta dễ quản lý và tổ chức </a:t>
             </a:r>
             <a:r>
               <a:rPr lang="vi-VN" dirty="0" smtClean="0">
@@ -7688,7 +10438,7 @@
                 <a:ea typeface="Tahoma" panose="020B0604030504040204" pitchFamily="34" charset="0"/>
                 <a:cs typeface="Tahoma" panose="020B0604030504040204" pitchFamily="34" charset="0"/>
               </a:rPr>
-              <a:t>tạp</a:t>
+              <a:t>state</a:t>
             </a:r>
             <a:r>
               <a:rPr lang="en-US" dirty="0" smtClean="0">
@@ -7696,7 +10446,7 @@
                 <a:ea typeface="Tahoma" panose="020B0604030504040204" pitchFamily="34" charset="0"/>
                 <a:cs typeface="Tahoma" panose="020B0604030504040204" pitchFamily="34" charset="0"/>
               </a:rPr>
-              <a:t> thì thay vì sử dụng nhiều useState</a:t>
+              <a:t> </a:t>
             </a:r>
             <a:r>
               <a:rPr lang="vi-VN" dirty="0" smtClean="0">
@@ -7704,79 +10454,7 @@
                 <a:ea typeface="Tahoma" panose="020B0604030504040204" pitchFamily="34" charset="0"/>
                 <a:cs typeface="Tahoma" panose="020B0604030504040204" pitchFamily="34" charset="0"/>
               </a:rPr>
-              <a:t> thì</a:t>
-            </a:r>
-            <a:r>
-              <a:rPr lang="en-US" dirty="0" smtClean="0">
-                <a:latin typeface="Tahoma" panose="020B0604030504040204" pitchFamily="34" charset="0"/>
-                <a:ea typeface="Tahoma" panose="020B0604030504040204" pitchFamily="34" charset="0"/>
-                <a:cs typeface="Tahoma" panose="020B0604030504040204" pitchFamily="34" charset="0"/>
-              </a:rPr>
-              <a:t> ta có thể thay thế bằng</a:t>
-            </a:r>
-            <a:r>
-              <a:rPr lang="vi-VN" dirty="0" smtClean="0">
-                <a:latin typeface="Tahoma" panose="020B0604030504040204" pitchFamily="34" charset="0"/>
-                <a:ea typeface="Tahoma" panose="020B0604030504040204" pitchFamily="34" charset="0"/>
-                <a:cs typeface="Tahoma" panose="020B0604030504040204" pitchFamily="34" charset="0"/>
-              </a:rPr>
-              <a:t> useReducer</a:t>
-            </a:r>
-            <a:r>
-              <a:rPr lang="en-US" dirty="0" smtClean="0">
-                <a:latin typeface="Tahoma" panose="020B0604030504040204" pitchFamily="34" charset="0"/>
-                <a:ea typeface="Tahoma" panose="020B0604030504040204" pitchFamily="34" charset="0"/>
-                <a:cs typeface="Tahoma" panose="020B0604030504040204" pitchFamily="34" charset="0"/>
-              </a:rPr>
-              <a:t>, nó</a:t>
-            </a:r>
-            <a:r>
-              <a:rPr lang="vi-VN" dirty="0" smtClean="0">
-                <a:latin typeface="Tahoma" panose="020B0604030504040204" pitchFamily="34" charset="0"/>
-                <a:ea typeface="Tahoma" panose="020B0604030504040204" pitchFamily="34" charset="0"/>
-                <a:cs typeface="Tahoma" panose="020B0604030504040204" pitchFamily="34" charset="0"/>
-              </a:rPr>
-              <a:t> </a:t>
-            </a:r>
-            <a:r>
-              <a:rPr lang="vi-VN" dirty="0">
-                <a:latin typeface="Tahoma" panose="020B0604030504040204" pitchFamily="34" charset="0"/>
-                <a:ea typeface="Tahoma" panose="020B0604030504040204" pitchFamily="34" charset="0"/>
-                <a:cs typeface="Tahoma" panose="020B0604030504040204" pitchFamily="34" charset="0"/>
-              </a:rPr>
-              <a:t>sẽ giúp chúng ta dễ quản lý và tổ chức </a:t>
-            </a:r>
-            <a:r>
-              <a:rPr lang="vi-VN" dirty="0" smtClean="0">
-                <a:latin typeface="Tahoma" panose="020B0604030504040204" pitchFamily="34" charset="0"/>
-                <a:ea typeface="Tahoma" panose="020B0604030504040204" pitchFamily="34" charset="0"/>
-                <a:cs typeface="Tahoma" panose="020B0604030504040204" pitchFamily="34" charset="0"/>
-              </a:rPr>
-              <a:t>state</a:t>
-            </a:r>
-            <a:r>
-              <a:rPr lang="en-US" dirty="0" smtClean="0">
-                <a:latin typeface="Tahoma" panose="020B0604030504040204" pitchFamily="34" charset="0"/>
-                <a:ea typeface="Tahoma" panose="020B0604030504040204" pitchFamily="34" charset="0"/>
-                <a:cs typeface="Tahoma" panose="020B0604030504040204" pitchFamily="34" charset="0"/>
-              </a:rPr>
-              <a:t> </a:t>
-            </a:r>
-            <a:r>
-              <a:rPr lang="vi-VN" dirty="0" smtClean="0">
-                <a:latin typeface="Tahoma" panose="020B0604030504040204" pitchFamily="34" charset="0"/>
-                <a:ea typeface="Tahoma" panose="020B0604030504040204" pitchFamily="34" charset="0"/>
-                <a:cs typeface="Tahoma" panose="020B0604030504040204" pitchFamily="34" charset="0"/>
-              </a:rPr>
-              <a:t>hơn</a:t>
-            </a:r>
-            <a:r>
-              <a:rPr lang="vi-VN" dirty="0" smtClean="0">
-                <a:latin typeface="Tahoma" panose="020B0604030504040204" pitchFamily="34" charset="0"/>
-                <a:ea typeface="Tahoma" panose="020B0604030504040204" pitchFamily="34" charset="0"/>
-                <a:cs typeface="Tahoma" panose="020B0604030504040204" pitchFamily="34" charset="0"/>
-              </a:rPr>
-              <a:t>.</a:t>
+              <a:t>hơn.</a:t>
             </a:r>
             <a:endParaRPr lang="en-US" dirty="0" smtClean="0">
               <a:latin typeface="Tahoma" panose="020B0604030504040204" pitchFamily="34" charset="0"/>
@@ -9716,11 +12394,6 @@
               </a:rPr>
               <a:t>Increase</a:t>
             </a:r>
-            <a:endParaRPr lang="en-US" dirty="0" smtClean="0">
-              <a:latin typeface="Tahoma" panose="020B0604030504040204" pitchFamily="34" charset="0"/>
-              <a:ea typeface="Tahoma" panose="020B0604030504040204" pitchFamily="34" charset="0"/>
-              <a:cs typeface="Tahoma" panose="020B0604030504040204" pitchFamily="34" charset="0"/>
-            </a:endParaRPr>
           </a:p>
         </p:txBody>
       </p:sp>
@@ -9872,11 +12545,6 @@
               </a:rPr>
               <a:t>Increase -&gt; state + 1</a:t>
             </a:r>
-            <a:endParaRPr lang="en-US" dirty="0" smtClean="0">
-              <a:latin typeface="Tahoma" panose="020B0604030504040204" pitchFamily="34" charset="0"/>
-              <a:ea typeface="Tahoma" panose="020B0604030504040204" pitchFamily="34" charset="0"/>
-              <a:cs typeface="Tahoma" panose="020B0604030504040204" pitchFamily="34" charset="0"/>
-            </a:endParaRPr>
           </a:p>
         </p:txBody>
       </p:sp>
@@ -10064,11 +12732,6 @@
               </a:rPr>
               <a:t>Dispatch</a:t>
             </a:r>
-            <a:endParaRPr lang="en-US" dirty="0" smtClean="0">
-              <a:latin typeface="Tahoma" panose="020B0604030504040204" pitchFamily="34" charset="0"/>
-              <a:ea typeface="Tahoma" panose="020B0604030504040204" pitchFamily="34" charset="0"/>
-              <a:cs typeface="Tahoma" panose="020B0604030504040204" pitchFamily="34" charset="0"/>
-            </a:endParaRPr>
           </a:p>
         </p:txBody>
       </p:sp>
@@ -10256,40 +12919,22 @@
                 <a:ea typeface="Tahoma" panose="020B0604030504040204" pitchFamily="34" charset="0"/>
                 <a:cs typeface="Tahoma" panose="020B0604030504040204" pitchFamily="34" charset="0"/>
               </a:rPr>
-              <a:t>Reducer -&gt; Tính toán</a:t>
-            </a:r>
+              <a:t>Reducer -&gt; Tính toán decrease -&gt; state + 1, increase -&gt; state - 1</a:t>
+            </a:r>
+          </a:p>
+          <a:p>
+            <a:pPr marL="571500" lvl="1" indent="-342900">
+              <a:buFont typeface="+mj-lt"/>
+              <a:buAutoNum type="arabicPeriod"/>
+            </a:pPr>
             <a:r>
               <a:rPr lang="en-US" dirty="0" smtClean="0">
                 <a:latin typeface="Tahoma" panose="020B0604030504040204" pitchFamily="34" charset="0"/>
                 <a:ea typeface="Tahoma" panose="020B0604030504040204" pitchFamily="34" charset="0"/>
                 <a:cs typeface="Tahoma" panose="020B0604030504040204" pitchFamily="34" charset="0"/>
               </a:rPr>
-              <a:t> decrease -&gt; state + 1, increase -&gt; state - 1</a:t>
-            </a:r>
-            <a:endParaRPr lang="en-US" dirty="0" smtClean="0">
-              <a:latin typeface="Tahoma" panose="020B0604030504040204" pitchFamily="34" charset="0"/>
-              <a:ea typeface="Tahoma" panose="020B0604030504040204" pitchFamily="34" charset="0"/>
-              <a:cs typeface="Tahoma" panose="020B0604030504040204" pitchFamily="34" charset="0"/>
-            </a:endParaRPr>
-          </a:p>
-          <a:p>
-            <a:pPr marL="571500" lvl="1" indent="-342900">
-              <a:buFont typeface="+mj-lt"/>
-              <a:buAutoNum type="arabicPeriod"/>
-            </a:pPr>
-            <a:r>
-              <a:rPr lang="en-US" dirty="0" smtClean="0">
-                <a:latin typeface="Tahoma" panose="020B0604030504040204" pitchFamily="34" charset="0"/>
-                <a:ea typeface="Tahoma" panose="020B0604030504040204" pitchFamily="34" charset="0"/>
-                <a:cs typeface="Tahoma" panose="020B0604030504040204" pitchFamily="34" charset="0"/>
-              </a:rPr>
               <a:t>Dispatch -&gt; Phân chia action cho button</a:t>
             </a:r>
-            <a:endParaRPr lang="en-US" dirty="0" smtClean="0">
-              <a:latin typeface="Tahoma" panose="020B0604030504040204" pitchFamily="34" charset="0"/>
-              <a:ea typeface="Tahoma" panose="020B0604030504040204" pitchFamily="34" charset="0"/>
-              <a:cs typeface="Tahoma" panose="020B0604030504040204" pitchFamily="34" charset="0"/>
-            </a:endParaRPr>
           </a:p>
         </p:txBody>
       </p:sp>
